--- a/slides/07_2_NestedClass.pptx
+++ b/slides/07_2_NestedClass.pptx
@@ -1,24 +1,24 @@
 
 <file path=ppt/presentation.xml><?xml version="1.0" encoding="utf-8"?>
-<p:presentation xmlns:a="http://schemas.openxmlformats.org/drawingml/2006/main" xmlns:r="http://schemas.openxmlformats.org/officeDocument/2006/relationships" xmlns:p="http://schemas.openxmlformats.org/presentationml/2006/main" xmlns:m="http://schemas.openxmlformats.org/officeDocument/2006/math" xmlns:a14="http://schemas.microsoft.com/office/drawing/2010/main">
+<p:presentation xmlns:a="http://schemas.openxmlformats.org/drawingml/2006/main" xmlns:r="http://schemas.openxmlformats.org/officeDocument/2006/relationships" xmlns:p="http://schemas.openxmlformats.org/presentationml/2006/main">
   <p:sldMasterIdLst>
-    <p:sldMasterId id="2147483648" r:id="rId5"/>
+    <p:sldMasterId id="2147483648" r:id="rId1"/>
   </p:sldMasterIdLst>
   <p:notesMasterIdLst>
-    <p:notesMasterId r:id="rId7"/>
+    <p:notesMasterId r:id="rId13"/>
   </p:notesMasterIdLst>
   <p:sldIdLst>
-    <p:sldId id="256" r:id="rId8"/>
-    <p:sldId id="257" r:id="rId9"/>
-    <p:sldId id="258" r:id="rId10"/>
-    <p:sldId id="259" r:id="rId11"/>
-    <p:sldId id="260" r:id="rId12"/>
-    <p:sldId id="261" r:id="rId13"/>
-    <p:sldId id="262" r:id="rId14"/>
-    <p:sldId id="263" r:id="rId15"/>
-    <p:sldId id="264" r:id="rId16"/>
-    <p:sldId id="265" r:id="rId17"/>
-    <p:sldId id="266" r:id="rId18"/>
+    <p:sldId id="256" r:id="rId2"/>
+    <p:sldId id="257" r:id="rId3"/>
+    <p:sldId id="258" r:id="rId4"/>
+    <p:sldId id="259" r:id="rId5"/>
+    <p:sldId id="260" r:id="rId6"/>
+    <p:sldId id="261" r:id="rId7"/>
+    <p:sldId id="262" r:id="rId8"/>
+    <p:sldId id="263" r:id="rId9"/>
+    <p:sldId id="264" r:id="rId10"/>
+    <p:sldId id="265" r:id="rId11"/>
+    <p:sldId id="266" r:id="rId12"/>
   </p:sldIdLst>
   <p:sldSz cx="12192000" cy="6858000"/>
   <p:notesSz cx="6858000" cy="9144000"/>
@@ -38,7 +38,7 @@
       <a:buFontTx/>
       <a:buNone/>
       <a:tabLst/>
-      <a:defRPr b="0" baseline="0" cap="none" i="0" spc="0" strike="noStrike" sz="1800" u="none" kumimoji="0" normalizeH="0">
+      <a:defRPr kumimoji="0" sz="1800" b="0" i="0" u="none" strike="noStrike" cap="none" spc="0" normalizeH="0" baseline="0">
         <a:ln>
           <a:noFill/>
         </a:ln>
@@ -64,7 +64,7 @@
       <a:buFontTx/>
       <a:buNone/>
       <a:tabLst/>
-      <a:defRPr b="0" baseline="0" cap="none" i="0" spc="0" strike="noStrike" sz="1800" u="none" kumimoji="0" normalizeH="0">
+      <a:defRPr kumimoji="0" sz="1800" b="0" i="0" u="none" strike="noStrike" cap="none" spc="0" normalizeH="0" baseline="0">
         <a:ln>
           <a:noFill/>
         </a:ln>
@@ -94,7 +94,7 @@
       <a:buFontTx/>
       <a:buNone/>
       <a:tabLst/>
-      <a:defRPr b="0" baseline="0" cap="none" i="0" spc="0" strike="noStrike" sz="1800" u="none" kumimoji="0" normalizeH="0">
+      <a:defRPr kumimoji="0" sz="1800" b="0" i="0" u="none" strike="noStrike" cap="none" spc="0" normalizeH="0" baseline="0">
         <a:ln>
           <a:noFill/>
         </a:ln>
@@ -124,7 +124,7 @@
       <a:buFontTx/>
       <a:buNone/>
       <a:tabLst/>
-      <a:defRPr b="0" baseline="0" cap="none" i="0" spc="0" strike="noStrike" sz="1800" u="none" kumimoji="0" normalizeH="0">
+      <a:defRPr kumimoji="0" sz="1800" b="0" i="0" u="none" strike="noStrike" cap="none" spc="0" normalizeH="0" baseline="0">
         <a:ln>
           <a:noFill/>
         </a:ln>
@@ -154,7 +154,7 @@
       <a:buFontTx/>
       <a:buNone/>
       <a:tabLst/>
-      <a:defRPr b="0" baseline="0" cap="none" i="0" spc="0" strike="noStrike" sz="1800" u="none" kumimoji="0" normalizeH="0">
+      <a:defRPr kumimoji="0" sz="1800" b="0" i="0" u="none" strike="noStrike" cap="none" spc="0" normalizeH="0" baseline="0">
         <a:ln>
           <a:noFill/>
         </a:ln>
@@ -184,7 +184,7 @@
       <a:buFontTx/>
       <a:buNone/>
       <a:tabLst/>
-      <a:defRPr b="0" baseline="0" cap="none" i="0" spc="0" strike="noStrike" sz="1800" u="none" kumimoji="0" normalizeH="0">
+      <a:defRPr kumimoji="0" sz="1800" b="0" i="0" u="none" strike="noStrike" cap="none" spc="0" normalizeH="0" baseline="0">
         <a:ln>
           <a:noFill/>
         </a:ln>
@@ -214,7 +214,7 @@
       <a:buFontTx/>
       <a:buNone/>
       <a:tabLst/>
-      <a:defRPr b="0" baseline="0" cap="none" i="0" spc="0" strike="noStrike" sz="1800" u="none" kumimoji="0" normalizeH="0">
+      <a:defRPr kumimoji="0" sz="1800" b="0" i="0" u="none" strike="noStrike" cap="none" spc="0" normalizeH="0" baseline="0">
         <a:ln>
           <a:noFill/>
         </a:ln>
@@ -244,7 +244,7 @@
       <a:buFontTx/>
       <a:buNone/>
       <a:tabLst/>
-      <a:defRPr b="0" baseline="0" cap="none" i="0" spc="0" strike="noStrike" sz="1800" u="none" kumimoji="0" normalizeH="0">
+      <a:defRPr kumimoji="0" sz="1800" b="0" i="0" u="none" strike="noStrike" cap="none" spc="0" normalizeH="0" baseline="0">
         <a:ln>
           <a:noFill/>
         </a:ln>
@@ -274,7 +274,7 @@
       <a:buFontTx/>
       <a:buNone/>
       <a:tabLst/>
-      <a:defRPr b="0" baseline="0" cap="none" i="0" spc="0" strike="noStrike" sz="1800" u="none" kumimoji="0" normalizeH="0">
+      <a:defRPr kumimoji="0" sz="1800" b="0" i="0" u="none" strike="noStrike" cap="none" spc="0" normalizeH="0" baseline="0">
         <a:ln>
           <a:noFill/>
         </a:ln>
@@ -304,7 +304,7 @@
       <a:buFontTx/>
       <a:buNone/>
       <a:tabLst/>
-      <a:defRPr b="0" baseline="0" cap="none" i="0" spc="0" strike="noStrike" sz="1800" u="none" kumimoji="0" normalizeH="0">
+      <a:defRPr kumimoji="0" sz="1800" b="0" i="0" u="none" strike="noStrike" cap="none" spc="0" normalizeH="0" baseline="0">
         <a:ln>
           <a:noFill/>
         </a:ln>
@@ -323,13 +323,14 @@
 </p:presentation>
 </file>
 
-<file path=ppt/commentAuthors.xml><?xml version="1.0" encoding="utf-8"?>
-<p:cmAuthorLst xmlns:a="http://schemas.openxmlformats.org/drawingml/2006/main" xmlns:r="http://schemas.openxmlformats.org/officeDocument/2006/relationships" xmlns:p="http://schemas.openxmlformats.org/presentationml/2006/main" xmlns:m="http://schemas.openxmlformats.org/officeDocument/2006/math" xmlns:a14="http://schemas.microsoft.com/office/drawing/2010/main"/>
-</file>
-
 <file path=ppt/notesMasters/notesMaster1.xml><?xml version="1.0" encoding="utf-8"?>
-<p:notesMaster xmlns:a="http://schemas.openxmlformats.org/drawingml/2006/main" xmlns:r="http://schemas.openxmlformats.org/officeDocument/2006/relationships" xmlns:p="http://schemas.openxmlformats.org/presentationml/2006/main" xmlns:m="http://schemas.openxmlformats.org/officeDocument/2006/math" xmlns:a14="http://schemas.microsoft.com/office/drawing/2010/main">
+<p:notesMaster xmlns:a="http://schemas.openxmlformats.org/drawingml/2006/main" xmlns:r="http://schemas.openxmlformats.org/officeDocument/2006/relationships" xmlns:p="http://schemas.openxmlformats.org/presentationml/2006/main">
   <p:cSld>
+    <p:bg>
+      <p:bgRef idx="1001">
+        <a:schemeClr val="bg1"/>
+      </p:bgRef>
+    </p:bg>
     <p:spTree>
       <p:nvGrpSpPr>
         <p:cNvPr id="1" name=""/>
@@ -347,7 +348,9 @@
       <p:sp>
         <p:nvSpPr>
           <p:cNvPr id="28" name="Shape 28"/>
-          <p:cNvSpPr/>
+          <p:cNvSpPr>
+            <a:spLocks noGrp="1" noRot="1" noChangeAspect="1"/>
+          </p:cNvSpPr>
           <p:nvPr>
             <p:ph type="sldImg"/>
           </p:nvPr>
@@ -365,14 +368,16 @@
           <a:bodyPr/>
           <a:lstStyle/>
           <a:p>
-            <a:pPr/>
+            <a:endParaRPr/>
           </a:p>
         </p:txBody>
       </p:sp>
       <p:sp>
         <p:nvSpPr>
           <p:cNvPr id="29" name="Shape 29"/>
-          <p:cNvSpPr/>
+          <p:cNvSpPr>
+            <a:spLocks noGrp="1"/>
+          </p:cNvSpPr>
           <p:nvPr>
             <p:ph type="body" sz="quarter" idx="1"/>
           </p:nvPr>
@@ -390,7 +395,7 @@
           <a:bodyPr/>
           <a:lstStyle/>
           <a:p>
-            <a:pPr/>
+            <a:endParaRPr/>
           </a:p>
         </p:txBody>
       </p:sp>
@@ -475,7 +480,7 @@
 </file>
 
 <file path=ppt/notesSlides/notesSlide1.xml><?xml version="1.0" encoding="utf-8"?>
-<p:notes xmlns:a="http://schemas.openxmlformats.org/drawingml/2006/main" xmlns:r="http://schemas.openxmlformats.org/officeDocument/2006/relationships" xmlns:p="http://schemas.openxmlformats.org/presentationml/2006/main" xmlns:m="http://schemas.openxmlformats.org/officeDocument/2006/math" xmlns:a14="http://schemas.microsoft.com/office/drawing/2010/main" showMasterSp="1" showMasterPhAnim="1">
+<p:notes xmlns:a="http://schemas.openxmlformats.org/drawingml/2006/main" xmlns:r="http://schemas.openxmlformats.org/officeDocument/2006/relationships" xmlns:p="http://schemas.openxmlformats.org/presentationml/2006/main">
   <p:cSld>
     <p:spTree>
       <p:nvGrpSpPr>
@@ -494,7 +499,9 @@
       <p:sp>
         <p:nvSpPr>
           <p:cNvPr id="33" name="Shape 33"/>
-          <p:cNvSpPr/>
+          <p:cNvSpPr>
+            <a:spLocks noGrp="1" noRot="1" noChangeAspect="1"/>
+          </p:cNvSpPr>
           <p:nvPr>
             <p:ph type="sldImg"/>
           </p:nvPr>
@@ -508,14 +515,16 @@
           <a:bodyPr/>
           <a:lstStyle/>
           <a:p>
-            <a:pPr/>
+            <a:endParaRPr/>
           </a:p>
         </p:txBody>
       </p:sp>
       <p:sp>
         <p:nvSpPr>
           <p:cNvPr id="34" name="Shape 34"/>
-          <p:cNvSpPr/>
+          <p:cNvSpPr>
+            <a:spLocks noGrp="1"/>
+          </p:cNvSpPr>
           <p:nvPr>
             <p:ph type="body" sz="quarter" idx="1"/>
           </p:nvPr>
@@ -529,7 +538,6 @@
           <a:bodyPr/>
           <a:lstStyle/>
           <a:p>
-            <a:pPr/>
             <a:r>
               <a:t>Nested Class에 대해 강의하겠습니다. </a:t>
             </a:r>
@@ -545,7 +553,7 @@
 </file>
 
 <file path=ppt/notesSlides/notesSlide10.xml><?xml version="1.0" encoding="utf-8"?>
-<p:notes xmlns:a="http://schemas.openxmlformats.org/drawingml/2006/main" xmlns:r="http://schemas.openxmlformats.org/officeDocument/2006/relationships" xmlns:p="http://schemas.openxmlformats.org/presentationml/2006/main" xmlns:m="http://schemas.openxmlformats.org/officeDocument/2006/math" xmlns:a14="http://schemas.microsoft.com/office/drawing/2010/main" showMasterSp="1" showMasterPhAnim="1">
+<p:notes xmlns:a="http://schemas.openxmlformats.org/drawingml/2006/main" xmlns:r="http://schemas.openxmlformats.org/officeDocument/2006/relationships" xmlns:p="http://schemas.openxmlformats.org/presentationml/2006/main">
   <p:cSld>
     <p:spTree>
       <p:nvGrpSpPr>
@@ -564,7 +572,9 @@
       <p:sp>
         <p:nvSpPr>
           <p:cNvPr id="88" name="Shape 88"/>
-          <p:cNvSpPr/>
+          <p:cNvSpPr>
+            <a:spLocks noGrp="1" noRot="1" noChangeAspect="1"/>
+          </p:cNvSpPr>
           <p:nvPr>
             <p:ph type="sldImg"/>
           </p:nvPr>
@@ -578,14 +588,16 @@
           <a:bodyPr/>
           <a:lstStyle/>
           <a:p>
-            <a:pPr/>
+            <a:endParaRPr/>
           </a:p>
         </p:txBody>
       </p:sp>
       <p:sp>
         <p:nvSpPr>
           <p:cNvPr id="89" name="Shape 89"/>
-          <p:cNvSpPr/>
+          <p:cNvSpPr>
+            <a:spLocks noGrp="1"/>
+          </p:cNvSpPr>
           <p:nvPr>
             <p:ph type="body" sz="quarter" idx="1"/>
           </p:nvPr>
@@ -599,118 +611,100 @@
           <a:bodyPr/>
           <a:lstStyle/>
           <a:p>
-            <a:pPr/>
             <a:r>
               <a:t>페이지 10</a:t>
             </a:r>
           </a:p>
           <a:p>
-            <a:pPr/>
-          </a:p>
-          <a:p>
-            <a:pPr/>
+            <a:endParaRPr/>
+          </a:p>
+          <a:p>
             <a:r>
               <a:t>마지막으로 Anonymous Class에 대해 알아보겠습니다. </a:t>
             </a:r>
           </a:p>
           <a:p>
-            <a:pPr/>
             <a:r>
               <a:t>Anonymous Class는 어떤 interface를 </a:t>
             </a:r>
           </a:p>
           <a:p>
-            <a:pPr/>
             <a:r>
               <a:t>딱 한번만 implement해야 하는 경우에 사용될 수 있으며</a:t>
             </a:r>
           </a:p>
           <a:p>
-            <a:pPr/>
             <a:r>
               <a:t>이 경우에 impelement된 class는 </a:t>
             </a:r>
           </a:p>
           <a:p>
-            <a:pPr/>
             <a:r>
               <a:t>다른 어느 곳에서도 재 사용되지 않습니다. </a:t>
             </a:r>
           </a:p>
           <a:p>
-            <a:pPr/>
             <a:r>
               <a:t>그러니까 우리 생활에서 어떤 순간 어떤 장소에 꼭 필요한 도구이지만</a:t>
             </a:r>
           </a:p>
           <a:p>
-            <a:pPr/>
             <a:r>
               <a:t>그 때 말고는 다시 어느 경우에도 사용되지 않는 도구라면</a:t>
             </a:r>
           </a:p>
           <a:p>
-            <a:pPr/>
             <a:r>
               <a:t>수공품으로 만들어서 한번만 사용할 수 있도록 하면되고</a:t>
             </a:r>
           </a:p>
           <a:p>
-            <a:pPr/>
             <a:r>
               <a:t>설계도를 공장으로 보내 여러 오브젝트를 만들 틀까지 준비할 필요는</a:t>
             </a:r>
           </a:p>
           <a:p>
-            <a:pPr/>
             <a:r>
               <a:t>없는 경우라고 비유할 수 있습니다. </a:t>
             </a:r>
           </a:p>
           <a:p>
-            <a:pPr/>
             <a:r>
               <a:t>Anonymous class는 class의 implementation이 </a:t>
             </a:r>
           </a:p>
           <a:p>
-            <a:pPr/>
             <a:r>
               <a:t>variable의 옆에 바로 놓여져 있으므로</a:t>
             </a:r>
           </a:p>
           <a:p>
-            <a:pPr/>
             <a:r>
               <a:t>어떻게 보면 이해하기 쉽다고도 할 수 있습니다. </a:t>
             </a:r>
           </a:p>
           <a:p>
-            <a:pPr/>
             <a:r>
               <a:t>Anonymous class는 callback method의 구현에 많이 사용되는데,</a:t>
             </a:r>
           </a:p>
           <a:p>
-            <a:pPr/>
             <a:r>
               <a:t>특히 Graphical User Interface (GUI) application에서 </a:t>
             </a:r>
           </a:p>
           <a:p>
-            <a:pPr/>
             <a:r>
               <a:t>button click과 같은 event가 발생했을 때 실행되는 </a:t>
             </a:r>
           </a:p>
           <a:p>
-            <a:pPr/>
             <a:r>
               <a:t>callback method를 구현하는데서 볼 수 있습니다. </a:t>
             </a:r>
           </a:p>
           <a:p>
-            <a:pPr/>
+            <a:endParaRPr/>
           </a:p>
         </p:txBody>
       </p:sp>
@@ -723,7 +717,7 @@
 </file>
 
 <file path=ppt/notesSlides/notesSlide11.xml><?xml version="1.0" encoding="utf-8"?>
-<p:notes xmlns:a="http://schemas.openxmlformats.org/drawingml/2006/main" xmlns:r="http://schemas.openxmlformats.org/officeDocument/2006/relationships" xmlns:p="http://schemas.openxmlformats.org/presentationml/2006/main" xmlns:m="http://schemas.openxmlformats.org/officeDocument/2006/math" xmlns:a14="http://schemas.microsoft.com/office/drawing/2010/main" showMasterSp="1" showMasterPhAnim="1">
+<p:notes xmlns:a="http://schemas.openxmlformats.org/drawingml/2006/main" xmlns:r="http://schemas.openxmlformats.org/officeDocument/2006/relationships" xmlns:p="http://schemas.openxmlformats.org/presentationml/2006/main">
   <p:cSld>
     <p:spTree>
       <p:nvGrpSpPr>
@@ -742,12 +736,18 @@
       <p:sp>
         <p:nvSpPr>
           <p:cNvPr id="94" name="Shape 94"/>
-          <p:cNvSpPr/>
+          <p:cNvSpPr>
+            <a:spLocks noGrp="1" noRot="1" noChangeAspect="1"/>
+          </p:cNvSpPr>
           <p:nvPr>
             <p:ph type="sldImg"/>
           </p:nvPr>
         </p:nvSpPr>
         <p:spPr>
+          <a:xfrm>
+            <a:off x="381000" y="685800"/>
+            <a:ext cx="6096000" cy="3429000"/>
+          </a:xfrm>
           <a:prstGeom prst="rect">
             <a:avLst/>
           </a:prstGeom>
@@ -756,14 +756,16 @@
           <a:bodyPr/>
           <a:lstStyle/>
           <a:p>
-            <a:pPr/>
+            <a:endParaRPr/>
           </a:p>
         </p:txBody>
       </p:sp>
       <p:sp>
         <p:nvSpPr>
           <p:cNvPr id="95" name="Shape 95"/>
-          <p:cNvSpPr/>
+          <p:cNvSpPr>
+            <a:spLocks noGrp="1"/>
+          </p:cNvSpPr>
           <p:nvPr>
             <p:ph type="body" sz="quarter" idx="1"/>
           </p:nvPr>
@@ -777,142 +779,119 @@
           <a:bodyPr/>
           <a:lstStyle/>
           <a:p>
-            <a:pPr/>
             <a:r>
               <a:t>페이지 11</a:t>
             </a:r>
           </a:p>
           <a:p>
-            <a:pPr/>
-          </a:p>
-          <a:p>
-            <a:pPr/>
+            <a:endParaRPr/>
+          </a:p>
+          <a:p>
             <a:r>
               <a:t>Anonymous class의 예제 프로그램입니다. </a:t>
             </a:r>
           </a:p>
           <a:p>
-            <a:pPr/>
             <a:r>
               <a:t>먼저 interface Computer에는 compute() method가 존재합니다. </a:t>
             </a:r>
           </a:p>
           <a:p>
-            <a:pPr/>
             <a:r>
               <a:t>AnonymousClassDemo class의 main에서</a:t>
             </a:r>
           </a:p>
           <a:p>
-            <a:pPr/>
             <a:r>
               <a:t>Computer interface를 implement하여 </a:t>
             </a:r>
           </a:p>
           <a:p>
-            <a:pPr/>
             <a:r>
               <a:t>computer1이라는 object를 생성하였습니다. </a:t>
             </a:r>
           </a:p>
           <a:p>
-            <a:pPr/>
             <a:r>
               <a:t>그런데 new 다음에 어딘가에 정의되어 있는 class 이름을 쓴 것이 아니고</a:t>
             </a:r>
           </a:p>
           <a:p>
-            <a:pPr/>
             <a:r>
               <a:t>anonymous class를 사용하여 “This is the computer1” 이라는</a:t>
             </a:r>
           </a:p>
           <a:p>
-            <a:pPr/>
             <a:r>
               <a:t>String을 output하는 compute method를 implement한</a:t>
             </a:r>
           </a:p>
           <a:p>
-            <a:pPr/>
             <a:r>
               <a:t>class object를 직접 생성하였습니다.</a:t>
             </a:r>
           </a:p>
           <a:p>
-            <a:pPr/>
             <a:r>
               <a:t>이와 같이 class definition을 따로 두지 않고</a:t>
             </a:r>
           </a:p>
           <a:p>
-            <a:pPr/>
             <a:r>
               <a:t>class object 생성할 때 한번만 사용하도록 하는 방법이</a:t>
             </a:r>
           </a:p>
           <a:p>
-            <a:pPr/>
             <a:r>
               <a:t>anonymous class 입니다. </a:t>
             </a:r>
           </a:p>
           <a:p>
-            <a:pPr/>
             <a:r>
               <a:t>그 아래의 computer2 object도 </a:t>
             </a:r>
           </a:p>
           <a:p>
-            <a:pPr/>
             <a:r>
               <a:t>“This is the computer2” 라는 String을 print하는</a:t>
             </a:r>
           </a:p>
           <a:p>
-            <a:pPr/>
             <a:r>
               <a:t>compute method를 implement한</a:t>
             </a:r>
           </a:p>
           <a:p>
-            <a:pPr/>
             <a:r>
               <a:t>anonymous class를 사용하여 </a:t>
             </a:r>
           </a:p>
           <a:p>
-            <a:pPr/>
             <a:r>
               <a:t>그 object를 생성하였습니다. </a:t>
             </a:r>
           </a:p>
           <a:p>
-            <a:pPr/>
             <a:r>
               <a:t>이제 computer1.compute() 를 call 하면 </a:t>
             </a:r>
           </a:p>
           <a:p>
-            <a:pPr/>
             <a:r>
               <a:t>“This is the computer1” 이 print되고</a:t>
             </a:r>
           </a:p>
           <a:p>
-            <a:pPr/>
             <a:r>
               <a:t>computer2.compute() 를 call하면</a:t>
             </a:r>
           </a:p>
           <a:p>
-            <a:pPr/>
             <a:r>
               <a:t>“This is the computer2”가 print됩니다. </a:t>
             </a:r>
           </a:p>
           <a:p>
-            <a:pPr/>
             <a:r>
               <a:t> </a:t>
             </a:r>
@@ -928,7 +907,7 @@
 </file>
 
 <file path=ppt/notesSlides/notesSlide2.xml><?xml version="1.0" encoding="utf-8"?>
-<p:notes xmlns:a="http://schemas.openxmlformats.org/drawingml/2006/main" xmlns:r="http://schemas.openxmlformats.org/officeDocument/2006/relationships" xmlns:p="http://schemas.openxmlformats.org/presentationml/2006/main" xmlns:m="http://schemas.openxmlformats.org/officeDocument/2006/math" xmlns:a14="http://schemas.microsoft.com/office/drawing/2010/main" showMasterSp="1" showMasterPhAnim="1">
+<p:notes xmlns:a="http://schemas.openxmlformats.org/drawingml/2006/main" xmlns:r="http://schemas.openxmlformats.org/officeDocument/2006/relationships" xmlns:p="http://schemas.openxmlformats.org/presentationml/2006/main">
   <p:cSld>
     <p:spTree>
       <p:nvGrpSpPr>
@@ -947,7 +926,9 @@
       <p:sp>
         <p:nvSpPr>
           <p:cNvPr id="40" name="Shape 40"/>
-          <p:cNvSpPr/>
+          <p:cNvSpPr>
+            <a:spLocks noGrp="1" noRot="1" noChangeAspect="1"/>
+          </p:cNvSpPr>
           <p:nvPr>
             <p:ph type="sldImg"/>
           </p:nvPr>
@@ -961,14 +942,16 @@
           <a:bodyPr/>
           <a:lstStyle/>
           <a:p>
-            <a:pPr/>
+            <a:endParaRPr/>
           </a:p>
         </p:txBody>
       </p:sp>
       <p:sp>
         <p:nvSpPr>
           <p:cNvPr id="41" name="Shape 41"/>
-          <p:cNvSpPr/>
+          <p:cNvSpPr>
+            <a:spLocks noGrp="1"/>
+          </p:cNvSpPr>
           <p:nvPr>
             <p:ph type="body" sz="quarter" idx="1"/>
           </p:nvPr>
@@ -982,184 +965,154 @@
           <a:bodyPr/>
           <a:lstStyle/>
           <a:p>
-            <a:pPr/>
             <a:r>
               <a:t>페이지 2</a:t>
             </a:r>
           </a:p>
           <a:p>
-            <a:pPr/>
-          </a:p>
-          <a:p>
-            <a:pPr/>
+            <a:endParaRPr/>
+          </a:p>
+          <a:p>
             <a:r>
               <a:t>Nested Class의 종류를 알아보기 위해</a:t>
             </a:r>
           </a:p>
           <a:p>
-            <a:pPr/>
             <a:r>
               <a:t>먼저 Outer class라는 용어를 사용하기로 합니다. </a:t>
             </a:r>
           </a:p>
           <a:p>
-            <a:pPr/>
             <a:r>
               <a:t>Outer class에는 그 안에 nested class를 가지고 있는 </a:t>
             </a:r>
           </a:p>
           <a:p>
-            <a:pPr/>
             <a:r>
               <a:t>class를 지칭하는 것입니다. </a:t>
             </a:r>
           </a:p>
           <a:p>
-            <a:pPr/>
             <a:r>
               <a:t>Nested class는 static nested, inner, </a:t>
             </a:r>
           </a:p>
           <a:p>
-            <a:pPr/>
             <a:r>
               <a:t>local inner class로 나눌 수 있습니다. </a:t>
             </a:r>
           </a:p>
           <a:p>
-            <a:pPr/>
             <a:r>
               <a:t>먼저 OuterClass 안에 static nested class라는 것이 있는데</a:t>
             </a:r>
           </a:p>
           <a:p>
-            <a:pPr/>
             <a:r>
               <a:t>static 이므로 OuterClass의 모든 object들이 </a:t>
             </a:r>
           </a:p>
           <a:p>
-            <a:pPr/>
             <a:r>
               <a:t>공유하고 있는 nested class입니다. </a:t>
             </a:r>
           </a:p>
           <a:p>
-            <a:pPr/>
             <a:r>
               <a:t>다음에 Inner class가 있는데</a:t>
             </a:r>
           </a:p>
           <a:p>
-            <a:pPr/>
             <a:r>
               <a:t>non-static으로 OuterClass 안에 포함된 class를 말합니다. </a:t>
             </a:r>
           </a:p>
           <a:p>
-            <a:pPr/>
             <a:r>
               <a:t>마지막으로 어떤 method 안에서 정의된</a:t>
             </a:r>
           </a:p>
           <a:p>
-            <a:pPr/>
             <a:r>
               <a:t>Local inner class가 있습니다. </a:t>
             </a:r>
           </a:p>
           <a:p>
-            <a:pPr/>
             <a:r>
               <a:t>이 local inner class는 오로지 이 method 내에서만 사용 가능합니다. </a:t>
             </a:r>
           </a:p>
           <a:p>
-            <a:pPr/>
             <a:r>
               <a:t>이 세가지 nested class들의 type과 생성하는 방법이 모두 다릅니다. </a:t>
             </a:r>
           </a:p>
           <a:p>
-            <a:pPr/>
             <a:r>
               <a:t>우선 static nested class인 SNClass는 OuterClass.SNClass type이며</a:t>
             </a:r>
           </a:p>
           <a:p>
-            <a:pPr/>
             <a:r>
               <a:t>new OuterClass.SNClass() 로 간단히 생성 가능합니다. </a:t>
             </a:r>
           </a:p>
           <a:p>
-            <a:pPr/>
             <a:r>
               <a:t>이것은 static nested class가 OuterClass의 모든 object들이</a:t>
             </a:r>
           </a:p>
           <a:p>
-            <a:pPr/>
             <a:r>
               <a:t>공통으로 가지고 있는 class이며, 따라서 object도 유일하게 존재하기 때문입니다. </a:t>
             </a:r>
           </a:p>
           <a:p>
-            <a:pPr/>
             <a:r>
               <a:t>한편 non-static inner class는 OuterClass.InnerClass type인데</a:t>
             </a:r>
           </a:p>
           <a:p>
-            <a:pPr/>
             <a:r>
               <a:t>이 inner class의 object를 생성하기 위해서는</a:t>
             </a:r>
           </a:p>
           <a:p>
-            <a:pPr/>
             <a:r>
               <a:t>우선 OuterClass object인 outObject를 먼저 생성해야 합니다. </a:t>
             </a:r>
           </a:p>
           <a:p>
-            <a:pPr/>
             <a:r>
               <a:t>이렇게 outObject를 생성한 후 </a:t>
             </a:r>
           </a:p>
           <a:p>
-            <a:pPr/>
             <a:r>
               <a:t>inner class의 object인 inObject는</a:t>
             </a:r>
           </a:p>
           <a:p>
-            <a:pPr/>
             <a:r>
               <a:t>outObject.new InnerClass() 로 생성 가능합니다. </a:t>
             </a:r>
           </a:p>
           <a:p>
-            <a:pPr/>
             <a:r>
               <a:t>마지막으로 local inner class는 </a:t>
             </a:r>
           </a:p>
           <a:p>
-            <a:pPr/>
             <a:r>
               <a:t>OuterClass object인 outObject에서 </a:t>
             </a:r>
           </a:p>
           <a:p>
-            <a:pPr/>
             <a:r>
               <a:t>someMethod를 outObject.someMethod() 로 call하면서</a:t>
             </a:r>
           </a:p>
           <a:p>
-            <a:pPr/>
             <a:r>
               <a:t>생성할 수 있습니다. </a:t>
             </a:r>
@@ -1175,7 +1128,7 @@
 </file>
 
 <file path=ppt/notesSlides/notesSlide3.xml><?xml version="1.0" encoding="utf-8"?>
-<p:notes xmlns:a="http://schemas.openxmlformats.org/drawingml/2006/main" xmlns:r="http://schemas.openxmlformats.org/officeDocument/2006/relationships" xmlns:p="http://schemas.openxmlformats.org/presentationml/2006/main" xmlns:m="http://schemas.openxmlformats.org/officeDocument/2006/math" xmlns:a14="http://schemas.microsoft.com/office/drawing/2010/main" showMasterSp="1" showMasterPhAnim="1">
+<p:notes xmlns:a="http://schemas.openxmlformats.org/drawingml/2006/main" xmlns:r="http://schemas.openxmlformats.org/officeDocument/2006/relationships" xmlns:p="http://schemas.openxmlformats.org/presentationml/2006/main">
   <p:cSld>
     <p:spTree>
       <p:nvGrpSpPr>
@@ -1194,7 +1147,9 @@
       <p:sp>
         <p:nvSpPr>
           <p:cNvPr id="46" name="Shape 46"/>
-          <p:cNvSpPr/>
+          <p:cNvSpPr>
+            <a:spLocks noGrp="1" noRot="1" noChangeAspect="1"/>
+          </p:cNvSpPr>
           <p:nvPr>
             <p:ph type="sldImg"/>
           </p:nvPr>
@@ -1208,14 +1163,16 @@
           <a:bodyPr/>
           <a:lstStyle/>
           <a:p>
-            <a:pPr/>
+            <a:endParaRPr/>
           </a:p>
         </p:txBody>
       </p:sp>
       <p:sp>
         <p:nvSpPr>
           <p:cNvPr id="47" name="Shape 47"/>
-          <p:cNvSpPr/>
+          <p:cNvSpPr>
+            <a:spLocks noGrp="1"/>
+          </p:cNvSpPr>
           <p:nvPr>
             <p:ph type="body" sz="quarter" idx="1"/>
           </p:nvPr>
@@ -1229,58 +1186,49 @@
           <a:bodyPr/>
           <a:lstStyle/>
           <a:p>
-            <a:pPr/>
             <a:r>
               <a:t>페이지 3</a:t>
             </a:r>
           </a:p>
           <a:p>
-            <a:pPr/>
-          </a:p>
-          <a:p>
-            <a:pPr/>
+            <a:endParaRPr/>
+          </a:p>
+          <a:p>
             <a:r>
               <a:t>이제 nested class를 좀 더 구체적으로 사용하는 예를 보겠습니다. </a:t>
             </a:r>
           </a:p>
           <a:p>
-            <a:pPr/>
             <a:r>
               <a:t>OuterClass 가 있고</a:t>
             </a:r>
           </a:p>
           <a:p>
-            <a:pPr/>
             <a:r>
               <a:t>그 안에 static nested class인 SNClass가 있습니다. </a:t>
             </a:r>
           </a:p>
           <a:p>
-            <a:pPr/>
             <a:r>
               <a:t>SNClass 에는 display() method가 있는데</a:t>
             </a:r>
           </a:p>
           <a:p>
-            <a:pPr/>
             <a:r>
               <a:t>“Inside static nested class” 라는 메시지를 출력합니다. </a:t>
             </a:r>
           </a:p>
           <a:p>
-            <a:pPr/>
             <a:r>
               <a:t>그 아래에는 non-static인 InnerClass가 정의되어 있습니다. </a:t>
             </a:r>
           </a:p>
           <a:p>
-            <a:pPr/>
             <a:r>
               <a:t>이 안에도 display() method가 있는데</a:t>
             </a:r>
           </a:p>
           <a:p>
-            <a:pPr/>
             <a:r>
               <a:t>“Inside inner class” 라는 메시지를 출력합니다. </a:t>
             </a:r>
@@ -1296,7 +1244,7 @@
 </file>
 
 <file path=ppt/notesSlides/notesSlide4.xml><?xml version="1.0" encoding="utf-8"?>
-<p:notes xmlns:a="http://schemas.openxmlformats.org/drawingml/2006/main" xmlns:r="http://schemas.openxmlformats.org/officeDocument/2006/relationships" xmlns:p="http://schemas.openxmlformats.org/presentationml/2006/main" xmlns:m="http://schemas.openxmlformats.org/officeDocument/2006/math" xmlns:a14="http://schemas.microsoft.com/office/drawing/2010/main" showMasterSp="1" showMasterPhAnim="1">
+<p:notes xmlns:a="http://schemas.openxmlformats.org/drawingml/2006/main" xmlns:r="http://schemas.openxmlformats.org/officeDocument/2006/relationships" xmlns:p="http://schemas.openxmlformats.org/presentationml/2006/main">
   <p:cSld>
     <p:spTree>
       <p:nvGrpSpPr>
@@ -1315,7 +1263,9 @@
       <p:sp>
         <p:nvSpPr>
           <p:cNvPr id="52" name="Shape 52"/>
-          <p:cNvSpPr/>
+          <p:cNvSpPr>
+            <a:spLocks noGrp="1" noRot="1" noChangeAspect="1"/>
+          </p:cNvSpPr>
           <p:nvPr>
             <p:ph type="sldImg"/>
           </p:nvPr>
@@ -1329,14 +1279,16 @@
           <a:bodyPr/>
           <a:lstStyle/>
           <a:p>
-            <a:pPr/>
+            <a:endParaRPr/>
           </a:p>
         </p:txBody>
       </p:sp>
       <p:sp>
         <p:nvSpPr>
           <p:cNvPr id="53" name="Shape 53"/>
-          <p:cNvSpPr/>
+          <p:cNvSpPr>
+            <a:spLocks noGrp="1"/>
+          </p:cNvSpPr>
           <p:nvPr>
             <p:ph type="body" sz="quarter" idx="1"/>
           </p:nvPr>
@@ -1350,64 +1302,54 @@
           <a:bodyPr/>
           <a:lstStyle/>
           <a:p>
-            <a:pPr/>
             <a:r>
               <a:t>페이지 4</a:t>
             </a:r>
           </a:p>
           <a:p>
-            <a:pPr/>
-          </a:p>
-          <a:p>
-            <a:pPr/>
+            <a:endParaRPr/>
+          </a:p>
+          <a:p>
             <a:r>
               <a:t>그 다음에 myMethod() method 안에</a:t>
             </a:r>
           </a:p>
           <a:p>
-            <a:pPr/>
             <a:r>
               <a:t>local inner class인 LIClass가 있습니다. </a:t>
             </a:r>
           </a:p>
           <a:p>
-            <a:pPr/>
             <a:r>
               <a:t>이 안에 포함된 display() method에서는</a:t>
             </a:r>
           </a:p>
           <a:p>
-            <a:pPr/>
             <a:r>
               <a:t>“Inside local inner class” 라는 메시지를 출력합니다. </a:t>
             </a:r>
           </a:p>
           <a:p>
-            <a:pPr/>
             <a:r>
               <a:t>이 local inner class를 생성하는 것은</a:t>
             </a:r>
           </a:p>
           <a:p>
-            <a:pPr/>
             <a:r>
               <a:t>오직 myMethod() method 내에서만 가능하기 때문에</a:t>
             </a:r>
           </a:p>
           <a:p>
-            <a:pPr/>
             <a:r>
               <a:t>여기에 LIClass object인 liObject를 생성하고</a:t>
             </a:r>
           </a:p>
           <a:p>
-            <a:pPr/>
             <a:r>
               <a:t>liObject.display() 를 call하는 것 까지의 code가 </a:t>
             </a:r>
           </a:p>
           <a:p>
-            <a:pPr/>
             <a:r>
               <a:t>myMethod() 안에 포함되어 있습니다. </a:t>
             </a:r>
@@ -1423,7 +1365,7 @@
 </file>
 
 <file path=ppt/notesSlides/notesSlide5.xml><?xml version="1.0" encoding="utf-8"?>
-<p:notes xmlns:a="http://schemas.openxmlformats.org/drawingml/2006/main" xmlns:r="http://schemas.openxmlformats.org/officeDocument/2006/relationships" xmlns:p="http://schemas.openxmlformats.org/presentationml/2006/main" xmlns:m="http://schemas.openxmlformats.org/officeDocument/2006/math" xmlns:a14="http://schemas.microsoft.com/office/drawing/2010/main" showMasterSp="1" showMasterPhAnim="1">
+<p:notes xmlns:a="http://schemas.openxmlformats.org/drawingml/2006/main" xmlns:r="http://schemas.openxmlformats.org/officeDocument/2006/relationships" xmlns:p="http://schemas.openxmlformats.org/presentationml/2006/main">
   <p:cSld>
     <p:spTree>
       <p:nvGrpSpPr>
@@ -1442,7 +1384,9 @@
       <p:sp>
         <p:nvSpPr>
           <p:cNvPr id="58" name="Shape 58"/>
-          <p:cNvSpPr/>
+          <p:cNvSpPr>
+            <a:spLocks noGrp="1" noRot="1" noChangeAspect="1"/>
+          </p:cNvSpPr>
           <p:nvPr>
             <p:ph type="sldImg"/>
           </p:nvPr>
@@ -1456,14 +1400,16 @@
           <a:bodyPr/>
           <a:lstStyle/>
           <a:p>
-            <a:pPr/>
+            <a:endParaRPr/>
           </a:p>
         </p:txBody>
       </p:sp>
       <p:sp>
         <p:nvSpPr>
           <p:cNvPr id="59" name="Shape 59"/>
-          <p:cNvSpPr/>
+          <p:cNvSpPr>
+            <a:spLocks noGrp="1"/>
+          </p:cNvSpPr>
           <p:nvPr>
             <p:ph type="body" sz="quarter" idx="1"/>
           </p:nvPr>
@@ -1477,100 +1423,84 @@
           <a:bodyPr/>
           <a:lstStyle/>
           <a:p>
-            <a:pPr/>
             <a:r>
               <a:t>페이지 5</a:t>
             </a:r>
           </a:p>
           <a:p>
-            <a:pPr/>
-          </a:p>
-          <a:p>
-            <a:pPr/>
+            <a:endParaRPr/>
+          </a:p>
+          <a:p>
             <a:r>
               <a:t>한편 OuterClassDemo class의 main method 안에서</a:t>
             </a:r>
           </a:p>
           <a:p>
-            <a:pPr/>
             <a:r>
               <a:t>static nested class의 object인 snObject를 생성합니다.</a:t>
             </a:r>
           </a:p>
           <a:p>
-            <a:pPr/>
             <a:r>
               <a:t>이 snObject는 OuterClass.SNClass type이며</a:t>
             </a:r>
           </a:p>
           <a:p>
-            <a:pPr/>
             <a:r>
               <a:t>new OuterClass.SNClass() 로 생성이 가능합니다. </a:t>
             </a:r>
           </a:p>
           <a:p>
-            <a:pPr/>
             <a:r>
               <a:t>생성 후에 snObject.display() 를 call하여 </a:t>
             </a:r>
           </a:p>
           <a:p>
-            <a:pPr/>
             <a:r>
               <a:t>“Inside static nested class” 라는 메시지를 출력했습니다. </a:t>
             </a:r>
           </a:p>
           <a:p>
-            <a:pPr/>
             <a:r>
               <a:t>그 아래에는 OuterClass의 object인 outObject를 </a:t>
             </a:r>
           </a:p>
           <a:p>
-            <a:pPr/>
             <a:r>
               <a:t>new OuterClass() 로 생성하였습니다. </a:t>
             </a:r>
           </a:p>
           <a:p>
-            <a:pPr/>
             <a:r>
               <a:t>non-static class object인 inObject는 OuterClass.InnerClass type이고</a:t>
             </a:r>
           </a:p>
           <a:p>
-            <a:pPr/>
             <a:r>
               <a:t>outObject.new InnerClass() 로 생성할 수 있습니다. </a:t>
             </a:r>
           </a:p>
           <a:p>
-            <a:pPr/>
             <a:r>
               <a:t>inObject.display() 를 call하면 “Inside inner class” 를 출력합니다. </a:t>
             </a:r>
           </a:p>
           <a:p>
-            <a:pPr/>
             <a:r>
               <a:t>마지막으로 local inner class를 생성하기 위해</a:t>
             </a:r>
           </a:p>
           <a:p>
-            <a:pPr/>
             <a:r>
               <a:t>outObject.myMethod() 를 call하면</a:t>
             </a:r>
           </a:p>
           <a:p>
-            <a:pPr/>
             <a:r>
               <a:t>그 안에서 local inner class인 LIObject를 생성해 주고</a:t>
             </a:r>
           </a:p>
           <a:p>
-            <a:pPr/>
             <a:r>
               <a:t>“Inside local inner class” 를 출력합니다.  </a:t>
             </a:r>
@@ -1586,7 +1516,7 @@
 </file>
 
 <file path=ppt/notesSlides/notesSlide6.xml><?xml version="1.0" encoding="utf-8"?>
-<p:notes xmlns:a="http://schemas.openxmlformats.org/drawingml/2006/main" xmlns:r="http://schemas.openxmlformats.org/officeDocument/2006/relationships" xmlns:p="http://schemas.openxmlformats.org/presentationml/2006/main" xmlns:m="http://schemas.openxmlformats.org/officeDocument/2006/math" xmlns:a14="http://schemas.microsoft.com/office/drawing/2010/main" showMasterSp="1" showMasterPhAnim="1">
+<p:notes xmlns:a="http://schemas.openxmlformats.org/drawingml/2006/main" xmlns:r="http://schemas.openxmlformats.org/officeDocument/2006/relationships" xmlns:p="http://schemas.openxmlformats.org/presentationml/2006/main">
   <p:cSld>
     <p:spTree>
       <p:nvGrpSpPr>
@@ -1605,12 +1535,18 @@
       <p:sp>
         <p:nvSpPr>
           <p:cNvPr id="64" name="Shape 64"/>
-          <p:cNvSpPr/>
+          <p:cNvSpPr>
+            <a:spLocks noGrp="1" noRot="1" noChangeAspect="1"/>
+          </p:cNvSpPr>
           <p:nvPr>
             <p:ph type="sldImg"/>
           </p:nvPr>
         </p:nvSpPr>
         <p:spPr>
+          <a:xfrm>
+            <a:off x="381000" y="685800"/>
+            <a:ext cx="6096000" cy="3429000"/>
+          </a:xfrm>
           <a:prstGeom prst="rect">
             <a:avLst/>
           </a:prstGeom>
@@ -1619,14 +1555,16 @@
           <a:bodyPr/>
           <a:lstStyle/>
           <a:p>
-            <a:pPr/>
+            <a:endParaRPr/>
           </a:p>
         </p:txBody>
       </p:sp>
       <p:sp>
         <p:nvSpPr>
           <p:cNvPr id="65" name="Shape 65"/>
-          <p:cNvSpPr/>
+          <p:cNvSpPr>
+            <a:spLocks noGrp="1"/>
+          </p:cNvSpPr>
           <p:nvPr>
             <p:ph type="body" sz="quarter" idx="1"/>
           </p:nvPr>
@@ -1640,88 +1578,74 @@
           <a:bodyPr/>
           <a:lstStyle/>
           <a:p>
-            <a:pPr/>
             <a:r>
               <a:t>페이지 6</a:t>
             </a:r>
           </a:p>
           <a:p>
-            <a:pPr/>
-          </a:p>
-          <a:p>
-            <a:pPr/>
+            <a:endParaRPr/>
+          </a:p>
+          <a:p>
             <a:r>
               <a:t>이 slide에 있는 code는 </a:t>
             </a:r>
           </a:p>
           <a:p>
-            <a:pPr/>
             <a:r>
               <a:t>non-static inner class를 계속 nested로 생성하는 예를 보여주고 있습니다. </a:t>
             </a:r>
           </a:p>
           <a:p>
-            <a:pPr/>
             <a:r>
               <a:t>가장 바깥쪽의 outer class는 AClass 이고</a:t>
             </a:r>
           </a:p>
           <a:p>
-            <a:pPr/>
             <a:r>
               <a:t>그 안에 BClass가 정의되어 있고</a:t>
             </a:r>
           </a:p>
           <a:p>
-            <a:pPr/>
             <a:r>
               <a:t>또 BClass 안에 CClass가 정의되어 있습니다. </a:t>
             </a:r>
           </a:p>
           <a:p>
-            <a:pPr/>
             <a:r>
               <a:t>이제 main method에서 </a:t>
             </a:r>
           </a:p>
           <a:p>
-            <a:pPr/>
             <a:r>
               <a:t>AClass aObject = new AClass(); 로</a:t>
             </a:r>
           </a:p>
           <a:p>
-            <a:pPr/>
             <a:r>
               <a:t>가장 outer class인 aObject 를 생성하였습니다. </a:t>
             </a:r>
           </a:p>
           <a:p>
-            <a:pPr/>
             <a:r>
               <a:t>그 아래에는 AClass.BClass bObject = aObject.new BClass() 로 </a:t>
             </a:r>
           </a:p>
           <a:p>
-            <a:pPr/>
             <a:r>
               <a:t>inner class를 생성하였습니다. </a:t>
             </a:r>
           </a:p>
           <a:p>
-            <a:pPr/>
             <a:r>
               <a:t>또 BClass의 inner class인 CClass object를 생성하는 것은</a:t>
             </a:r>
           </a:p>
           <a:p>
-            <a:pPr/>
             <a:r>
               <a:t>AClass.BClass.CClass cObject = bObject.new CClass() </a:t>
             </a:r>
           </a:p>
           <a:p>
-            <a:pPr/>
             <a:r>
               <a:t>와 같이 할 수 있습니다. </a:t>
             </a:r>
@@ -1737,7 +1661,7 @@
 </file>
 
 <file path=ppt/notesSlides/notesSlide7.xml><?xml version="1.0" encoding="utf-8"?>
-<p:notes xmlns:a="http://schemas.openxmlformats.org/drawingml/2006/main" xmlns:r="http://schemas.openxmlformats.org/officeDocument/2006/relationships" xmlns:p="http://schemas.openxmlformats.org/presentationml/2006/main" xmlns:m="http://schemas.openxmlformats.org/officeDocument/2006/math" xmlns:a14="http://schemas.microsoft.com/office/drawing/2010/main" showMasterSp="1" showMasterPhAnim="1">
+<p:notes xmlns:a="http://schemas.openxmlformats.org/drawingml/2006/main" xmlns:r="http://schemas.openxmlformats.org/officeDocument/2006/relationships" xmlns:p="http://schemas.openxmlformats.org/presentationml/2006/main">
   <p:cSld>
     <p:spTree>
       <p:nvGrpSpPr>
@@ -1756,7 +1680,9 @@
       <p:sp>
         <p:nvSpPr>
           <p:cNvPr id="70" name="Shape 70"/>
-          <p:cNvSpPr/>
+          <p:cNvSpPr>
+            <a:spLocks noGrp="1" noRot="1" noChangeAspect="1"/>
+          </p:cNvSpPr>
           <p:nvPr>
             <p:ph type="sldImg"/>
           </p:nvPr>
@@ -1770,14 +1696,16 @@
           <a:bodyPr/>
           <a:lstStyle/>
           <a:p>
-            <a:pPr/>
+            <a:endParaRPr/>
           </a:p>
         </p:txBody>
       </p:sp>
       <p:sp>
         <p:nvSpPr>
           <p:cNvPr id="71" name="Shape 71"/>
-          <p:cNvSpPr/>
+          <p:cNvSpPr>
+            <a:spLocks noGrp="1"/>
+          </p:cNvSpPr>
           <p:nvPr>
             <p:ph type="body" sz="quarter" idx="1"/>
           </p:nvPr>
@@ -1791,58 +1719,49 @@
           <a:bodyPr/>
           <a:lstStyle/>
           <a:p>
-            <a:pPr/>
             <a:r>
               <a:t>페이지 7</a:t>
             </a:r>
           </a:p>
           <a:p>
-            <a:pPr/>
-          </a:p>
-          <a:p>
-            <a:pPr/>
+            <a:endParaRPr/>
+          </a:p>
+          <a:p>
             <a:r>
               <a:t>Nested class들을 위한 몇가지 중요한 rule들을 살펴 보겠습니다. </a:t>
             </a:r>
           </a:p>
           <a:p>
-            <a:pPr/>
             <a:r>
               <a:t>먼저 inner class의 name은 outer class 안에서 다시 사용될 수 없습니다. </a:t>
             </a:r>
           </a:p>
           <a:p>
-            <a:pPr/>
             <a:r>
               <a:t>inner class가 private 이라면</a:t>
             </a:r>
           </a:p>
           <a:p>
-            <a:pPr/>
             <a:r>
               <a:t>outer class의 외부에서 direct하게 inner class를 이름으로 access할 수 없습니다. </a:t>
             </a:r>
           </a:p>
           <a:p>
-            <a:pPr/>
             <a:r>
               <a:t>private inner class를 access하려면 public이나 package 권한의 method인</a:t>
             </a:r>
           </a:p>
           <a:p>
-            <a:pPr/>
             <a:r>
               <a:t>accessor method를 통해 접근할 수 있습니다. </a:t>
             </a:r>
           </a:p>
           <a:p>
-            <a:pPr/>
             <a:r>
               <a:t>그러나 inner와 outer class의 private variable과 private method들은</a:t>
             </a:r>
           </a:p>
           <a:p>
-            <a:pPr/>
             <a:r>
               <a:t>제한없이 서로 다른쪽에서 access가 가능합니다. </a:t>
             </a:r>
@@ -1858,7 +1777,7 @@
 </file>
 
 <file path=ppt/notesSlides/notesSlide8.xml><?xml version="1.0" encoding="utf-8"?>
-<p:notes xmlns:a="http://schemas.openxmlformats.org/drawingml/2006/main" xmlns:r="http://schemas.openxmlformats.org/officeDocument/2006/relationships" xmlns:p="http://schemas.openxmlformats.org/presentationml/2006/main" xmlns:m="http://schemas.openxmlformats.org/officeDocument/2006/math" xmlns:a14="http://schemas.microsoft.com/office/drawing/2010/main" showMasterSp="1" showMasterPhAnim="1">
+<p:notes xmlns:a="http://schemas.openxmlformats.org/drawingml/2006/main" xmlns:r="http://schemas.openxmlformats.org/officeDocument/2006/relationships" xmlns:p="http://schemas.openxmlformats.org/presentationml/2006/main">
   <p:cSld>
     <p:spTree>
       <p:nvGrpSpPr>
@@ -1877,7 +1796,9 @@
       <p:sp>
         <p:nvSpPr>
           <p:cNvPr id="76" name="Shape 76"/>
-          <p:cNvSpPr/>
+          <p:cNvSpPr>
+            <a:spLocks noGrp="1" noRot="1" noChangeAspect="1"/>
+          </p:cNvSpPr>
           <p:nvPr>
             <p:ph type="sldImg"/>
           </p:nvPr>
@@ -1891,14 +1812,16 @@
           <a:bodyPr/>
           <a:lstStyle/>
           <a:p>
-            <a:pPr/>
+            <a:endParaRPr/>
           </a:p>
         </p:txBody>
       </p:sp>
       <p:sp>
         <p:nvSpPr>
           <p:cNvPr id="77" name="Shape 77"/>
-          <p:cNvSpPr/>
+          <p:cNvSpPr>
+            <a:spLocks noGrp="1"/>
+          </p:cNvSpPr>
           <p:nvPr>
             <p:ph type="body" sz="quarter" idx="1"/>
           </p:nvPr>
@@ -1912,82 +1835,69 @@
           <a:bodyPr/>
           <a:lstStyle/>
           <a:p>
-            <a:pPr/>
             <a:r>
               <a:t>페이지 8</a:t>
             </a:r>
           </a:p>
           <a:p>
-            <a:pPr/>
-          </a:p>
-          <a:p>
-            <a:pPr/>
+            <a:endParaRPr/>
+          </a:p>
+          <a:p>
             <a:r>
               <a:t>Private Inner Class의 사용 예를 보겠습니다. </a:t>
             </a:r>
           </a:p>
           <a:p>
-            <a:pPr/>
             <a:r>
               <a:t>OuterClass 안에 InnerClass가 private 으로 정의되어 있습니다. </a:t>
             </a:r>
           </a:p>
           <a:p>
-            <a:pPr/>
             <a:r>
               <a:t>이럴때 OuterClass의 외부에서 InnerClass object를 만들고 싶을때</a:t>
             </a:r>
           </a:p>
           <a:p>
-            <a:pPr/>
             <a:r>
               <a:t>사용할 수 있도록, createInnerObject를 package access로 정의해 놓았습니다. </a:t>
             </a:r>
           </a:p>
           <a:p>
-            <a:pPr/>
             <a:r>
               <a:t>OuterClass의 외부인 Main class 내에서</a:t>
             </a:r>
           </a:p>
           <a:p>
-            <a:pPr/>
             <a:r>
               <a:t>먼저 OuterClass object인 outer 를 생성하고 </a:t>
             </a:r>
           </a:p>
           <a:p>
-            <a:pPr/>
             <a:r>
               <a:t>outer.createInnerObject() 를 call하여 </a:t>
             </a:r>
           </a:p>
           <a:p>
-            <a:pPr/>
             <a:r>
               <a:t>private inner class object를 생성하도록 했습니다. </a:t>
             </a:r>
           </a:p>
           <a:p>
-            <a:pPr/>
             <a:r>
               <a:t>그러나 OuterClass.InnerClass inner = outer.new InnerClass() 와 같이</a:t>
             </a:r>
           </a:p>
           <a:p>
-            <a:pPr/>
             <a:r>
               <a:t>inner class를 직접 생성하려 한다면</a:t>
             </a:r>
           </a:p>
           <a:p>
-            <a:pPr/>
             <a:r>
               <a:t>compile error가 일어나게 됩니다. </a:t>
             </a:r>
           </a:p>
           <a:p>
-            <a:pPr/>
             <a:r>
               <a:t>왜냐하면 InnerClass 가 OuterClass 내에 private으로 정의되어 있기 때문입니다. </a:t>
             </a:r>
@@ -2003,7 +1913,7 @@
 </file>
 
 <file path=ppt/notesSlides/notesSlide9.xml><?xml version="1.0" encoding="utf-8"?>
-<p:notes xmlns:a="http://schemas.openxmlformats.org/drawingml/2006/main" xmlns:r="http://schemas.openxmlformats.org/officeDocument/2006/relationships" xmlns:p="http://schemas.openxmlformats.org/presentationml/2006/main" xmlns:m="http://schemas.openxmlformats.org/officeDocument/2006/math" xmlns:a14="http://schemas.microsoft.com/office/drawing/2010/main" showMasterSp="1" showMasterPhAnim="1">
+<p:notes xmlns:a="http://schemas.openxmlformats.org/drawingml/2006/main" xmlns:r="http://schemas.openxmlformats.org/officeDocument/2006/relationships" xmlns:p="http://schemas.openxmlformats.org/presentationml/2006/main">
   <p:cSld>
     <p:spTree>
       <p:nvGrpSpPr>
@@ -2022,7 +1932,9 @@
       <p:sp>
         <p:nvSpPr>
           <p:cNvPr id="82" name="Shape 82"/>
-          <p:cNvSpPr/>
+          <p:cNvSpPr>
+            <a:spLocks noGrp="1" noRot="1" noChangeAspect="1"/>
+          </p:cNvSpPr>
           <p:nvPr>
             <p:ph type="sldImg"/>
           </p:nvPr>
@@ -2036,14 +1948,16 @@
           <a:bodyPr/>
           <a:lstStyle/>
           <a:p>
-            <a:pPr/>
+            <a:endParaRPr/>
           </a:p>
         </p:txBody>
       </p:sp>
       <p:sp>
         <p:nvSpPr>
           <p:cNvPr id="83" name="Shape 83"/>
-          <p:cNvSpPr/>
+          <p:cNvSpPr>
+            <a:spLocks noGrp="1"/>
+          </p:cNvSpPr>
           <p:nvPr>
             <p:ph type="body" sz="quarter" idx="1"/>
           </p:nvPr>
@@ -2057,82 +1971,69 @@
           <a:bodyPr/>
           <a:lstStyle/>
           <a:p>
-            <a:pPr/>
             <a:r>
               <a:t>페이지 9</a:t>
             </a:r>
           </a:p>
           <a:p>
-            <a:pPr/>
-          </a:p>
-          <a:p>
-            <a:pPr/>
+            <a:endParaRPr/>
+          </a:p>
+          <a:p>
             <a:r>
               <a:t>먼저 OuterClass의 private String variable인 </a:t>
             </a:r>
           </a:p>
           <a:p>
-            <a:pPr/>
             <a:r>
               <a:t>outerPrivateVar에 “Outer Private Variable” 이라는</a:t>
             </a:r>
           </a:p>
           <a:p>
-            <a:pPr/>
             <a:r>
               <a:t>String을 assign 합니다. </a:t>
             </a:r>
           </a:p>
           <a:p>
-            <a:pPr/>
             <a:r>
               <a:t>내부에 정의된 InnerClass 안에</a:t>
             </a:r>
           </a:p>
           <a:p>
-            <a:pPr/>
             <a:r>
               <a:t>역시 private인 innerPrivateVar를 declare하고 초기화 합니다. </a:t>
             </a:r>
           </a:p>
           <a:p>
-            <a:pPr/>
             <a:r>
               <a:t>accessOuterClass() method에서는 </a:t>
             </a:r>
           </a:p>
           <a:p>
-            <a:pPr/>
             <a:r>
               <a:t>InnerClass 안에서 OuterClass의 private variable을 </a:t>
             </a:r>
           </a:p>
           <a:p>
-            <a:pPr/>
             <a:r>
               <a:t>직접 access할 수 있음을 보여줍니다. </a:t>
             </a:r>
           </a:p>
           <a:p>
-            <a:pPr/>
             <a:r>
               <a:t>한편 OuterClass의 accessInnerClass() 에서</a:t>
             </a:r>
           </a:p>
           <a:p>
-            <a:pPr/>
             <a:r>
               <a:t>InnerClass object를 생성하고</a:t>
             </a:r>
           </a:p>
           <a:p>
-            <a:pPr/>
             <a:r>
               <a:t>그것의 private instance variable을</a:t>
             </a:r>
           </a:p>
           <a:p>
-            <a:pPr/>
             <a:r>
               <a:t>직접 access할 수 있음을 보여주고 있습니다.  </a:t>
             </a:r>
@@ -2148,7 +2049,7 @@
 </file>
 
 <file path=ppt/slideLayouts/slideLayout1.xml><?xml version="1.0" encoding="utf-8"?>
-<p:sldLayout xmlns:a="http://schemas.openxmlformats.org/drawingml/2006/main" xmlns:r="http://schemas.openxmlformats.org/officeDocument/2006/relationships" xmlns:p="http://schemas.openxmlformats.org/presentationml/2006/main" xmlns:m="http://schemas.openxmlformats.org/officeDocument/2006/math" xmlns:a14="http://schemas.microsoft.com/office/drawing/2010/main" type="title" showMasterSp="1" showMasterPhAnim="1">
+<p:sldLayout xmlns:a="http://schemas.openxmlformats.org/drawingml/2006/main" xmlns:r="http://schemas.openxmlformats.org/officeDocument/2006/relationships" xmlns:p="http://schemas.openxmlformats.org/presentationml/2006/main" type="title">
   <p:cSld name="제목 슬라이드">
     <p:spTree>
       <p:nvGrpSpPr>
@@ -2167,7 +2068,9 @@
       <p:sp>
         <p:nvSpPr>
           <p:cNvPr id="11" name="제목 텍스트"/>
-          <p:cNvSpPr txBox="1"/>
+          <p:cNvSpPr txBox="1">
+            <a:spLocks noGrp="1"/>
+          </p:cNvSpPr>
           <p:nvPr>
             <p:ph type="title"/>
           </p:nvPr>
@@ -2193,7 +2096,6 @@
             </a:lvl1pPr>
           </a:lstStyle>
           <a:p>
-            <a:pPr/>
             <a:r>
               <a:t>제목 텍스트</a:t>
             </a:r>
@@ -2203,7 +2105,9 @@
       <p:sp>
         <p:nvSpPr>
           <p:cNvPr id="12" name="본문 첫 번째 줄…"/>
-          <p:cNvSpPr txBox="1"/>
+          <p:cNvSpPr txBox="1">
+            <a:spLocks noGrp="1"/>
+          </p:cNvSpPr>
           <p:nvPr>
             <p:ph type="body" sz="quarter" idx="1"/>
           </p:nvPr>
@@ -2287,7 +2191,6 @@
             </a:lvl5pPr>
           </a:lstStyle>
           <a:p>
-            <a:pPr/>
             <a:r>
               <a:t>본문 첫 번째 줄</a:t>
             </a:r>
@@ -2321,7 +2224,9 @@
       <p:sp>
         <p:nvSpPr>
           <p:cNvPr id="13" name="슬라이드 번호"/>
-          <p:cNvSpPr txBox="1"/>
+          <p:cNvSpPr txBox="1">
+            <a:spLocks noGrp="1"/>
+          </p:cNvSpPr>
           <p:nvPr>
             <p:ph type="sldNum" sz="quarter" idx="2"/>
           </p:nvPr>
@@ -2335,8 +2240,10 @@
           <a:bodyPr/>
           <a:lstStyle/>
           <a:p>
-            <a:pPr/>
-            <a:fld id="{86CB4B4D-7CA3-9044-876B-883B54F8677D}" type="slidenum"/>
+            <a:fld id="{86CB4B4D-7CA3-9044-876B-883B54F8677D}" type="slidenum">
+              <a:t>‹#›</a:t>
+            </a:fld>
+            <a:endParaRPr/>
           </a:p>
         </p:txBody>
       </p:sp>
@@ -2345,12 +2252,12 @@
   <p:clrMapOvr>
     <a:masterClrMapping/>
   </p:clrMapOvr>
-  <p:transition xmlns:p14="http://schemas.microsoft.com/office/powerpoint/2010/main" spd="med" advClick="1"/>
+  <p:transition spd="med"/>
 </p:sldLayout>
 </file>
 
 <file path=ppt/slideLayouts/slideLayout2.xml><?xml version="1.0" encoding="utf-8"?>
-<p:sldLayout xmlns:a="http://schemas.openxmlformats.org/drawingml/2006/main" xmlns:r="http://schemas.openxmlformats.org/officeDocument/2006/relationships" xmlns:p="http://schemas.openxmlformats.org/presentationml/2006/main" xmlns:m="http://schemas.openxmlformats.org/officeDocument/2006/math" xmlns:a14="http://schemas.microsoft.com/office/drawing/2010/main" type="tx" showMasterSp="1" showMasterPhAnim="1">
+<p:sldLayout xmlns:a="http://schemas.openxmlformats.org/drawingml/2006/main" xmlns:r="http://schemas.openxmlformats.org/officeDocument/2006/relationships" xmlns:p="http://schemas.openxmlformats.org/presentationml/2006/main" type="tx">
   <p:cSld name="제목 및 내용">
     <p:spTree>
       <p:nvGrpSpPr>
@@ -2369,7 +2276,9 @@
       <p:sp>
         <p:nvSpPr>
           <p:cNvPr id="20" name="제목 텍스트"/>
-          <p:cNvSpPr txBox="1"/>
+          <p:cNvSpPr txBox="1">
+            <a:spLocks noGrp="1"/>
+          </p:cNvSpPr>
           <p:nvPr>
             <p:ph type="title"/>
           </p:nvPr>
@@ -2383,7 +2292,6 @@
           <a:bodyPr/>
           <a:lstStyle/>
           <a:p>
-            <a:pPr/>
             <a:r>
               <a:t>제목 텍스트</a:t>
             </a:r>
@@ -2393,7 +2301,9 @@
       <p:sp>
         <p:nvSpPr>
           <p:cNvPr id="21" name="본문 첫 번째 줄…"/>
-          <p:cNvSpPr txBox="1"/>
+          <p:cNvSpPr txBox="1">
+            <a:spLocks noGrp="1"/>
+          </p:cNvSpPr>
           <p:nvPr>
             <p:ph type="body" idx="1"/>
           </p:nvPr>
@@ -2407,7 +2317,6 @@
           <a:bodyPr/>
           <a:lstStyle/>
           <a:p>
-            <a:pPr/>
             <a:r>
               <a:t>본문 첫 번째 줄</a:t>
             </a:r>
@@ -2441,7 +2350,9 @@
       <p:sp>
         <p:nvSpPr>
           <p:cNvPr id="22" name="슬라이드 번호"/>
-          <p:cNvSpPr txBox="1"/>
+          <p:cNvSpPr txBox="1">
+            <a:spLocks noGrp="1"/>
+          </p:cNvSpPr>
           <p:nvPr>
             <p:ph type="sldNum" sz="quarter" idx="2"/>
           </p:nvPr>
@@ -2455,8 +2366,10 @@
           <a:bodyPr/>
           <a:lstStyle/>
           <a:p>
-            <a:pPr/>
-            <a:fld id="{86CB4B4D-7CA3-9044-876B-883B54F8677D}" type="slidenum"/>
+            <a:fld id="{86CB4B4D-7CA3-9044-876B-883B54F8677D}" type="slidenum">
+              <a:t>‹#›</a:t>
+            </a:fld>
+            <a:endParaRPr/>
           </a:p>
         </p:txBody>
       </p:sp>
@@ -2465,18 +2378,19 @@
   <p:clrMapOvr>
     <a:masterClrMapping/>
   </p:clrMapOvr>
-  <p:transition xmlns:p14="http://schemas.microsoft.com/office/powerpoint/2010/main" spd="med" advClick="1"/>
+  <p:transition spd="med"/>
 </p:sldLayout>
 </file>
 
 <file path=ppt/slideMasters/slideMaster1.xml><?xml version="1.0" encoding="utf-8"?>
-<p:sldMaster xmlns:a="http://schemas.openxmlformats.org/drawingml/2006/main" xmlns:r="http://schemas.openxmlformats.org/officeDocument/2006/relationships" xmlns:p="http://schemas.openxmlformats.org/presentationml/2006/main" xmlns:m="http://schemas.openxmlformats.org/officeDocument/2006/math" xmlns:a14="http://schemas.microsoft.com/office/drawing/2010/main">
+<p:sldMaster xmlns:a="http://schemas.openxmlformats.org/drawingml/2006/main" xmlns:r="http://schemas.openxmlformats.org/officeDocument/2006/relationships" xmlns:p="http://schemas.openxmlformats.org/presentationml/2006/main">
   <p:cSld>
     <p:bg>
       <p:bgPr>
         <a:solidFill>
           <a:srgbClr val="FFFFFF"/>
         </a:solidFill>
+        <a:effectLst/>
       </p:bgPr>
     </p:bg>
     <p:spTree>
@@ -2496,7 +2410,9 @@
       <p:sp>
         <p:nvSpPr>
           <p:cNvPr id="2" name="제목 텍스트"/>
-          <p:cNvSpPr txBox="1"/>
+          <p:cNvSpPr txBox="1">
+            <a:spLocks noGrp="1"/>
+          </p:cNvSpPr>
           <p:nvPr>
             <p:ph type="title"/>
           </p:nvPr>
@@ -2514,17 +2430,16 @@
           </a:ln>
           <a:extLst>
             <a:ext uri="{C572A759-6A51-4108-AA02-DFA0A04FC94B}">
-              <ma14:wrappingTextBoxFlag xmlns:ma14="http://schemas.microsoft.com/office/mac/drawingml/2011/main" val="1"/>
+              <ma14:wrappingTextBoxFlag xmlns:ma14="http://schemas.microsoft.com/office/mac/drawingml/2011/main" xmlns:a14="http://schemas.microsoft.com/office/drawing/2010/main" xmlns:m="http://schemas.openxmlformats.org/officeDocument/2006/math" xmlns="" val="1"/>
             </a:ext>
           </a:extLst>
         </p:spPr>
         <p:txBody>
           <a:bodyPr lIns="45718" tIns="45718" rIns="45718" bIns="45718" anchor="ctr">
-            <a:normAutofit fontScale="100000" lnSpcReduction="0"/>
+            <a:normAutofit/>
           </a:bodyPr>
           <a:lstStyle/>
           <a:p>
-            <a:pPr/>
             <a:r>
               <a:t>제목 텍스트</a:t>
             </a:r>
@@ -2534,7 +2449,9 @@
       <p:sp>
         <p:nvSpPr>
           <p:cNvPr id="3" name="본문 첫 번째 줄…"/>
-          <p:cNvSpPr txBox="1"/>
+          <p:cNvSpPr txBox="1">
+            <a:spLocks noGrp="1"/>
+          </p:cNvSpPr>
           <p:nvPr>
             <p:ph type="body" idx="1"/>
           </p:nvPr>
@@ -2552,17 +2469,16 @@
           </a:ln>
           <a:extLst>
             <a:ext uri="{C572A759-6A51-4108-AA02-DFA0A04FC94B}">
-              <ma14:wrappingTextBoxFlag xmlns:ma14="http://schemas.microsoft.com/office/mac/drawingml/2011/main" val="1"/>
+              <ma14:wrappingTextBoxFlag xmlns:ma14="http://schemas.microsoft.com/office/mac/drawingml/2011/main" xmlns:a14="http://schemas.microsoft.com/office/drawing/2010/main" xmlns:m="http://schemas.openxmlformats.org/officeDocument/2006/math" xmlns="" val="1"/>
             </a:ext>
           </a:extLst>
         </p:spPr>
         <p:txBody>
           <a:bodyPr lIns="45718" tIns="45718" rIns="45718" bIns="45718">
-            <a:normAutofit fontScale="100000" lnSpcReduction="0"/>
+            <a:normAutofit/>
           </a:bodyPr>
           <a:lstStyle/>
           <a:p>
-            <a:pPr/>
             <a:r>
               <a:t>본문 첫 번째 줄</a:t>
             </a:r>
@@ -2596,7 +2512,9 @@
       <p:sp>
         <p:nvSpPr>
           <p:cNvPr id="4" name="슬라이드 번호"/>
-          <p:cNvSpPr txBox="1"/>
+          <p:cNvSpPr txBox="1">
+            <a:spLocks noGrp="1"/>
+          </p:cNvSpPr>
           <p:nvPr>
             <p:ph type="sldNum" sz="quarter" idx="2"/>
           </p:nvPr>
@@ -2631,8 +2549,10 @@
             </a:lvl1pPr>
           </a:lstStyle>
           <a:p>
-            <a:pPr/>
-            <a:fld id="{86CB4B4D-7CA3-9044-876B-883B54F8677D}" type="slidenum"/>
+            <a:fld id="{86CB4B4D-7CA3-9044-876B-883B54F8677D}" type="slidenum">
+              <a:t>‹#›</a:t>
+            </a:fld>
+            <a:endParaRPr/>
           </a:p>
         </p:txBody>
       </p:sp>
@@ -2640,10 +2560,10 @@
   </p:cSld>
   <p:clrMap bg1="lt1" tx1="dk1" bg2="lt2" tx2="dk2" accent1="accent1" accent2="accent2" accent3="accent3" accent4="accent4" accent5="accent5" accent6="accent6" hlink="hlink" folHlink="folHlink"/>
   <p:sldLayoutIdLst>
-    <p:sldLayoutId id="2147483649" r:id="rId2"/>
-    <p:sldLayoutId id="2147483650" r:id="rId3"/>
+    <p:sldLayoutId id="2147483649" r:id="rId1"/>
+    <p:sldLayoutId id="2147483650" r:id="rId2"/>
   </p:sldLayoutIdLst>
-  <p:transition xmlns:p14="http://schemas.microsoft.com/office/powerpoint/2010/main" spd="med" advClick="1"/>
+  <p:transition spd="med"/>
   <p:txStyles>
     <p:titleStyle>
       <a:lvl1pPr marL="0" marR="0" indent="0" algn="l" defTabSz="914400" rtl="0" latinLnBrk="0">
@@ -2661,7 +2581,7 @@
         <a:buFontTx/>
         <a:buNone/>
         <a:tabLst/>
-        <a:defRPr b="1" baseline="0" cap="none" i="0" spc="0" strike="noStrike" sz="3600" u="none">
+        <a:defRPr sz="3600" b="1" i="0" u="none" strike="noStrike" cap="none" spc="0" baseline="0">
           <a:solidFill>
             <a:srgbClr val="484848"/>
           </a:solidFill>
@@ -2687,7 +2607,7 @@
         <a:buFontTx/>
         <a:buNone/>
         <a:tabLst/>
-        <a:defRPr b="1" baseline="0" cap="none" i="0" spc="0" strike="noStrike" sz="3600" u="none">
+        <a:defRPr sz="3600" b="1" i="0" u="none" strike="noStrike" cap="none" spc="0" baseline="0">
           <a:solidFill>
             <a:srgbClr val="484848"/>
           </a:solidFill>
@@ -2713,7 +2633,7 @@
         <a:buFontTx/>
         <a:buNone/>
         <a:tabLst/>
-        <a:defRPr b="1" baseline="0" cap="none" i="0" spc="0" strike="noStrike" sz="3600" u="none">
+        <a:defRPr sz="3600" b="1" i="0" u="none" strike="noStrike" cap="none" spc="0" baseline="0">
           <a:solidFill>
             <a:srgbClr val="484848"/>
           </a:solidFill>
@@ -2739,7 +2659,7 @@
         <a:buFontTx/>
         <a:buNone/>
         <a:tabLst/>
-        <a:defRPr b="1" baseline="0" cap="none" i="0" spc="0" strike="noStrike" sz="3600" u="none">
+        <a:defRPr sz="3600" b="1" i="0" u="none" strike="noStrike" cap="none" spc="0" baseline="0">
           <a:solidFill>
             <a:srgbClr val="484848"/>
           </a:solidFill>
@@ -2765,7 +2685,7 @@
         <a:buFontTx/>
         <a:buNone/>
         <a:tabLst/>
-        <a:defRPr b="1" baseline="0" cap="none" i="0" spc="0" strike="noStrike" sz="3600" u="none">
+        <a:defRPr sz="3600" b="1" i="0" u="none" strike="noStrike" cap="none" spc="0" baseline="0">
           <a:solidFill>
             <a:srgbClr val="484848"/>
           </a:solidFill>
@@ -2791,7 +2711,7 @@
         <a:buFontTx/>
         <a:buNone/>
         <a:tabLst/>
-        <a:defRPr b="1" baseline="0" cap="none" i="0" spc="0" strike="noStrike" sz="3600" u="none">
+        <a:defRPr sz="3600" b="1" i="0" u="none" strike="noStrike" cap="none" spc="0" baseline="0">
           <a:solidFill>
             <a:srgbClr val="484848"/>
           </a:solidFill>
@@ -2817,7 +2737,7 @@
         <a:buFontTx/>
         <a:buNone/>
         <a:tabLst/>
-        <a:defRPr b="1" baseline="0" cap="none" i="0" spc="0" strike="noStrike" sz="3600" u="none">
+        <a:defRPr sz="3600" b="1" i="0" u="none" strike="noStrike" cap="none" spc="0" baseline="0">
           <a:solidFill>
             <a:srgbClr val="484848"/>
           </a:solidFill>
@@ -2843,7 +2763,7 @@
         <a:buFontTx/>
         <a:buNone/>
         <a:tabLst/>
-        <a:defRPr b="1" baseline="0" cap="none" i="0" spc="0" strike="noStrike" sz="3600" u="none">
+        <a:defRPr sz="3600" b="1" i="0" u="none" strike="noStrike" cap="none" spc="0" baseline="0">
           <a:solidFill>
             <a:srgbClr val="484848"/>
           </a:solidFill>
@@ -2869,7 +2789,7 @@
         <a:buFontTx/>
         <a:buNone/>
         <a:tabLst/>
-        <a:defRPr b="1" baseline="0" cap="none" i="0" spc="0" strike="noStrike" sz="3600" u="none">
+        <a:defRPr sz="3600" b="1" i="0" u="none" strike="noStrike" cap="none" spc="0" baseline="0">
           <a:solidFill>
             <a:srgbClr val="484848"/>
           </a:solidFill>
@@ -2897,7 +2817,7 @@
         <a:buFont typeface="Arial"/>
         <a:buChar char="•"/>
         <a:tabLst/>
-        <a:defRPr b="0" baseline="0" cap="none" i="0" spc="0" strike="noStrike" sz="2400" u="none">
+        <a:defRPr sz="2400" b="0" i="0" u="none" strike="noStrike" cap="none" spc="0" baseline="0">
           <a:solidFill>
             <a:srgbClr val="464646"/>
           </a:solidFill>
@@ -2923,7 +2843,7 @@
         <a:buFont typeface="Arial"/>
         <a:buChar char="◦"/>
         <a:tabLst/>
-        <a:defRPr b="0" baseline="0" cap="none" i="0" spc="0" strike="noStrike" sz="2400" u="none">
+        <a:defRPr sz="2400" b="0" i="0" u="none" strike="noStrike" cap="none" spc="0" baseline="0">
           <a:solidFill>
             <a:srgbClr val="464646"/>
           </a:solidFill>
@@ -2949,7 +2869,7 @@
         <a:buFont typeface="Arial"/>
         <a:buChar char="▪"/>
         <a:tabLst/>
-        <a:defRPr b="0" baseline="0" cap="none" i="0" spc="0" strike="noStrike" sz="2400" u="none">
+        <a:defRPr sz="2400" b="0" i="0" u="none" strike="noStrike" cap="none" spc="0" baseline="0">
           <a:solidFill>
             <a:srgbClr val="464646"/>
           </a:solidFill>
@@ -2975,7 +2895,7 @@
         <a:buFont typeface="Arial"/>
         <a:buChar char="–"/>
         <a:tabLst/>
-        <a:defRPr b="0" baseline="0" cap="none" i="0" spc="0" strike="noStrike" sz="2400" u="none">
+        <a:defRPr sz="2400" b="0" i="0" u="none" strike="noStrike" cap="none" spc="0" baseline="0">
           <a:solidFill>
             <a:srgbClr val="464646"/>
           </a:solidFill>
@@ -3001,7 +2921,7 @@
         <a:buFont typeface="Arial"/>
         <a:buChar char="»"/>
         <a:tabLst/>
-        <a:defRPr b="0" baseline="0" cap="none" i="0" spc="0" strike="noStrike" sz="2400" u="none">
+        <a:defRPr sz="2400" b="0" i="0" u="none" strike="noStrike" cap="none" spc="0" baseline="0">
           <a:solidFill>
             <a:srgbClr val="464646"/>
           </a:solidFill>
@@ -3027,7 +2947,7 @@
         <a:buFont typeface="Arial"/>
         <a:buChar char="•"/>
         <a:tabLst/>
-        <a:defRPr b="0" baseline="0" cap="none" i="0" spc="0" strike="noStrike" sz="2400" u="none">
+        <a:defRPr sz="2400" b="0" i="0" u="none" strike="noStrike" cap="none" spc="0" baseline="0">
           <a:solidFill>
             <a:srgbClr val="464646"/>
           </a:solidFill>
@@ -3053,7 +2973,7 @@
         <a:buFont typeface="Arial"/>
         <a:buChar char="•"/>
         <a:tabLst/>
-        <a:defRPr b="0" baseline="0" cap="none" i="0" spc="0" strike="noStrike" sz="2400" u="none">
+        <a:defRPr sz="2400" b="0" i="0" u="none" strike="noStrike" cap="none" spc="0" baseline="0">
           <a:solidFill>
             <a:srgbClr val="464646"/>
           </a:solidFill>
@@ -3079,7 +2999,7 @@
         <a:buFont typeface="Arial"/>
         <a:buChar char="•"/>
         <a:tabLst/>
-        <a:defRPr b="0" baseline="0" cap="none" i="0" spc="0" strike="noStrike" sz="2400" u="none">
+        <a:defRPr sz="2400" b="0" i="0" u="none" strike="noStrike" cap="none" spc="0" baseline="0">
           <a:solidFill>
             <a:srgbClr val="464646"/>
           </a:solidFill>
@@ -3105,7 +3025,7 @@
         <a:buFont typeface="Arial"/>
         <a:buChar char="•"/>
         <a:tabLst/>
-        <a:defRPr b="0" baseline="0" cap="none" i="0" spc="0" strike="noStrike" sz="2400" u="none">
+        <a:defRPr sz="2400" b="0" i="0" u="none" strike="noStrike" cap="none" spc="0" baseline="0">
           <a:solidFill>
             <a:srgbClr val="464646"/>
           </a:solidFill>
@@ -3133,7 +3053,7 @@
         <a:buFontTx/>
         <a:buNone/>
         <a:tabLst/>
-        <a:defRPr b="0" baseline="0" cap="none" i="0" spc="0" strike="noStrike" sz="1000" u="none">
+        <a:defRPr sz="1000" b="0" i="0" u="none" strike="noStrike" cap="none" spc="0" baseline="0">
           <a:solidFill>
             <a:schemeClr val="tx1"/>
           </a:solidFill>
@@ -3159,7 +3079,7 @@
         <a:buFontTx/>
         <a:buNone/>
         <a:tabLst/>
-        <a:defRPr b="0" baseline="0" cap="none" i="0" spc="0" strike="noStrike" sz="1000" u="none">
+        <a:defRPr sz="1000" b="0" i="0" u="none" strike="noStrike" cap="none" spc="0" baseline="0">
           <a:solidFill>
             <a:schemeClr val="tx1"/>
           </a:solidFill>
@@ -3185,7 +3105,7 @@
         <a:buFontTx/>
         <a:buNone/>
         <a:tabLst/>
-        <a:defRPr b="0" baseline="0" cap="none" i="0" spc="0" strike="noStrike" sz="1000" u="none">
+        <a:defRPr sz="1000" b="0" i="0" u="none" strike="noStrike" cap="none" spc="0" baseline="0">
           <a:solidFill>
             <a:schemeClr val="tx1"/>
           </a:solidFill>
@@ -3211,7 +3131,7 @@
         <a:buFontTx/>
         <a:buNone/>
         <a:tabLst/>
-        <a:defRPr b="0" baseline="0" cap="none" i="0" spc="0" strike="noStrike" sz="1000" u="none">
+        <a:defRPr sz="1000" b="0" i="0" u="none" strike="noStrike" cap="none" spc="0" baseline="0">
           <a:solidFill>
             <a:schemeClr val="tx1"/>
           </a:solidFill>
@@ -3237,7 +3157,7 @@
         <a:buFontTx/>
         <a:buNone/>
         <a:tabLst/>
-        <a:defRPr b="0" baseline="0" cap="none" i="0" spc="0" strike="noStrike" sz="1000" u="none">
+        <a:defRPr sz="1000" b="0" i="0" u="none" strike="noStrike" cap="none" spc="0" baseline="0">
           <a:solidFill>
             <a:schemeClr val="tx1"/>
           </a:solidFill>
@@ -3263,7 +3183,7 @@
         <a:buFontTx/>
         <a:buNone/>
         <a:tabLst/>
-        <a:defRPr b="0" baseline="0" cap="none" i="0" spc="0" strike="noStrike" sz="1000" u="none">
+        <a:defRPr sz="1000" b="0" i="0" u="none" strike="noStrike" cap="none" spc="0" baseline="0">
           <a:solidFill>
             <a:schemeClr val="tx1"/>
           </a:solidFill>
@@ -3289,7 +3209,7 @@
         <a:buFontTx/>
         <a:buNone/>
         <a:tabLst/>
-        <a:defRPr b="0" baseline="0" cap="none" i="0" spc="0" strike="noStrike" sz="1000" u="none">
+        <a:defRPr sz="1000" b="0" i="0" u="none" strike="noStrike" cap="none" spc="0" baseline="0">
           <a:solidFill>
             <a:schemeClr val="tx1"/>
           </a:solidFill>
@@ -3315,7 +3235,7 @@
         <a:buFontTx/>
         <a:buNone/>
         <a:tabLst/>
-        <a:defRPr b="0" baseline="0" cap="none" i="0" spc="0" strike="noStrike" sz="1000" u="none">
+        <a:defRPr sz="1000" b="0" i="0" u="none" strike="noStrike" cap="none" spc="0" baseline="0">
           <a:solidFill>
             <a:schemeClr val="tx1"/>
           </a:solidFill>
@@ -3341,7 +3261,7 @@
         <a:buFontTx/>
         <a:buNone/>
         <a:tabLst/>
-        <a:defRPr b="0" baseline="0" cap="none" i="0" spc="0" strike="noStrike" sz="1000" u="none">
+        <a:defRPr sz="1000" b="0" i="0" u="none" strike="noStrike" cap="none" spc="0" baseline="0">
           <a:solidFill>
             <a:schemeClr val="tx1"/>
           </a:solidFill>
@@ -3358,7 +3278,7 @@
 </file>
 
 <file path=ppt/slides/slide1.xml><?xml version="1.0" encoding="utf-8"?>
-<p:sld xmlns:a="http://schemas.openxmlformats.org/drawingml/2006/main" xmlns:r="http://schemas.openxmlformats.org/officeDocument/2006/relationships" xmlns:p="http://schemas.openxmlformats.org/presentationml/2006/main" xmlns:m="http://schemas.openxmlformats.org/officeDocument/2006/math" xmlns:a14="http://schemas.microsoft.com/office/drawing/2010/main" showMasterSp="1" showMasterPhAnim="1">
+<p:sld xmlns:a="http://schemas.openxmlformats.org/drawingml/2006/main" xmlns:r="http://schemas.openxmlformats.org/officeDocument/2006/relationships" xmlns:p="http://schemas.openxmlformats.org/presentationml/2006/main">
   <p:cSld>
     <p:spTree>
       <p:nvGrpSpPr>
@@ -3377,7 +3297,9 @@
       <p:sp>
         <p:nvSpPr>
           <p:cNvPr id="31" name="Rectangle 6"/>
-          <p:cNvSpPr txBox="1"/>
+          <p:cNvSpPr txBox="1">
+            <a:spLocks noGrp="1"/>
+          </p:cNvSpPr>
           <p:nvPr>
             <p:ph type="ctrTitle"/>
           </p:nvPr>
@@ -3395,7 +3317,6 @@
           <a:bodyPr/>
           <a:lstStyle/>
           <a:p>
-            <a:pPr/>
             <a:r>
               <a:t>07_2 Nested Class</a:t>
             </a:r>
@@ -3405,7 +3326,9 @@
       <p:sp>
         <p:nvSpPr>
           <p:cNvPr id="32" name="Subtitle 3"/>
-          <p:cNvSpPr txBox="1"/>
+          <p:cNvSpPr txBox="1">
+            <a:spLocks noGrp="1"/>
+          </p:cNvSpPr>
           <p:nvPr>
             <p:ph type="subTitle" sz="quarter" idx="1"/>
           </p:nvPr>
@@ -3423,7 +3346,6 @@
           <a:bodyPr/>
           <a:lstStyle/>
           <a:p>
-            <a:pPr/>
             <a:r>
               <a:t>Object-Oriented Programming</a:t>
             </a:r>
@@ -3435,12 +3357,12 @@
   <p:clrMapOvr>
     <a:masterClrMapping/>
   </p:clrMapOvr>
-  <p:transition xmlns:p14="http://schemas.microsoft.com/office/powerpoint/2010/main" spd="med" advClick="1"/>
+  <p:transition spd="med"/>
 </p:sld>
 </file>
 
 <file path=ppt/slides/slide10.xml><?xml version="1.0" encoding="utf-8"?>
-<p:sld xmlns:a="http://schemas.openxmlformats.org/drawingml/2006/main" xmlns:r="http://schemas.openxmlformats.org/officeDocument/2006/relationships" xmlns:p="http://schemas.openxmlformats.org/presentationml/2006/main" xmlns:m="http://schemas.openxmlformats.org/officeDocument/2006/math" xmlns:a14="http://schemas.microsoft.com/office/drawing/2010/main" showMasterSp="1" showMasterPhAnim="1">
+<p:sld xmlns:a="http://schemas.openxmlformats.org/drawingml/2006/main" xmlns:r="http://schemas.openxmlformats.org/officeDocument/2006/relationships" xmlns:p="http://schemas.openxmlformats.org/presentationml/2006/main">
   <p:cSld>
     <p:spTree>
       <p:nvGrpSpPr>
@@ -3459,7 +3381,9 @@
       <p:sp>
         <p:nvSpPr>
           <p:cNvPr id="85" name="Rectangle 2"/>
-          <p:cNvSpPr txBox="1"/>
+          <p:cNvSpPr txBox="1">
+            <a:spLocks noGrp="1"/>
+          </p:cNvSpPr>
           <p:nvPr>
             <p:ph type="title"/>
           </p:nvPr>
@@ -3477,7 +3401,6 @@
           <a:bodyPr/>
           <a:lstStyle/>
           <a:p>
-            <a:pPr/>
             <a:r>
               <a:t>Anonymous Class</a:t>
             </a:r>
@@ -3487,7 +3410,9 @@
       <p:sp>
         <p:nvSpPr>
           <p:cNvPr id="86" name="Rectangle 3"/>
-          <p:cNvSpPr txBox="1"/>
+          <p:cNvSpPr txBox="1">
+            <a:spLocks noGrp="1"/>
+          </p:cNvSpPr>
           <p:nvPr>
             <p:ph type="body" idx="1"/>
           </p:nvPr>
@@ -3515,7 +3440,7 @@
             </a:r>
           </a:p>
           <a:p>
-            <a:pPr lvl="1" marL="800100" indent="-342900">
+            <a:pPr marL="800100" lvl="1" indent="-342900">
               <a:lnSpc>
                 <a:spcPct val="90000"/>
               </a:lnSpc>
@@ -3543,7 +3468,7 @@
             </a:r>
           </a:p>
           <a:p>
-            <a:pPr lvl="1" marL="800100" indent="-342900">
+            <a:pPr marL="800100" lvl="1" indent="-342900">
               <a:lnSpc>
                 <a:spcPct val="90000"/>
               </a:lnSpc>
@@ -3564,7 +3489,7 @@
             </a:r>
           </a:p>
           <a:p>
-            <a:pPr lvl="1" marL="800100" indent="-342900">
+            <a:pPr marL="800100" lvl="1" indent="-342900">
               <a:lnSpc>
                 <a:spcPct val="90000"/>
               </a:lnSpc>
@@ -3579,7 +3504,9 @@
       <p:sp>
         <p:nvSpPr>
           <p:cNvPr id="87" name="슬라이드 번호 개체 틀 1"/>
-          <p:cNvSpPr txBox="1"/>
+          <p:cNvSpPr txBox="1">
+            <a:spLocks noGrp="1"/>
+          </p:cNvSpPr>
           <p:nvPr>
             <p:ph type="sldNum" sz="quarter" idx="2"/>
           </p:nvPr>
@@ -3594,7 +3521,7 @@
           </a:prstGeom>
           <a:extLst>
             <a:ext uri="{C572A759-6A51-4108-AA02-DFA0A04FC94B}">
-              <ma14:wrappingTextBoxFlag xmlns:ma14="http://schemas.microsoft.com/office/mac/drawingml/2011/main" val="1"/>
+              <ma14:wrappingTextBoxFlag xmlns:ma14="http://schemas.microsoft.com/office/mac/drawingml/2011/main" xmlns:a14="http://schemas.microsoft.com/office/drawing/2010/main" xmlns:m="http://schemas.openxmlformats.org/officeDocument/2006/math" xmlns="" val="1"/>
             </a:ext>
           </a:extLst>
         </p:spPr>
@@ -3602,8 +3529,10 @@
           <a:bodyPr/>
           <a:lstStyle/>
           <a:p>
-            <a:pPr/>
-            <a:fld id="{86CB4B4D-7CA3-9044-876B-883B54F8677D}" type="slidenum"/>
+            <a:fld id="{86CB4B4D-7CA3-9044-876B-883B54F8677D}" type="slidenum">
+              <a:t>10</a:t>
+            </a:fld>
+            <a:endParaRPr/>
           </a:p>
         </p:txBody>
       </p:sp>
@@ -3612,20 +3541,20 @@
   <p:clrMapOvr>
     <a:masterClrMapping/>
   </p:clrMapOvr>
-  <p:transition xmlns:p14="http://schemas.microsoft.com/office/powerpoint/2010/main" spd="med" advClick="1"/>
+  <p:transition spd="med"/>
   <p:timing>
     <p:tnLst>
       <p:par>
-        <p:cTn id="1" nodeType="tmRoot" restart="never" dur="indefinite" fill="hold">
+        <p:cTn id="1" dur="indefinite" restart="never" fill="hold" nodeType="tmRoot">
           <p:childTnLst>
             <p:seq concurrent="1" prevAc="none" nextAc="seek">
-              <p:cTn id="2" nodeType="mainSeq" dur="indefinite" fill="hold">
+              <p:cTn id="2" dur="indefinite" fill="hold" nodeType="mainSeq">
                 <p:childTnLst>
                   <p:par>
                     <p:cTn id="3" fill="hold">
                       <p:stCondLst>
                         <p:cond delay="indefinite"/>
-                        <p:cond evt="onBegin">
+                        <p:cond evt="onBegin" delay="0">
                           <p:tn val="2"/>
                         </p:cond>
                       </p:stCondLst>
@@ -3637,11 +3566,11 @@
                             </p:stCondLst>
                             <p:childTnLst>
                               <p:par>
-                                <p:cTn id="5" presetClass="entr" nodeType="afterEffect" presetSubtype="0" presetID="1" grpId="1" fill="hold">
+                                <p:cTn id="5" presetID="1" presetClass="entr" presetSubtype="0" fill="hold" grpId="1" nodeType="afterEffect">
                                   <p:stCondLst>
                                     <p:cond delay="0"/>
                                   </p:stCondLst>
-                                  <p:iterate type="el" backwards="0">
+                                  <p:iterate>
                                     <p:tmAbs val="0"/>
                                   </p:iterate>
                                   <p:childTnLst>
@@ -3665,11 +3594,11 @@
                                 </p:cTn>
                               </p:par>
                               <p:par>
-                                <p:cTn id="7" presetClass="entr" nodeType="withEffect" presetSubtype="0" presetID="1" grpId="1" fill="hold">
+                                <p:cTn id="7" presetID="1" presetClass="entr" presetSubtype="0" fill="hold" grpId="1" nodeType="withEffect">
                                   <p:stCondLst>
                                     <p:cond delay="0"/>
                                   </p:stCondLst>
-                                  <p:iterate type="el" backwards="0">
+                                  <p:iterate>
                                     <p:tmAbs val="0"/>
                                   </p:iterate>
                                   <p:childTnLst>
@@ -3704,11 +3633,11 @@
                             </p:stCondLst>
                             <p:childTnLst>
                               <p:par>
-                                <p:cTn id="10" presetClass="entr" nodeType="afterEffect" presetSubtype="0" presetID="1" grpId="1" fill="hold">
+                                <p:cTn id="10" presetID="1" presetClass="entr" presetSubtype="0" fill="hold" grpId="1" nodeType="afterEffect">
                                   <p:stCondLst>
                                     <p:cond delay="0"/>
                                   </p:stCondLst>
-                                  <p:iterate type="el" backwards="0">
+                                  <p:iterate>
                                     <p:tmAbs val="0"/>
                                   </p:iterate>
                                   <p:childTnLst>
@@ -3752,11 +3681,11 @@
                             </p:stCondLst>
                             <p:childTnLst>
                               <p:par>
-                                <p:cTn id="14" presetClass="entr" nodeType="clickEffect" presetSubtype="0" presetID="1" grpId="1" fill="hold">
+                                <p:cTn id="14" presetID="1" presetClass="entr" presetSubtype="0" fill="hold" grpId="1" nodeType="clickEffect">
                                   <p:stCondLst>
                                     <p:cond delay="0"/>
                                   </p:stCondLst>
-                                  <p:iterate type="el" backwards="0">
+                                  <p:iterate>
                                     <p:tmAbs val="0"/>
                                   </p:iterate>
                                   <p:childTnLst>
@@ -3791,11 +3720,11 @@
                             </p:stCondLst>
                             <p:childTnLst>
                               <p:par>
-                                <p:cTn id="17" presetClass="entr" nodeType="afterEffect" presetSubtype="0" presetID="1" grpId="1" fill="hold">
+                                <p:cTn id="17" presetID="1" presetClass="entr" presetSubtype="0" fill="hold" grpId="1" nodeType="afterEffect">
                                   <p:stCondLst>
                                     <p:cond delay="0"/>
                                   </p:stCondLst>
-                                  <p:iterate type="el" backwards="0">
+                                  <p:iterate>
                                     <p:tmAbs val="0"/>
                                   </p:iterate>
                                   <p:childTnLst>
@@ -3839,11 +3768,11 @@
                             </p:stCondLst>
                             <p:childTnLst>
                               <p:par>
-                                <p:cTn id="21" presetClass="entr" nodeType="clickEffect" presetSubtype="0" presetID="1" grpId="1" fill="hold">
+                                <p:cTn id="21" presetID="1" presetClass="entr" presetSubtype="0" fill="hold" grpId="1" nodeType="clickEffect">
                                   <p:stCondLst>
                                     <p:cond delay="0"/>
                                   </p:stCondLst>
-                                  <p:iterate type="el" backwards="0">
+                                  <p:iterate>
                                     <p:tmAbs val="0"/>
                                   </p:iterate>
                                   <p:childTnLst>
@@ -3878,11 +3807,11 @@
                             </p:stCondLst>
                             <p:childTnLst>
                               <p:par>
-                                <p:cTn id="24" presetClass="entr" nodeType="afterEffect" presetSubtype="0" presetID="1" grpId="1" fill="hold">
+                                <p:cTn id="24" presetID="1" presetClass="entr" presetSubtype="0" fill="hold" grpId="1" nodeType="afterEffect">
                                   <p:stCondLst>
                                     <p:cond delay="0"/>
                                   </p:stCondLst>
-                                  <p:iterate type="el" backwards="0">
+                                  <p:iterate>
                                     <p:tmAbs val="0"/>
                                   </p:iterate>
                                   <p:childTnLst>
@@ -3916,14 +3845,14 @@
                 </p:childTnLst>
               </p:cTn>
               <p:prevCondLst>
-                <p:cond evt="onPrev">
+                <p:cond evt="onPrev" delay="0">
                   <p:tgtEl>
                     <p:sldTgt/>
                   </p:tgtEl>
                 </p:cond>
               </p:prevCondLst>
               <p:nextCondLst>
-                <p:cond evt="onNext">
+                <p:cond evt="onNext" delay="0">
                   <p:tgtEl>
                     <p:sldTgt/>
                   </p:tgtEl>
@@ -3935,14 +3864,14 @@
       </p:par>
     </p:tnLst>
     <p:bldLst>
-      <p:bldP build="p" bldLvl="5" animBg="1" rev="0" advAuto="0" spid="86" grpId="1"/>
+      <p:bldP spid="86" grpId="1" build="p" bldLvl="5" animBg="1" advAuto="0"/>
     </p:bldLst>
   </p:timing>
 </p:sld>
 </file>
 
 <file path=ppt/slides/slide11.xml><?xml version="1.0" encoding="utf-8"?>
-<p:sld xmlns:a="http://schemas.openxmlformats.org/drawingml/2006/main" xmlns:r="http://schemas.openxmlformats.org/officeDocument/2006/relationships" xmlns:p="http://schemas.openxmlformats.org/presentationml/2006/main" xmlns:m="http://schemas.openxmlformats.org/officeDocument/2006/math" xmlns:a14="http://schemas.microsoft.com/office/drawing/2010/main" showMasterSp="1" showMasterPhAnim="1">
+<p:sld xmlns:a="http://schemas.openxmlformats.org/drawingml/2006/main" xmlns:r="http://schemas.openxmlformats.org/officeDocument/2006/relationships" xmlns:p="http://schemas.openxmlformats.org/presentationml/2006/main">
   <p:cSld>
     <p:spTree>
       <p:nvGrpSpPr>
@@ -3961,7 +3890,9 @@
       <p:sp>
         <p:nvSpPr>
           <p:cNvPr id="91" name="Example) Anonymous Class"/>
-          <p:cNvSpPr txBox="1"/>
+          <p:cNvSpPr txBox="1">
+            <a:spLocks noGrp="1"/>
+          </p:cNvSpPr>
           <p:nvPr>
             <p:ph type="title"/>
           </p:nvPr>
@@ -3975,7 +3906,6 @@
           <a:bodyPr/>
           <a:lstStyle/>
           <a:p>
-            <a:pPr/>
             <a:r>
               <a:t>Example) Anonymous Class</a:t>
             </a:r>
@@ -3985,7 +3915,9 @@
       <p:sp>
         <p:nvSpPr>
           <p:cNvPr id="92" name="슬라이드 번호"/>
-          <p:cNvSpPr txBox="1"/>
+          <p:cNvSpPr txBox="1">
+            <a:spLocks noGrp="1"/>
+          </p:cNvSpPr>
           <p:nvPr>
             <p:ph type="sldNum" sz="quarter" idx="2"/>
           </p:nvPr>
@@ -3996,7 +3928,7 @@
           </a:prstGeom>
           <a:extLst>
             <a:ext uri="{C572A759-6A51-4108-AA02-DFA0A04FC94B}">
-              <ma14:wrappingTextBoxFlag xmlns:ma14="http://schemas.microsoft.com/office/mac/drawingml/2011/main" val="1"/>
+              <ma14:wrappingTextBoxFlag xmlns:ma14="http://schemas.microsoft.com/office/mac/drawingml/2011/main" xmlns:a14="http://schemas.microsoft.com/office/drawing/2010/main" xmlns:m="http://schemas.openxmlformats.org/officeDocument/2006/math" xmlns="" val="1"/>
             </a:ext>
           </a:extLst>
         </p:spPr>
@@ -4004,8 +3936,11 @@
           <a:bodyPr/>
           <a:lstStyle/>
           <a:p>
-            <a:pPr/>
-            <a:fld id="{86CB4B4D-7CA3-9044-876B-883B54F8677D}" type="slidenum"/>
+            <a:fld id="{86CB4B4D-7CA3-9044-876B-883B54F8677D}" type="slidenum">
+              <a:rPr/>
+              <a:t>11</a:t>
+            </a:fld>
+            <a:endParaRPr/>
           </a:p>
         </p:txBody>
       </p:sp>
@@ -4017,8 +3952,8 @@
         </p:nvSpPr>
         <p:spPr>
           <a:xfrm>
-            <a:off x="713002" y="972162"/>
-            <a:ext cx="10720009" cy="5168264"/>
+            <a:off x="713002" y="1078694"/>
+            <a:ext cx="10720009" cy="4955199"/>
           </a:xfrm>
           <a:prstGeom prst="rect">
             <a:avLst/>
@@ -4030,7 +3965,7 @@
           </a:ln>
           <a:extLst>
             <a:ext uri="{C572A759-6A51-4108-AA02-DFA0A04FC94B}">
-              <ma14:wrappingTextBoxFlag xmlns:ma14="http://schemas.microsoft.com/office/mac/drawingml/2011/main" val="1"/>
+              <ma14:wrappingTextBoxFlag xmlns:ma14="http://schemas.microsoft.com/office/mac/drawingml/2011/main" xmlns:a14="http://schemas.microsoft.com/office/drawing/2010/main" xmlns:m="http://schemas.openxmlformats.org/officeDocument/2006/math" xmlns="" val="1"/>
             </a:ext>
           </a:extLst>
         </p:spPr>
@@ -4057,7 +3992,7 @@
               </a:defRPr>
             </a:pPr>
             <a:r>
-              <a:rPr b="1">
+              <a:rPr sz="1600" b="1" dirty="0">
                 <a:solidFill>
                   <a:srgbClr val="AD3DA4"/>
                 </a:solidFill>
@@ -4065,6 +4000,7 @@
               <a:t>interface</a:t>
             </a:r>
             <a:r>
+              <a:rPr sz="1600" dirty="0"/>
               <a:t> Computer {</a:t>
             </a:r>
           </a:p>
@@ -4086,10 +4022,11 @@
               </a:defRPr>
             </a:pPr>
             <a:r>
+              <a:rPr sz="1600" dirty="0"/>
               <a:t>    </a:t>
             </a:r>
             <a:r>
-              <a:rPr b="1">
+              <a:rPr sz="1600" b="1" dirty="0">
                 <a:solidFill>
                   <a:srgbClr val="AD3DA4"/>
                 </a:solidFill>
@@ -4097,6 +4034,7 @@
               <a:t>void</a:t>
             </a:r>
             <a:r>
+              <a:rPr sz="1600" dirty="0"/>
               <a:t> compute();</a:t>
             </a:r>
           </a:p>
@@ -4118,6 +4056,7 @@
               </a:defRPr>
             </a:pPr>
             <a:r>
+              <a:rPr sz="1600" dirty="0"/>
               <a:t>}</a:t>
             </a:r>
           </a:p>
@@ -4139,7 +4078,7 @@
               </a:defRPr>
             </a:pPr>
             <a:r>
-              <a:rPr b="1">
+              <a:rPr sz="1600" b="1" dirty="0">
                 <a:solidFill>
                   <a:srgbClr val="AD3DA4"/>
                 </a:solidFill>
@@ -4147,10 +4086,11 @@
               <a:t>public</a:t>
             </a:r>
             <a:r>
+              <a:rPr sz="1600" dirty="0"/>
               <a:t> </a:t>
             </a:r>
             <a:r>
-              <a:rPr b="1">
+              <a:rPr sz="1600" b="1" dirty="0">
                 <a:solidFill>
                   <a:srgbClr val="AD3DA4"/>
                 </a:solidFill>
@@ -4158,7 +4098,16 @@
               <a:t>class</a:t>
             </a:r>
             <a:r>
-              <a:t> AnonymousClassDemo {</a:t>
+              <a:rPr sz="1600" dirty="0"/>
+              <a:t> </a:t>
+            </a:r>
+            <a:r>
+              <a:rPr sz="1600" dirty="0" err="1"/>
+              <a:t>AnonymousClassDemo</a:t>
+            </a:r>
+            <a:r>
+              <a:rPr sz="1600" dirty="0"/>
+              <a:t> {</a:t>
             </a:r>
           </a:p>
           <a:p>
@@ -4179,10 +4128,11 @@
               </a:defRPr>
             </a:pPr>
             <a:r>
+              <a:rPr sz="1600" dirty="0"/>
               <a:t>    </a:t>
             </a:r>
             <a:r>
-              <a:rPr b="1">
+              <a:rPr sz="1600" b="1" dirty="0">
                 <a:solidFill>
                   <a:srgbClr val="AD3DA4"/>
                 </a:solidFill>
@@ -4190,10 +4140,11 @@
               <a:t>public</a:t>
             </a:r>
             <a:r>
+              <a:rPr sz="1600" dirty="0"/>
               <a:t> </a:t>
             </a:r>
             <a:r>
-              <a:rPr b="1">
+              <a:rPr sz="1600" b="1" dirty="0">
                 <a:solidFill>
                   <a:srgbClr val="AD3DA4"/>
                 </a:solidFill>
@@ -4201,10 +4152,11 @@
               <a:t>static</a:t>
             </a:r>
             <a:r>
+              <a:rPr sz="1600" dirty="0"/>
               <a:t> </a:t>
             </a:r>
             <a:r>
-              <a:rPr b="1">
+              <a:rPr sz="1600" b="1" dirty="0">
                 <a:solidFill>
                   <a:srgbClr val="AD3DA4"/>
                 </a:solidFill>
@@ -4212,7 +4164,16 @@
               <a:t>void</a:t>
             </a:r>
             <a:r>
-              <a:t> main(String[] argc) {</a:t>
+              <a:rPr sz="1600" dirty="0"/>
+              <a:t> main(String[] </a:t>
+            </a:r>
+            <a:r>
+              <a:rPr sz="1600" dirty="0" err="1"/>
+              <a:t>argc</a:t>
+            </a:r>
+            <a:r>
+              <a:rPr sz="1600" dirty="0"/>
+              <a:t>) {</a:t>
             </a:r>
           </a:p>
           <a:p>
@@ -4233,10 +4194,11 @@
               </a:defRPr>
             </a:pPr>
             <a:r>
+              <a:rPr sz="1600" dirty="0"/>
               <a:t>        Computer computer1 = </a:t>
             </a:r>
             <a:r>
-              <a:rPr b="1">
+              <a:rPr sz="1600" b="1" dirty="0">
                 <a:solidFill>
                   <a:srgbClr val="AD3DA4"/>
                 </a:solidFill>
@@ -4244,10 +4206,11 @@
               <a:t>new</a:t>
             </a:r>
             <a:r>
+              <a:rPr sz="1600" dirty="0"/>
               <a:t> Computer() { </a:t>
             </a:r>
             <a:r>
-              <a:rPr>
+              <a:rPr sz="1600" dirty="0">
                 <a:solidFill>
                   <a:srgbClr val="2D8504"/>
                 </a:solidFill>
@@ -4273,10 +4236,11 @@
               </a:defRPr>
             </a:pPr>
             <a:r>
+              <a:rPr sz="1600" dirty="0"/>
               <a:t>                               </a:t>
             </a:r>
             <a:r>
-              <a:rPr b="1">
+              <a:rPr sz="1600" b="1" dirty="0">
                 <a:solidFill>
                   <a:srgbClr val="AD3DA4"/>
                 </a:solidFill>
@@ -4284,10 +4248,11 @@
               <a:t>public</a:t>
             </a:r>
             <a:r>
+              <a:rPr sz="1600" dirty="0"/>
               <a:t> </a:t>
             </a:r>
             <a:r>
-              <a:rPr b="1">
+              <a:rPr sz="1600" b="1" dirty="0">
                 <a:solidFill>
                   <a:srgbClr val="AD3DA4"/>
                 </a:solidFill>
@@ -4295,6 +4260,7 @@
               <a:t>void</a:t>
             </a:r>
             <a:r>
+              <a:rPr sz="1600" dirty="0"/>
               <a:t> compute() {</a:t>
             </a:r>
           </a:p>
@@ -4316,10 +4282,19 @@
               </a:defRPr>
             </a:pPr>
             <a:r>
-              <a:t>                                 System.out.println(</a:t>
-            </a:r>
-            <a:r>
-              <a:rPr>
+              <a:rPr sz="1600" dirty="0"/>
+              <a:t>                                 </a:t>
+            </a:r>
+            <a:r>
+              <a:rPr sz="1600" dirty="0" err="1"/>
+              <a:t>System.out.println</a:t>
+            </a:r>
+            <a:r>
+              <a:rPr sz="1600" dirty="0"/>
+              <a:t>(</a:t>
+            </a:r>
+            <a:r>
+              <a:rPr sz="1600" dirty="0">
                 <a:solidFill>
                   <a:srgbClr val="D12F1B"/>
                 </a:solidFill>
@@ -4327,6 +4302,7 @@
               <a:t>"This is the computer1"</a:t>
             </a:r>
             <a:r>
+              <a:rPr sz="1600" dirty="0"/>
               <a:t>);</a:t>
             </a:r>
           </a:p>
@@ -4348,6 +4324,7 @@
               </a:defRPr>
             </a:pPr>
             <a:r>
+              <a:rPr sz="1600" dirty="0"/>
               <a:t>                               }</a:t>
             </a:r>
           </a:p>
@@ -4369,6 +4346,7 @@
               </a:defRPr>
             </a:pPr>
             <a:r>
+              <a:rPr sz="1600" dirty="0"/>
               <a:t>                             };</a:t>
             </a:r>
           </a:p>
@@ -4390,10 +4368,11 @@
               </a:defRPr>
             </a:pPr>
             <a:r>
+              <a:rPr sz="1600" dirty="0"/>
               <a:t>        Computer computer2 = </a:t>
             </a:r>
             <a:r>
-              <a:rPr b="1">
+              <a:rPr sz="1600" b="1" dirty="0">
                 <a:solidFill>
                   <a:srgbClr val="AD3DA4"/>
                 </a:solidFill>
@@ -4401,6 +4380,7 @@
               <a:t>new</a:t>
             </a:r>
             <a:r>
+              <a:rPr sz="1600" dirty="0"/>
               <a:t> Computer() {</a:t>
             </a:r>
           </a:p>
@@ -4422,10 +4402,11 @@
               </a:defRPr>
             </a:pPr>
             <a:r>
+              <a:rPr sz="1600" dirty="0"/>
               <a:t>                               </a:t>
             </a:r>
             <a:r>
-              <a:rPr b="1">
+              <a:rPr sz="1600" b="1" dirty="0">
                 <a:solidFill>
                   <a:srgbClr val="AD3DA4"/>
                 </a:solidFill>
@@ -4433,10 +4414,11 @@
               <a:t>public</a:t>
             </a:r>
             <a:r>
+              <a:rPr sz="1600" dirty="0"/>
               <a:t> </a:t>
             </a:r>
             <a:r>
-              <a:rPr b="1">
+              <a:rPr sz="1600" b="1" dirty="0">
                 <a:solidFill>
                   <a:srgbClr val="AD3DA4"/>
                 </a:solidFill>
@@ -4444,6 +4426,7 @@
               <a:t>void</a:t>
             </a:r>
             <a:r>
+              <a:rPr sz="1600" dirty="0"/>
               <a:t> compute() {</a:t>
             </a:r>
           </a:p>
@@ -4465,10 +4448,19 @@
               </a:defRPr>
             </a:pPr>
             <a:r>
-              <a:t>                                 System.out.println(</a:t>
-            </a:r>
-            <a:r>
-              <a:rPr>
+              <a:rPr sz="1600" dirty="0"/>
+              <a:t>                                 </a:t>
+            </a:r>
+            <a:r>
+              <a:rPr sz="1600" dirty="0" err="1"/>
+              <a:t>System.out.println</a:t>
+            </a:r>
+            <a:r>
+              <a:rPr sz="1600" dirty="0"/>
+              <a:t>(</a:t>
+            </a:r>
+            <a:r>
+              <a:rPr sz="1600" dirty="0">
                 <a:solidFill>
                   <a:srgbClr val="D12F1B"/>
                 </a:solidFill>
@@ -4476,6 +4468,7 @@
               <a:t>"This is the computer2"</a:t>
             </a:r>
             <a:r>
+              <a:rPr sz="1600" dirty="0"/>
               <a:t>);</a:t>
             </a:r>
           </a:p>
@@ -4497,6 +4490,7 @@
               </a:defRPr>
             </a:pPr>
             <a:r>
+              <a:rPr sz="1600" dirty="0"/>
               <a:t>                               }</a:t>
             </a:r>
           </a:p>
@@ -4518,6 +4512,7 @@
               </a:defRPr>
             </a:pPr>
             <a:r>
+              <a:rPr sz="1600" dirty="0"/>
               <a:t>                             };</a:t>
             </a:r>
           </a:p>
@@ -4537,7 +4532,7 @@
               </a:defRPr>
             </a:pPr>
             <a:r>
-              <a:rPr>
+              <a:rPr sz="1600" dirty="0">
                 <a:solidFill>
                   <a:srgbClr val="000000">
                     <a:alpha val="85000"/>
@@ -4547,9 +4542,10 @@
               <a:t>        computer1.compute(); </a:t>
             </a:r>
             <a:r>
+              <a:rPr sz="1600" dirty="0"/>
               <a:t>// OUTPUT: “This is the computer1”</a:t>
             </a:r>
-            <a:endParaRPr>
+            <a:endParaRPr sz="1600" dirty="0">
               <a:solidFill>
                 <a:srgbClr val="000000">
                   <a:alpha val="85000"/>
@@ -4573,7 +4569,7 @@
               </a:defRPr>
             </a:pPr>
             <a:r>
-              <a:rPr>
+              <a:rPr sz="1600" dirty="0">
                 <a:solidFill>
                   <a:srgbClr val="000000">
                     <a:alpha val="85000"/>
@@ -4583,9 +4579,10 @@
               <a:t>        computer2.compute(); </a:t>
             </a:r>
             <a:r>
+              <a:rPr sz="1600" dirty="0"/>
               <a:t>// OUTPUT: “This is the computer2”</a:t>
             </a:r>
-            <a:endParaRPr>
+            <a:endParaRPr sz="1600" dirty="0">
               <a:solidFill>
                 <a:srgbClr val="000000">
                   <a:alpha val="85000"/>
@@ -4611,6 +4608,7 @@
               </a:defRPr>
             </a:pPr>
             <a:r>
+              <a:rPr sz="1600" dirty="0"/>
               <a:t>    }</a:t>
             </a:r>
           </a:p>
@@ -4632,6 +4630,7 @@
               </a:defRPr>
             </a:pPr>
             <a:r>
+              <a:rPr sz="1600" dirty="0"/>
               <a:t>}</a:t>
             </a:r>
           </a:p>
@@ -4642,14 +4641,14 @@
   <p:clrMapOvr>
     <a:masterClrMapping/>
   </p:clrMapOvr>
-  <p:transition xmlns:p14="http://schemas.microsoft.com/office/powerpoint/2010/main" spd="med" advClick="1"/>
+  <p:transition spd="med"/>
   <p:timing>
     <p:tnLst>
       <p:par>
-        <p:cTn id="1" nodeType="tmRoot" restart="never" dur="indefinite" fill="hold">
+        <p:cTn id="1" dur="indefinite" restart="never" fill="hold" nodeType="tmRoot">
           <p:childTnLst>
             <p:seq concurrent="1" prevAc="none" nextAc="seek">
-              <p:cTn id="2" nodeType="mainSeq" dur="indefinite" fill="hold">
+              <p:cTn id="2" dur="indefinite" fill="hold" nodeType="mainSeq">
                 <p:childTnLst>
                   <p:par>
                     <p:cTn id="3" fill="hold">
@@ -4664,11 +4663,11 @@
                             </p:stCondLst>
                             <p:childTnLst>
                               <p:par>
-                                <p:cTn id="5" presetClass="entr" nodeType="clickEffect" presetSubtype="0" presetID="1" grpId="1" fill="hold">
+                                <p:cTn id="5" presetID="1" presetClass="entr" presetSubtype="0" fill="hold" grpId="1" nodeType="clickEffect">
                                   <p:stCondLst>
                                     <p:cond delay="0"/>
                                   </p:stCondLst>
-                                  <p:iterate type="el" backwards="0">
+                                  <p:iterate>
                                     <p:tmAbs val="0"/>
                                   </p:iterate>
                                   <p:childTnLst>
@@ -4692,11 +4691,11 @@
                                 </p:cTn>
                               </p:par>
                               <p:par>
-                                <p:cTn id="7" presetClass="entr" nodeType="withEffect" presetSubtype="0" presetID="1" grpId="1" fill="hold">
+                                <p:cTn id="7" presetID="1" presetClass="entr" presetSubtype="0" fill="hold" grpId="1" nodeType="withEffect">
                                   <p:stCondLst>
                                     <p:cond delay="0"/>
                                   </p:stCondLst>
-                                  <p:iterate type="el" backwards="0">
+                                  <p:iterate>
                                     <p:tmAbs val="0"/>
                                   </p:iterate>
                                   <p:childTnLst>
@@ -4731,11 +4730,11 @@
                             </p:stCondLst>
                             <p:childTnLst>
                               <p:par>
-                                <p:cTn id="10" presetClass="entr" nodeType="afterEffect" presetSubtype="0" presetID="1" grpId="1" fill="hold">
+                                <p:cTn id="10" presetID="1" presetClass="entr" presetSubtype="0" fill="hold" grpId="1" nodeType="afterEffect">
                                   <p:stCondLst>
                                     <p:cond delay="0"/>
                                   </p:stCondLst>
-                                  <p:iterate type="el" backwards="0">
+                                  <p:iterate>
                                     <p:tmAbs val="0"/>
                                   </p:iterate>
                                   <p:childTnLst>
@@ -4770,11 +4769,11 @@
                             </p:stCondLst>
                             <p:childTnLst>
                               <p:par>
-                                <p:cTn id="13" presetClass="entr" nodeType="afterEffect" presetSubtype="0" presetID="1" grpId="1" fill="hold">
+                                <p:cTn id="13" presetID="1" presetClass="entr" presetSubtype="0" fill="hold" grpId="1" nodeType="afterEffect">
                                   <p:stCondLst>
                                     <p:cond delay="0"/>
                                   </p:stCondLst>
-                                  <p:iterate type="el" backwards="0">
+                                  <p:iterate>
                                     <p:tmAbs val="0"/>
                                   </p:iterate>
                                   <p:childTnLst>
@@ -4818,11 +4817,11 @@
                             </p:stCondLst>
                             <p:childTnLst>
                               <p:par>
-                                <p:cTn id="17" presetClass="entr" nodeType="clickEffect" presetSubtype="0" presetID="1" grpId="1" fill="hold">
+                                <p:cTn id="17" presetID="1" presetClass="entr" presetSubtype="0" fill="hold" grpId="1" nodeType="clickEffect">
                                   <p:stCondLst>
                                     <p:cond delay="0"/>
                                   </p:stCondLst>
-                                  <p:iterate type="el" backwards="0">
+                                  <p:iterate>
                                     <p:tmAbs val="0"/>
                                   </p:iterate>
                                   <p:childTnLst>
@@ -4866,11 +4865,11 @@
                             </p:stCondLst>
                             <p:childTnLst>
                               <p:par>
-                                <p:cTn id="21" presetClass="entr" nodeType="clickEffect" presetSubtype="0" presetID="1" grpId="1" fill="hold">
+                                <p:cTn id="21" presetID="1" presetClass="entr" presetSubtype="0" fill="hold" grpId="1" nodeType="clickEffect">
                                   <p:stCondLst>
                                     <p:cond delay="0"/>
                                   </p:stCondLst>
-                                  <p:iterate type="el" backwards="0">
+                                  <p:iterate>
                                     <p:tmAbs val="0"/>
                                   </p:iterate>
                                   <p:childTnLst>
@@ -4905,11 +4904,11 @@
                             </p:stCondLst>
                             <p:childTnLst>
                               <p:par>
-                                <p:cTn id="24" presetClass="entr" nodeType="afterEffect" presetSubtype="0" presetID="1" grpId="1" fill="hold">
+                                <p:cTn id="24" presetID="1" presetClass="entr" presetSubtype="0" fill="hold" grpId="1" nodeType="afterEffect">
                                   <p:stCondLst>
                                     <p:cond delay="0"/>
                                   </p:stCondLst>
-                                  <p:iterate type="el" backwards="0">
+                                  <p:iterate>
                                     <p:tmAbs val="0"/>
                                   </p:iterate>
                                   <p:childTnLst>
@@ -4944,11 +4943,11 @@
                             </p:stCondLst>
                             <p:childTnLst>
                               <p:par>
-                                <p:cTn id="27" presetClass="entr" nodeType="afterEffect" presetSubtype="0" presetID="1" grpId="1" fill="hold">
+                                <p:cTn id="27" presetID="1" presetClass="entr" presetSubtype="0" fill="hold" grpId="1" nodeType="afterEffect">
                                   <p:stCondLst>
                                     <p:cond delay="0"/>
                                   </p:stCondLst>
-                                  <p:iterate type="el" backwards="0">
+                                  <p:iterate>
                                     <p:tmAbs val="0"/>
                                   </p:iterate>
                                   <p:childTnLst>
@@ -4983,11 +4982,11 @@
                             </p:stCondLst>
                             <p:childTnLst>
                               <p:par>
-                                <p:cTn id="30" presetClass="entr" nodeType="afterEffect" presetSubtype="0" presetID="1" grpId="1" fill="hold">
+                                <p:cTn id="30" presetID="1" presetClass="entr" presetSubtype="0" fill="hold" grpId="1" nodeType="afterEffect">
                                   <p:stCondLst>
                                     <p:cond delay="0"/>
                                   </p:stCondLst>
-                                  <p:iterate type="el" backwards="0">
+                                  <p:iterate>
                                     <p:tmAbs val="0"/>
                                   </p:iterate>
                                   <p:childTnLst>
@@ -5022,11 +5021,11 @@
                             </p:stCondLst>
                             <p:childTnLst>
                               <p:par>
-                                <p:cTn id="33" presetClass="entr" nodeType="afterEffect" presetSubtype="0" presetID="1" grpId="1" fill="hold">
+                                <p:cTn id="33" presetID="1" presetClass="entr" presetSubtype="0" fill="hold" grpId="1" nodeType="afterEffect">
                                   <p:stCondLst>
                                     <p:cond delay="0"/>
                                   </p:stCondLst>
-                                  <p:iterate type="el" backwards="0">
+                                  <p:iterate>
                                     <p:tmAbs val="0"/>
                                   </p:iterate>
                                   <p:childTnLst>
@@ -5061,11 +5060,11 @@
                             </p:stCondLst>
                             <p:childTnLst>
                               <p:par>
-                                <p:cTn id="36" presetClass="entr" nodeType="afterEffect" presetSubtype="0" presetID="1" grpId="1" fill="hold">
+                                <p:cTn id="36" presetID="1" presetClass="entr" presetSubtype="0" fill="hold" grpId="1" nodeType="afterEffect">
                                   <p:stCondLst>
                                     <p:cond delay="0"/>
                                   </p:stCondLst>
-                                  <p:iterate type="el" backwards="0">
+                                  <p:iterate>
                                     <p:tmAbs val="0"/>
                                   </p:iterate>
                                   <p:childTnLst>
@@ -5109,11 +5108,11 @@
                             </p:stCondLst>
                             <p:childTnLst>
                               <p:par>
-                                <p:cTn id="40" presetClass="entr" nodeType="clickEffect" presetSubtype="0" presetID="1" grpId="1" fill="hold">
+                                <p:cTn id="40" presetID="1" presetClass="entr" presetSubtype="0" fill="hold" grpId="1" nodeType="clickEffect">
                                   <p:stCondLst>
                                     <p:cond delay="0"/>
                                   </p:stCondLst>
-                                  <p:iterate type="el" backwards="0">
+                                  <p:iterate>
                                     <p:tmAbs val="0"/>
                                   </p:iterate>
                                   <p:childTnLst>
@@ -5148,11 +5147,11 @@
                             </p:stCondLst>
                             <p:childTnLst>
                               <p:par>
-                                <p:cTn id="43" presetClass="entr" nodeType="afterEffect" presetSubtype="0" presetID="1" grpId="1" fill="hold">
+                                <p:cTn id="43" presetID="1" presetClass="entr" presetSubtype="0" fill="hold" grpId="1" nodeType="afterEffect">
                                   <p:stCondLst>
                                     <p:cond delay="0"/>
                                   </p:stCondLst>
-                                  <p:iterate type="el" backwards="0">
+                                  <p:iterate>
                                     <p:tmAbs val="0"/>
                                   </p:iterate>
                                   <p:childTnLst>
@@ -5187,11 +5186,11 @@
                             </p:stCondLst>
                             <p:childTnLst>
                               <p:par>
-                                <p:cTn id="46" presetClass="entr" nodeType="afterEffect" presetSubtype="0" presetID="1" grpId="1" fill="hold">
+                                <p:cTn id="46" presetID="1" presetClass="entr" presetSubtype="0" fill="hold" grpId="1" nodeType="afterEffect">
                                   <p:stCondLst>
                                     <p:cond delay="0"/>
                                   </p:stCondLst>
-                                  <p:iterate type="el" backwards="0">
+                                  <p:iterate>
                                     <p:tmAbs val="0"/>
                                   </p:iterate>
                                   <p:childTnLst>
@@ -5226,11 +5225,11 @@
                             </p:stCondLst>
                             <p:childTnLst>
                               <p:par>
-                                <p:cTn id="49" presetClass="entr" nodeType="afterEffect" presetSubtype="0" presetID="1" grpId="1" fill="hold">
+                                <p:cTn id="49" presetID="1" presetClass="entr" presetSubtype="0" fill="hold" grpId="1" nodeType="afterEffect">
                                   <p:stCondLst>
                                     <p:cond delay="0"/>
                                   </p:stCondLst>
-                                  <p:iterate type="el" backwards="0">
+                                  <p:iterate>
                                     <p:tmAbs val="0"/>
                                   </p:iterate>
                                   <p:childTnLst>
@@ -5265,11 +5264,11 @@
                             </p:stCondLst>
                             <p:childTnLst>
                               <p:par>
-                                <p:cTn id="52" presetClass="entr" nodeType="afterEffect" presetSubtype="0" presetID="1" grpId="1" fill="hold">
+                                <p:cTn id="52" presetID="1" presetClass="entr" presetSubtype="0" fill="hold" grpId="1" nodeType="afterEffect">
                                   <p:stCondLst>
                                     <p:cond delay="0"/>
                                   </p:stCondLst>
-                                  <p:iterate type="el" backwards="0">
+                                  <p:iterate>
                                     <p:tmAbs val="0"/>
                                   </p:iterate>
                                   <p:childTnLst>
@@ -5313,11 +5312,11 @@
                             </p:stCondLst>
                             <p:childTnLst>
                               <p:par>
-                                <p:cTn id="56" presetClass="entr" nodeType="clickEffect" presetSubtype="0" presetID="1" grpId="1" fill="hold">
+                                <p:cTn id="56" presetID="1" presetClass="entr" presetSubtype="0" fill="hold" grpId="1" nodeType="clickEffect">
                                   <p:stCondLst>
                                     <p:cond delay="0"/>
                                   </p:stCondLst>
-                                  <p:iterate type="el" backwards="0">
+                                  <p:iterate>
                                     <p:tmAbs val="0"/>
                                   </p:iterate>
                                   <p:childTnLst>
@@ -5352,11 +5351,11 @@
                             </p:stCondLst>
                             <p:childTnLst>
                               <p:par>
-                                <p:cTn id="59" presetClass="entr" nodeType="afterEffect" presetSubtype="0" presetID="1" grpId="1" fill="hold">
+                                <p:cTn id="59" presetID="1" presetClass="entr" presetSubtype="0" fill="hold" grpId="1" nodeType="afterEffect">
                                   <p:stCondLst>
                                     <p:cond delay="0"/>
                                   </p:stCondLst>
-                                  <p:iterate type="el" backwards="0">
+                                  <p:iterate>
                                     <p:tmAbs val="0"/>
                                   </p:iterate>
                                   <p:childTnLst>
@@ -5391,11 +5390,11 @@
                             </p:stCondLst>
                             <p:childTnLst>
                               <p:par>
-                                <p:cTn id="62" presetClass="entr" nodeType="afterEffect" presetSubtype="0" presetID="1" grpId="1" fill="hold">
+                                <p:cTn id="62" presetID="1" presetClass="entr" presetSubtype="0" fill="hold" grpId="1" nodeType="afterEffect">
                                   <p:stCondLst>
                                     <p:cond delay="0"/>
                                   </p:stCondLst>
-                                  <p:iterate type="el" backwards="0">
+                                  <p:iterate>
                                     <p:tmAbs val="0"/>
                                   </p:iterate>
                                   <p:childTnLst>
@@ -5430,11 +5429,11 @@
                             </p:stCondLst>
                             <p:childTnLst>
                               <p:par>
-                                <p:cTn id="65" presetClass="entr" nodeType="afterEffect" presetSubtype="0" presetID="1" grpId="1" fill="hold">
+                                <p:cTn id="65" presetID="1" presetClass="entr" presetSubtype="0" fill="hold" grpId="1" nodeType="afterEffect">
                                   <p:stCondLst>
                                     <p:cond delay="0"/>
                                   </p:stCondLst>
-                                  <p:iterate type="el" backwards="0">
+                                  <p:iterate>
                                     <p:tmAbs val="0"/>
                                   </p:iterate>
                                   <p:childTnLst>
@@ -5468,14 +5467,14 @@
                 </p:childTnLst>
               </p:cTn>
               <p:prevCondLst>
-                <p:cond evt="onPrev">
+                <p:cond evt="onPrev" delay="0">
                   <p:tgtEl>
                     <p:sldTgt/>
                   </p:tgtEl>
                 </p:cond>
               </p:prevCondLst>
               <p:nextCondLst>
-                <p:cond evt="onNext">
+                <p:cond evt="onNext" delay="0">
                   <p:tgtEl>
                     <p:sldTgt/>
                   </p:tgtEl>
@@ -5487,14 +5486,14 @@
       </p:par>
     </p:tnLst>
     <p:bldLst>
-      <p:bldP build="p" bldLvl="5" animBg="1" rev="0" advAuto="0" spid="93" grpId="1"/>
+      <p:bldP spid="93" grpId="1" build="p" bldLvl="5" animBg="1" advAuto="0"/>
     </p:bldLst>
   </p:timing>
 </p:sld>
 </file>
 
 <file path=ppt/slides/slide2.xml><?xml version="1.0" encoding="utf-8"?>
-<p:sld xmlns:a="http://schemas.openxmlformats.org/drawingml/2006/main" xmlns:r="http://schemas.openxmlformats.org/officeDocument/2006/relationships" xmlns:p="http://schemas.openxmlformats.org/presentationml/2006/main" xmlns:m="http://schemas.openxmlformats.org/officeDocument/2006/math" xmlns:a14="http://schemas.microsoft.com/office/drawing/2010/main" showMasterSp="1" showMasterPhAnim="1">
+<p:sld xmlns:a="http://schemas.openxmlformats.org/drawingml/2006/main" xmlns:r="http://schemas.openxmlformats.org/officeDocument/2006/relationships" xmlns:p="http://schemas.openxmlformats.org/presentationml/2006/main">
   <p:cSld>
     <p:spTree>
       <p:nvGrpSpPr>
@@ -5513,7 +5512,9 @@
       <p:sp>
         <p:nvSpPr>
           <p:cNvPr id="36" name="Rectangle 2"/>
-          <p:cNvSpPr txBox="1"/>
+          <p:cNvSpPr txBox="1">
+            <a:spLocks noGrp="1"/>
+          </p:cNvSpPr>
           <p:nvPr>
             <p:ph type="title"/>
           </p:nvPr>
@@ -5531,7 +5532,6 @@
           <a:bodyPr/>
           <a:lstStyle/>
           <a:p>
-            <a:pPr/>
             <a:r>
               <a:t>Kind of Nested Class</a:t>
             </a:r>
@@ -5541,7 +5541,9 @@
       <p:sp>
         <p:nvSpPr>
           <p:cNvPr id="37" name="Rectangle 3"/>
-          <p:cNvSpPr txBox="1"/>
+          <p:cNvSpPr txBox="1">
+            <a:spLocks noGrp="1"/>
+          </p:cNvSpPr>
           <p:nvPr>
             <p:ph type="body" sz="quarter" idx="1"/>
           </p:nvPr>
@@ -5593,7 +5595,9 @@
       <p:sp>
         <p:nvSpPr>
           <p:cNvPr id="38" name="슬라이드 번호 개체 틀 1"/>
-          <p:cNvSpPr txBox="1"/>
+          <p:cNvSpPr txBox="1">
+            <a:spLocks noGrp="1"/>
+          </p:cNvSpPr>
           <p:nvPr>
             <p:ph type="sldNum" sz="quarter" idx="2"/>
           </p:nvPr>
@@ -5608,7 +5612,7 @@
           </a:prstGeom>
           <a:extLst>
             <a:ext uri="{C572A759-6A51-4108-AA02-DFA0A04FC94B}">
-              <ma14:wrappingTextBoxFlag xmlns:ma14="http://schemas.microsoft.com/office/mac/drawingml/2011/main" val="1"/>
+              <ma14:wrappingTextBoxFlag xmlns:ma14="http://schemas.microsoft.com/office/mac/drawingml/2011/main" xmlns:a14="http://schemas.microsoft.com/office/drawing/2010/main" xmlns:m="http://schemas.openxmlformats.org/officeDocument/2006/math" xmlns="" val="1"/>
             </a:ext>
           </a:extLst>
         </p:spPr>
@@ -5616,8 +5620,11 @@
           <a:bodyPr/>
           <a:lstStyle/>
           <a:p>
-            <a:pPr/>
-            <a:fld id="{86CB4B4D-7CA3-9044-876B-883B54F8677D}" type="slidenum"/>
+            <a:fld id="{86CB4B4D-7CA3-9044-876B-883B54F8677D}" type="slidenum">
+              <a:rPr/>
+              <a:t>2</a:t>
+            </a:fld>
+            <a:endParaRPr/>
           </a:p>
         </p:txBody>
       </p:sp>
@@ -5642,7 +5649,7 @@
           </a:ln>
           <a:extLst>
             <a:ext uri="{C572A759-6A51-4108-AA02-DFA0A04FC94B}">
-              <ma14:wrappingTextBoxFlag xmlns:ma14="http://schemas.microsoft.com/office/mac/drawingml/2011/main" val="1"/>
+              <ma14:wrappingTextBoxFlag xmlns:ma14="http://schemas.microsoft.com/office/mac/drawingml/2011/main" xmlns:a14="http://schemas.microsoft.com/office/drawing/2010/main" xmlns:m="http://schemas.openxmlformats.org/officeDocument/2006/math" xmlns="" val="1"/>
             </a:ext>
           </a:extLst>
         </p:spPr>
@@ -6224,20 +6231,20 @@
   <p:clrMapOvr>
     <a:masterClrMapping/>
   </p:clrMapOvr>
-  <p:transition xmlns:p14="http://schemas.microsoft.com/office/powerpoint/2010/main" spd="med" advClick="1"/>
+  <p:transition spd="med"/>
   <p:timing>
     <p:tnLst>
       <p:par>
-        <p:cTn id="1" nodeType="tmRoot" restart="never" dur="indefinite" fill="hold">
+        <p:cTn id="1" dur="indefinite" restart="never" fill="hold" nodeType="tmRoot">
           <p:childTnLst>
             <p:seq concurrent="1" prevAc="none" nextAc="seek">
-              <p:cTn id="2" nodeType="mainSeq" dur="indefinite" fill="hold">
+              <p:cTn id="2" dur="indefinite" fill="hold" nodeType="mainSeq">
                 <p:childTnLst>
                   <p:par>
                     <p:cTn id="3" fill="hold">
                       <p:stCondLst>
                         <p:cond delay="indefinite"/>
-                        <p:cond evt="onBegin">
+                        <p:cond evt="onBegin" delay="0">
                           <p:tn val="2"/>
                         </p:cond>
                       </p:stCondLst>
@@ -6249,11 +6256,11 @@
                             </p:stCondLst>
                             <p:childTnLst>
                               <p:par>
-                                <p:cTn id="5" presetClass="entr" nodeType="afterEffect" presetSubtype="0" presetID="1" grpId="1" fill="hold">
+                                <p:cTn id="5" presetID="1" presetClass="entr" presetSubtype="0" fill="hold" grpId="1" nodeType="afterEffect">
                                   <p:stCondLst>
                                     <p:cond delay="0"/>
                                   </p:stCondLst>
-                                  <p:iterate type="el" backwards="0">
+                                  <p:iterate>
                                     <p:tmAbs val="0"/>
                                   </p:iterate>
                                   <p:childTnLst>
@@ -6277,11 +6284,11 @@
                                 </p:cTn>
                               </p:par>
                               <p:par>
-                                <p:cTn id="7" presetClass="entr" nodeType="withEffect" presetSubtype="0" presetID="1" grpId="1" fill="hold">
+                                <p:cTn id="7" presetID="1" presetClass="entr" presetSubtype="0" fill="hold" grpId="1" nodeType="withEffect">
                                   <p:stCondLst>
                                     <p:cond delay="0"/>
                                   </p:stCondLst>
-                                  <p:iterate type="el" backwards="0">
+                                  <p:iterate>
                                     <p:tmAbs val="0"/>
                                   </p:iterate>
                                   <p:childTnLst>
@@ -6325,11 +6332,11 @@
                             </p:stCondLst>
                             <p:childTnLst>
                               <p:par>
-                                <p:cTn id="11" presetClass="entr" nodeType="clickEffect" presetSubtype="0" presetID="1" grpId="1" fill="hold">
+                                <p:cTn id="11" presetID="1" presetClass="entr" presetSubtype="0" fill="hold" grpId="1" nodeType="clickEffect">
                                   <p:stCondLst>
                                     <p:cond delay="0"/>
                                   </p:stCondLst>
-                                  <p:iterate type="el" backwards="0">
+                                  <p:iterate>
                                     <p:tmAbs val="0"/>
                                   </p:iterate>
                                   <p:childTnLst>
@@ -6373,11 +6380,11 @@
                             </p:stCondLst>
                             <p:childTnLst>
                               <p:par>
-                                <p:cTn id="15" presetClass="entr" nodeType="clickEffect" presetSubtype="0" presetID="1" grpId="2" fill="hold">
+                                <p:cTn id="15" presetID="1" presetClass="entr" presetSubtype="0" fill="hold" grpId="2" nodeType="clickEffect">
                                   <p:stCondLst>
                                     <p:cond delay="0"/>
                                   </p:stCondLst>
-                                  <p:iterate type="el" backwards="0">
+                                  <p:iterate>
                                     <p:tmAbs val="0"/>
                                   </p:iterate>
                                   <p:childTnLst>
@@ -6401,11 +6408,11 @@
                                 </p:cTn>
                               </p:par>
                               <p:par>
-                                <p:cTn id="17" presetClass="entr" nodeType="withEffect" presetSubtype="0" presetID="1" grpId="2" fill="hold">
+                                <p:cTn id="17" presetID="1" presetClass="entr" presetSubtype="0" fill="hold" grpId="2" nodeType="withEffect">
                                   <p:stCondLst>
                                     <p:cond delay="0"/>
                                   </p:stCondLst>
-                                  <p:iterate type="el" backwards="0">
+                                  <p:iterate>
                                     <p:tmAbs val="0"/>
                                   </p:iterate>
                                   <p:childTnLst>
@@ -6440,11 +6447,11 @@
                             </p:stCondLst>
                             <p:childTnLst>
                               <p:par>
-                                <p:cTn id="20" presetClass="entr" nodeType="afterEffect" presetSubtype="0" presetID="1" grpId="2" fill="hold">
+                                <p:cTn id="20" presetID="1" presetClass="entr" presetSubtype="0" fill="hold" grpId="2" nodeType="afterEffect">
                                   <p:stCondLst>
                                     <p:cond delay="0"/>
                                   </p:stCondLst>
-                                  <p:iterate type="el" backwards="0">
+                                  <p:iterate>
                                     <p:tmAbs val="0"/>
                                   </p:iterate>
                                   <p:childTnLst>
@@ -6488,11 +6495,11 @@
                             </p:stCondLst>
                             <p:childTnLst>
                               <p:par>
-                                <p:cTn id="24" presetClass="entr" nodeType="clickEffect" presetSubtype="0" presetID="1" grpId="2" fill="hold">
+                                <p:cTn id="24" presetID="1" presetClass="entr" presetSubtype="0" fill="hold" grpId="2" nodeType="clickEffect">
                                   <p:stCondLst>
                                     <p:cond delay="0"/>
                                   </p:stCondLst>
-                                  <p:iterate type="el" backwards="0">
+                                  <p:iterate>
                                     <p:tmAbs val="0"/>
                                   </p:iterate>
                                   <p:childTnLst>
@@ -6536,11 +6543,11 @@
                             </p:stCondLst>
                             <p:childTnLst>
                               <p:par>
-                                <p:cTn id="28" presetClass="entr" nodeType="clickEffect" presetSubtype="0" presetID="1" grpId="2" fill="hold">
+                                <p:cTn id="28" presetID="1" presetClass="entr" presetSubtype="0" fill="hold" grpId="2" nodeType="clickEffect">
                                   <p:stCondLst>
                                     <p:cond delay="0"/>
                                   </p:stCondLst>
-                                  <p:iterate type="el" backwards="0">
+                                  <p:iterate>
                                     <p:tmAbs val="0"/>
                                   </p:iterate>
                                   <p:childTnLst>
@@ -6575,11 +6582,11 @@
                             </p:stCondLst>
                             <p:childTnLst>
                               <p:par>
-                                <p:cTn id="31" presetClass="entr" nodeType="afterEffect" presetSubtype="0" presetID="1" grpId="2" fill="hold">
+                                <p:cTn id="31" presetID="1" presetClass="entr" presetSubtype="0" fill="hold" grpId="2" nodeType="afterEffect">
                                   <p:stCondLst>
                                     <p:cond delay="0"/>
                                   </p:stCondLst>
-                                  <p:iterate type="el" backwards="0">
+                                  <p:iterate>
                                     <p:tmAbs val="0"/>
                                   </p:iterate>
                                   <p:childTnLst>
@@ -6614,11 +6621,11 @@
                             </p:stCondLst>
                             <p:childTnLst>
                               <p:par>
-                                <p:cTn id="34" presetClass="entr" nodeType="afterEffect" presetSubtype="0" presetID="1" grpId="2" fill="hold">
+                                <p:cTn id="34" presetID="1" presetClass="entr" presetSubtype="0" fill="hold" grpId="2" nodeType="afterEffect">
                                   <p:stCondLst>
                                     <p:cond delay="0"/>
                                   </p:stCondLst>
-                                  <p:iterate type="el" backwards="0">
+                                  <p:iterate>
                                     <p:tmAbs val="0"/>
                                   </p:iterate>
                                   <p:childTnLst>
@@ -6653,11 +6660,11 @@
                             </p:stCondLst>
                             <p:childTnLst>
                               <p:par>
-                                <p:cTn id="37" presetClass="entr" nodeType="afterEffect" presetSubtype="0" presetID="1" grpId="2" fill="hold">
+                                <p:cTn id="37" presetID="1" presetClass="entr" presetSubtype="0" fill="hold" grpId="2" nodeType="afterEffect">
                                   <p:stCondLst>
                                     <p:cond delay="0"/>
                                   </p:stCondLst>
-                                  <p:iterate type="el" backwards="0">
+                                  <p:iterate>
                                     <p:tmAbs val="0"/>
                                   </p:iterate>
                                   <p:childTnLst>
@@ -6692,11 +6699,11 @@
                             </p:stCondLst>
                             <p:childTnLst>
                               <p:par>
-                                <p:cTn id="40" presetClass="entr" nodeType="afterEffect" presetSubtype="0" presetID="1" grpId="2" fill="hold">
+                                <p:cTn id="40" presetID="1" presetClass="entr" presetSubtype="0" fill="hold" grpId="2" nodeType="afterEffect">
                                   <p:stCondLst>
                                     <p:cond delay="0"/>
                                   </p:stCondLst>
-                                  <p:iterate type="el" backwards="0">
+                                  <p:iterate>
                                     <p:tmAbs val="0"/>
                                   </p:iterate>
                                   <p:childTnLst>
@@ -6740,11 +6747,11 @@
                             </p:stCondLst>
                             <p:childTnLst>
                               <p:par>
-                                <p:cTn id="44" presetClass="entr" nodeType="clickEffect" presetSubtype="0" presetID="1" grpId="2" fill="hold">
+                                <p:cTn id="44" presetID="1" presetClass="entr" presetSubtype="0" fill="hold" grpId="2" nodeType="clickEffect">
                                   <p:stCondLst>
                                     <p:cond delay="0"/>
                                   </p:stCondLst>
-                                  <p:iterate type="el" backwards="0">
+                                  <p:iterate>
                                     <p:tmAbs val="0"/>
                                   </p:iterate>
                                   <p:childTnLst>
@@ -6779,11 +6786,11 @@
                             </p:stCondLst>
                             <p:childTnLst>
                               <p:par>
-                                <p:cTn id="47" presetClass="entr" nodeType="afterEffect" presetSubtype="0" presetID="1" grpId="2" fill="hold">
+                                <p:cTn id="47" presetID="1" presetClass="entr" presetSubtype="0" fill="hold" grpId="2" nodeType="afterEffect">
                                   <p:stCondLst>
                                     <p:cond delay="0"/>
                                   </p:stCondLst>
-                                  <p:iterate type="el" backwards="0">
+                                  <p:iterate>
                                     <p:tmAbs val="0"/>
                                   </p:iterate>
                                   <p:childTnLst>
@@ -6818,11 +6825,11 @@
                             </p:stCondLst>
                             <p:childTnLst>
                               <p:par>
-                                <p:cTn id="50" presetClass="entr" nodeType="afterEffect" presetSubtype="0" presetID="1" grpId="2" fill="hold">
+                                <p:cTn id="50" presetID="1" presetClass="entr" presetSubtype="0" fill="hold" grpId="2" nodeType="afterEffect">
                                   <p:stCondLst>
                                     <p:cond delay="0"/>
                                   </p:stCondLst>
-                                  <p:iterate type="el" backwards="0">
+                                  <p:iterate>
                                     <p:tmAbs val="0"/>
                                   </p:iterate>
                                   <p:childTnLst>
@@ -6866,11 +6873,11 @@
                             </p:stCondLst>
                             <p:childTnLst>
                               <p:par>
-                                <p:cTn id="54" presetClass="entr" nodeType="clickEffect" presetSubtype="0" presetID="1" grpId="2" fill="hold">
+                                <p:cTn id="54" presetID="1" presetClass="entr" presetSubtype="0" fill="hold" grpId="2" nodeType="clickEffect">
                                   <p:stCondLst>
                                     <p:cond delay="0"/>
                                   </p:stCondLst>
-                                  <p:iterate type="el" backwards="0">
+                                  <p:iterate>
                                     <p:tmAbs val="0"/>
                                   </p:iterate>
                                   <p:childTnLst>
@@ -6914,11 +6921,11 @@
                             </p:stCondLst>
                             <p:childTnLst>
                               <p:par>
-                                <p:cTn id="58" presetClass="entr" nodeType="clickEffect" presetSubtype="0" presetID="1" grpId="2" fill="hold">
+                                <p:cTn id="58" presetID="1" presetClass="entr" presetSubtype="0" fill="hold" grpId="2" nodeType="clickEffect">
                                   <p:stCondLst>
                                     <p:cond delay="0"/>
                                   </p:stCondLst>
-                                  <p:iterate type="el" backwards="0">
+                                  <p:iterate>
                                     <p:tmAbs val="0"/>
                                   </p:iterate>
                                   <p:childTnLst>
@@ -6962,11 +6969,11 @@
                             </p:stCondLst>
                             <p:childTnLst>
                               <p:par>
-                                <p:cTn id="62" presetClass="entr" nodeType="clickEffect" presetSubtype="0" presetID="1" grpId="2" fill="hold">
+                                <p:cTn id="62" presetID="1" presetClass="entr" presetSubtype="0" fill="hold" grpId="2" nodeType="clickEffect">
                                   <p:stCondLst>
                                     <p:cond delay="0"/>
                                   </p:stCondLst>
-                                  <p:iterate type="el" backwards="0">
+                                  <p:iterate>
                                     <p:tmAbs val="0"/>
                                   </p:iterate>
                                   <p:childTnLst>
@@ -7001,11 +7008,11 @@
                             </p:stCondLst>
                             <p:childTnLst>
                               <p:par>
-                                <p:cTn id="65" presetClass="entr" nodeType="afterEffect" presetSubtype="0" presetID="1" grpId="2" fill="hold">
+                                <p:cTn id="65" presetID="1" presetClass="entr" presetSubtype="0" fill="hold" grpId="2" nodeType="afterEffect">
                                   <p:stCondLst>
                                     <p:cond delay="0"/>
                                   </p:stCondLst>
-                                  <p:iterate type="el" backwards="0">
+                                  <p:iterate>
                                     <p:tmAbs val="0"/>
                                   </p:iterate>
                                   <p:childTnLst>
@@ -7040,11 +7047,11 @@
                             </p:stCondLst>
                             <p:childTnLst>
                               <p:par>
-                                <p:cTn id="68" presetClass="entr" nodeType="afterEffect" presetSubtype="0" presetID="1" grpId="2" fill="hold">
+                                <p:cTn id="68" presetID="1" presetClass="entr" presetSubtype="0" fill="hold" grpId="2" nodeType="afterEffect">
                                   <p:stCondLst>
                                     <p:cond delay="0"/>
                                   </p:stCondLst>
-                                  <p:iterate type="el" backwards="0">
+                                  <p:iterate>
                                     <p:tmAbs val="0"/>
                                   </p:iterate>
                                   <p:childTnLst>
@@ -7078,14 +7085,14 @@
                 </p:childTnLst>
               </p:cTn>
               <p:prevCondLst>
-                <p:cond evt="onPrev">
+                <p:cond evt="onPrev" delay="0">
                   <p:tgtEl>
                     <p:sldTgt/>
                   </p:tgtEl>
                 </p:cond>
               </p:prevCondLst>
               <p:nextCondLst>
-                <p:cond evt="onNext">
+                <p:cond evt="onNext" delay="0">
                   <p:tgtEl>
                     <p:sldTgt/>
                   </p:tgtEl>
@@ -7097,15 +7104,15 @@
       </p:par>
     </p:tnLst>
     <p:bldLst>
-      <p:bldP build="p" bldLvl="5" animBg="1" rev="0" advAuto="0" spid="37" grpId="1"/>
-      <p:bldP build="p" bldLvl="5" animBg="1" rev="0" advAuto="0" spid="39" grpId="2"/>
+      <p:bldP spid="37" grpId="1" build="p" bldLvl="5" animBg="1" advAuto="0"/>
+      <p:bldP spid="39" grpId="2" build="p" bldLvl="5" animBg="1" advAuto="0"/>
     </p:bldLst>
   </p:timing>
 </p:sld>
 </file>
 
 <file path=ppt/slides/slide3.xml><?xml version="1.0" encoding="utf-8"?>
-<p:sld xmlns:a="http://schemas.openxmlformats.org/drawingml/2006/main" xmlns:r="http://schemas.openxmlformats.org/officeDocument/2006/relationships" xmlns:p="http://schemas.openxmlformats.org/presentationml/2006/main" xmlns:m="http://schemas.openxmlformats.org/officeDocument/2006/math" xmlns:a14="http://schemas.microsoft.com/office/drawing/2010/main" showMasterSp="1" showMasterPhAnim="1">
+<p:sld xmlns:a="http://schemas.openxmlformats.org/drawingml/2006/main" xmlns:r="http://schemas.openxmlformats.org/officeDocument/2006/relationships" xmlns:p="http://schemas.openxmlformats.org/presentationml/2006/main">
   <p:cSld>
     <p:spTree>
       <p:nvGrpSpPr>
@@ -7124,7 +7131,9 @@
       <p:sp>
         <p:nvSpPr>
           <p:cNvPr id="43" name="제목 1"/>
-          <p:cNvSpPr txBox="1"/>
+          <p:cNvSpPr txBox="1">
+            <a:spLocks noGrp="1"/>
+          </p:cNvSpPr>
           <p:nvPr>
             <p:ph type="title"/>
           </p:nvPr>
@@ -7142,7 +7151,6 @@
           <a:bodyPr/>
           <a:lstStyle/>
           <a:p>
-            <a:pPr/>
             <a:r>
               <a:t>Example) Nested Class (1/3) </a:t>
             </a:r>
@@ -7152,7 +7160,9 @@
       <p:sp>
         <p:nvSpPr>
           <p:cNvPr id="44" name="슬라이드 번호 개체 틀 3"/>
-          <p:cNvSpPr txBox="1"/>
+          <p:cNvSpPr txBox="1">
+            <a:spLocks noGrp="1"/>
+          </p:cNvSpPr>
           <p:nvPr>
             <p:ph type="sldNum" sz="quarter" idx="2"/>
           </p:nvPr>
@@ -7167,7 +7177,7 @@
           </a:prstGeom>
           <a:extLst>
             <a:ext uri="{C572A759-6A51-4108-AA02-DFA0A04FC94B}">
-              <ma14:wrappingTextBoxFlag xmlns:ma14="http://schemas.microsoft.com/office/mac/drawingml/2011/main" val="1"/>
+              <ma14:wrappingTextBoxFlag xmlns:ma14="http://schemas.microsoft.com/office/mac/drawingml/2011/main" xmlns:a14="http://schemas.microsoft.com/office/drawing/2010/main" xmlns:m="http://schemas.openxmlformats.org/officeDocument/2006/math" xmlns="" val="1"/>
             </a:ext>
           </a:extLst>
         </p:spPr>
@@ -7175,8 +7185,11 @@
           <a:bodyPr/>
           <a:lstStyle/>
           <a:p>
-            <a:pPr/>
-            <a:fld id="{86CB4B4D-7CA3-9044-876B-883B54F8677D}" type="slidenum"/>
+            <a:fld id="{86CB4B4D-7CA3-9044-876B-883B54F8677D}" type="slidenum">
+              <a:rPr/>
+              <a:t>3</a:t>
+            </a:fld>
+            <a:endParaRPr/>
           </a:p>
         </p:txBody>
       </p:sp>
@@ -7201,7 +7214,7 @@
           </a:ln>
           <a:extLst>
             <a:ext uri="{C572A759-6A51-4108-AA02-DFA0A04FC94B}">
-              <ma14:wrappingTextBoxFlag xmlns:ma14="http://schemas.microsoft.com/office/mac/drawingml/2011/main" val="1"/>
+              <ma14:wrappingTextBoxFlag xmlns:ma14="http://schemas.microsoft.com/office/mac/drawingml/2011/main" xmlns:a14="http://schemas.microsoft.com/office/drawing/2010/main" xmlns:m="http://schemas.openxmlformats.org/officeDocument/2006/math" xmlns="" val="1"/>
             </a:ext>
           </a:extLst>
         </p:spPr>
@@ -7267,6 +7280,7 @@
                 <a:sym typeface="Menlo Regular"/>
               </a:defRPr>
             </a:pPr>
+            <a:endParaRPr/>
           </a:p>
           <a:p>
             <a:pPr defTabSz="502284">
@@ -7463,6 +7477,7 @@
                 <a:sym typeface="Menlo Regular"/>
               </a:defRPr>
             </a:pPr>
+            <a:endParaRPr/>
           </a:p>
           <a:p>
             <a:pPr defTabSz="502284">
@@ -7631,14 +7646,14 @@
   <p:clrMapOvr>
     <a:masterClrMapping/>
   </p:clrMapOvr>
-  <p:transition xmlns:p14="http://schemas.microsoft.com/office/powerpoint/2010/main" spd="med" advClick="1"/>
+  <p:transition spd="med"/>
   <p:timing>
     <p:tnLst>
       <p:par>
-        <p:cTn id="1" nodeType="tmRoot" restart="never" dur="indefinite" fill="hold">
+        <p:cTn id="1" dur="indefinite" restart="never" fill="hold" nodeType="tmRoot">
           <p:childTnLst>
             <p:seq concurrent="1" prevAc="none" nextAc="seek">
-              <p:cTn id="2" nodeType="mainSeq" dur="indefinite" fill="hold">
+              <p:cTn id="2" dur="indefinite" fill="hold" nodeType="mainSeq">
                 <p:childTnLst>
                   <p:par>
                     <p:cTn id="3" fill="hold">
@@ -7653,11 +7668,11 @@
                             </p:stCondLst>
                             <p:childTnLst>
                               <p:par>
-                                <p:cTn id="5" presetClass="entr" nodeType="clickEffect" presetSubtype="0" presetID="1" grpId="1" fill="hold">
+                                <p:cTn id="5" presetID="1" presetClass="entr" presetSubtype="0" fill="hold" grpId="1" nodeType="clickEffect">
                                   <p:stCondLst>
                                     <p:cond delay="0"/>
                                   </p:stCondLst>
-                                  <p:iterate type="el" backwards="0">
+                                  <p:iterate>
                                     <p:tmAbs val="0"/>
                                   </p:iterate>
                                   <p:childTnLst>
@@ -7681,11 +7696,11 @@
                                 </p:cTn>
                               </p:par>
                               <p:par>
-                                <p:cTn id="7" presetClass="entr" nodeType="withEffect" presetSubtype="0" presetID="1" grpId="1" fill="hold">
+                                <p:cTn id="7" presetID="1" presetClass="entr" presetSubtype="0" fill="hold" grpId="1" nodeType="withEffect">
                                   <p:stCondLst>
                                     <p:cond delay="0"/>
                                   </p:stCondLst>
-                                  <p:iterate type="el" backwards="0">
+                                  <p:iterate>
                                     <p:tmAbs val="0"/>
                                   </p:iterate>
                                   <p:childTnLst>
@@ -7720,11 +7735,11 @@
                             </p:stCondLst>
                             <p:childTnLst>
                               <p:par>
-                                <p:cTn id="10" presetClass="entr" nodeType="afterEffect" presetSubtype="0" presetID="1" grpId="1" fill="hold">
+                                <p:cTn id="10" presetID="1" presetClass="entr" presetSubtype="0" fill="hold" grpId="1" nodeType="afterEffect">
                                   <p:stCondLst>
                                     <p:cond delay="0"/>
                                   </p:stCondLst>
-                                  <p:iterate type="el" backwards="0">
+                                  <p:iterate>
                                     <p:tmAbs val="0"/>
                                   </p:iterate>
                                   <p:childTnLst>
@@ -7759,11 +7774,11 @@
                             </p:stCondLst>
                             <p:childTnLst>
                               <p:par>
-                                <p:cTn id="13" presetClass="entr" nodeType="afterEffect" presetSubtype="0" presetID="1" grpId="1" fill="hold">
+                                <p:cTn id="13" presetID="1" presetClass="entr" presetSubtype="0" fill="hold" grpId="1" nodeType="afterEffect">
                                   <p:stCondLst>
                                     <p:cond delay="0"/>
                                   </p:stCondLst>
-                                  <p:iterate type="el" backwards="0">
+                                  <p:iterate>
                                     <p:tmAbs val="0"/>
                                   </p:iterate>
                                   <p:childTnLst>
@@ -7798,11 +7813,11 @@
                             </p:stCondLst>
                             <p:childTnLst>
                               <p:par>
-                                <p:cTn id="16" presetClass="entr" nodeType="afterEffect" presetSubtype="0" presetID="1" grpId="1" fill="hold">
+                                <p:cTn id="16" presetID="1" presetClass="entr" presetSubtype="0" fill="hold" grpId="1" nodeType="afterEffect">
                                   <p:stCondLst>
                                     <p:cond delay="0"/>
                                   </p:stCondLst>
-                                  <p:iterate type="el" backwards="0">
+                                  <p:iterate>
                                     <p:tmAbs val="0"/>
                                   </p:iterate>
                                   <p:childTnLst>
@@ -7837,11 +7852,11 @@
                             </p:stCondLst>
                             <p:childTnLst>
                               <p:par>
-                                <p:cTn id="19" presetClass="entr" nodeType="afterEffect" presetSubtype="0" presetID="1" grpId="1" fill="hold">
+                                <p:cTn id="19" presetID="1" presetClass="entr" presetSubtype="0" fill="hold" grpId="1" nodeType="afterEffect">
                                   <p:stCondLst>
                                     <p:cond delay="0"/>
                                   </p:stCondLst>
-                                  <p:iterate type="el" backwards="0">
+                                  <p:iterate>
                                     <p:tmAbs val="0"/>
                                   </p:iterate>
                                   <p:childTnLst>
@@ -7876,11 +7891,11 @@
                             </p:stCondLst>
                             <p:childTnLst>
                               <p:par>
-                                <p:cTn id="22" presetClass="entr" nodeType="afterEffect" presetSubtype="0" presetID="1" grpId="1" fill="hold">
+                                <p:cTn id="22" presetID="1" presetClass="entr" presetSubtype="0" fill="hold" grpId="1" nodeType="afterEffect">
                                   <p:stCondLst>
                                     <p:cond delay="0"/>
                                   </p:stCondLst>
-                                  <p:iterate type="el" backwards="0">
+                                  <p:iterate>
                                     <p:tmAbs val="0"/>
                                   </p:iterate>
                                   <p:childTnLst>
@@ -7915,11 +7930,11 @@
                             </p:stCondLst>
                             <p:childTnLst>
                               <p:par>
-                                <p:cTn id="25" presetClass="entr" nodeType="afterEffect" presetSubtype="0" presetID="1" grpId="1" fill="hold">
+                                <p:cTn id="25" presetID="1" presetClass="entr" presetSubtype="0" fill="hold" grpId="1" nodeType="afterEffect">
                                   <p:stCondLst>
                                     <p:cond delay="0"/>
                                   </p:stCondLst>
-                                  <p:iterate type="el" backwards="0">
+                                  <p:iterate>
                                     <p:tmAbs val="0"/>
                                   </p:iterate>
                                   <p:childTnLst>
@@ -7954,11 +7969,11 @@
                             </p:stCondLst>
                             <p:childTnLst>
                               <p:par>
-                                <p:cTn id="28" presetClass="entr" nodeType="afterEffect" presetSubtype="0" presetID="1" grpId="1" fill="hold">
+                                <p:cTn id="28" presetID="1" presetClass="entr" presetSubtype="0" fill="hold" grpId="1" nodeType="afterEffect">
                                   <p:stCondLst>
                                     <p:cond delay="0"/>
                                   </p:stCondLst>
-                                  <p:iterate type="el" backwards="0">
+                                  <p:iterate>
                                     <p:tmAbs val="0"/>
                                   </p:iterate>
                                   <p:childTnLst>
@@ -8002,11 +8017,11 @@
                             </p:stCondLst>
                             <p:childTnLst>
                               <p:par>
-                                <p:cTn id="32" presetClass="entr" nodeType="clickEffect" presetSubtype="0" presetID="1" grpId="1" fill="hold">
+                                <p:cTn id="32" presetID="1" presetClass="entr" presetSubtype="0" fill="hold" grpId="1" nodeType="clickEffect">
                                   <p:stCondLst>
                                     <p:cond delay="0"/>
                                   </p:stCondLst>
-                                  <p:iterate type="el" backwards="0">
+                                  <p:iterate>
                                     <p:tmAbs val="0"/>
                                   </p:iterate>
                                   <p:childTnLst>
@@ -8041,11 +8056,11 @@
                             </p:stCondLst>
                             <p:childTnLst>
                               <p:par>
-                                <p:cTn id="35" presetClass="entr" nodeType="afterEffect" presetSubtype="0" presetID="1" grpId="1" fill="hold">
+                                <p:cTn id="35" presetID="1" presetClass="entr" presetSubtype="0" fill="hold" grpId="1" nodeType="afterEffect">
                                   <p:stCondLst>
                                     <p:cond delay="0"/>
                                   </p:stCondLst>
-                                  <p:iterate type="el" backwards="0">
+                                  <p:iterate>
                                     <p:tmAbs val="0"/>
                                   </p:iterate>
                                   <p:childTnLst>
@@ -8080,11 +8095,11 @@
                             </p:stCondLst>
                             <p:childTnLst>
                               <p:par>
-                                <p:cTn id="38" presetClass="entr" nodeType="afterEffect" presetSubtype="0" presetID="1" grpId="1" fill="hold">
+                                <p:cTn id="38" presetID="1" presetClass="entr" presetSubtype="0" fill="hold" grpId="1" nodeType="afterEffect">
                                   <p:stCondLst>
                                     <p:cond delay="0"/>
                                   </p:stCondLst>
-                                  <p:iterate type="el" backwards="0">
+                                  <p:iterate>
                                     <p:tmAbs val="0"/>
                                   </p:iterate>
                                   <p:childTnLst>
@@ -8119,11 +8134,11 @@
                             </p:stCondLst>
                             <p:childTnLst>
                               <p:par>
-                                <p:cTn id="41" presetClass="entr" nodeType="afterEffect" presetSubtype="0" presetID="1" grpId="1" fill="hold">
+                                <p:cTn id="41" presetID="1" presetClass="entr" presetSubtype="0" fill="hold" grpId="1" nodeType="afterEffect">
                                   <p:stCondLst>
                                     <p:cond delay="0"/>
                                   </p:stCondLst>
-                                  <p:iterate type="el" backwards="0">
+                                  <p:iterate>
                                     <p:tmAbs val="0"/>
                                   </p:iterate>
                                   <p:childTnLst>
@@ -8158,11 +8173,11 @@
                             </p:stCondLst>
                             <p:childTnLst>
                               <p:par>
-                                <p:cTn id="44" presetClass="entr" nodeType="afterEffect" presetSubtype="0" presetID="1" grpId="1" fill="hold">
+                                <p:cTn id="44" presetID="1" presetClass="entr" presetSubtype="0" fill="hold" grpId="1" nodeType="afterEffect">
                                   <p:stCondLst>
                                     <p:cond delay="0"/>
                                   </p:stCondLst>
-                                  <p:iterate type="el" backwards="0">
+                                  <p:iterate>
                                     <p:tmAbs val="0"/>
                                   </p:iterate>
                                   <p:childTnLst>
@@ -8196,14 +8211,14 @@
                 </p:childTnLst>
               </p:cTn>
               <p:prevCondLst>
-                <p:cond evt="onPrev">
+                <p:cond evt="onPrev" delay="0">
                   <p:tgtEl>
                     <p:sldTgt/>
                   </p:tgtEl>
                 </p:cond>
               </p:prevCondLst>
               <p:nextCondLst>
-                <p:cond evt="onNext">
+                <p:cond evt="onNext" delay="0">
                   <p:tgtEl>
                     <p:sldTgt/>
                   </p:tgtEl>
@@ -8215,14 +8230,14 @@
       </p:par>
     </p:tnLst>
     <p:bldLst>
-      <p:bldP build="p" bldLvl="5" animBg="1" rev="0" advAuto="0" spid="45" grpId="1"/>
+      <p:bldP spid="45" grpId="1" build="p" bldLvl="5" animBg="1" advAuto="0"/>
     </p:bldLst>
   </p:timing>
 </p:sld>
 </file>
 
 <file path=ppt/slides/slide4.xml><?xml version="1.0" encoding="utf-8"?>
-<p:sld xmlns:a="http://schemas.openxmlformats.org/drawingml/2006/main" xmlns:r="http://schemas.openxmlformats.org/officeDocument/2006/relationships" xmlns:p="http://schemas.openxmlformats.org/presentationml/2006/main" xmlns:m="http://schemas.openxmlformats.org/officeDocument/2006/math" xmlns:a14="http://schemas.microsoft.com/office/drawing/2010/main" showMasterSp="1" showMasterPhAnim="1">
+<p:sld xmlns:a="http://schemas.openxmlformats.org/drawingml/2006/main" xmlns:r="http://schemas.openxmlformats.org/officeDocument/2006/relationships" xmlns:p="http://schemas.openxmlformats.org/presentationml/2006/main">
   <p:cSld>
     <p:spTree>
       <p:nvGrpSpPr>
@@ -8241,7 +8256,9 @@
       <p:sp>
         <p:nvSpPr>
           <p:cNvPr id="49" name="제목 1"/>
-          <p:cNvSpPr txBox="1"/>
+          <p:cNvSpPr txBox="1">
+            <a:spLocks noGrp="1"/>
+          </p:cNvSpPr>
           <p:nvPr>
             <p:ph type="title"/>
           </p:nvPr>
@@ -8259,7 +8276,6 @@
           <a:bodyPr/>
           <a:lstStyle/>
           <a:p>
-            <a:pPr/>
             <a:r>
               <a:t>Example) Nested Class (2/3) </a:t>
             </a:r>
@@ -8269,7 +8285,9 @@
       <p:sp>
         <p:nvSpPr>
           <p:cNvPr id="50" name="슬라이드 번호 개체 틀 3"/>
-          <p:cNvSpPr txBox="1"/>
+          <p:cNvSpPr txBox="1">
+            <a:spLocks noGrp="1"/>
+          </p:cNvSpPr>
           <p:nvPr>
             <p:ph type="sldNum" sz="quarter" idx="2"/>
           </p:nvPr>
@@ -8284,7 +8302,7 @@
           </a:prstGeom>
           <a:extLst>
             <a:ext uri="{C572A759-6A51-4108-AA02-DFA0A04FC94B}">
-              <ma14:wrappingTextBoxFlag xmlns:ma14="http://schemas.microsoft.com/office/mac/drawingml/2011/main" val="1"/>
+              <ma14:wrappingTextBoxFlag xmlns:ma14="http://schemas.microsoft.com/office/mac/drawingml/2011/main" xmlns:a14="http://schemas.microsoft.com/office/drawing/2010/main" xmlns:m="http://schemas.openxmlformats.org/officeDocument/2006/math" xmlns="" val="1"/>
             </a:ext>
           </a:extLst>
         </p:spPr>
@@ -8292,8 +8310,11 @@
           <a:bodyPr/>
           <a:lstStyle/>
           <a:p>
-            <a:pPr/>
-            <a:fld id="{86CB4B4D-7CA3-9044-876B-883B54F8677D}" type="slidenum"/>
+            <a:fld id="{86CB4B4D-7CA3-9044-876B-883B54F8677D}" type="slidenum">
+              <a:rPr/>
+              <a:t>4</a:t>
+            </a:fld>
+            <a:endParaRPr/>
           </a:p>
         </p:txBody>
       </p:sp>
@@ -8318,7 +8339,7 @@
           </a:ln>
           <a:extLst>
             <a:ext uri="{C572A759-6A51-4108-AA02-DFA0A04FC94B}">
-              <ma14:wrappingTextBoxFlag xmlns:ma14="http://schemas.microsoft.com/office/mac/drawingml/2011/main" val="1"/>
+              <ma14:wrappingTextBoxFlag xmlns:ma14="http://schemas.microsoft.com/office/mac/drawingml/2011/main" xmlns:a14="http://schemas.microsoft.com/office/drawing/2010/main" xmlns:m="http://schemas.openxmlformats.org/officeDocument/2006/math" xmlns="" val="1"/>
             </a:ext>
           </a:extLst>
         </p:spPr>
@@ -8384,6 +8405,7 @@
                 <a:sym typeface="Menlo Regular"/>
               </a:defRPr>
             </a:pPr>
+            <a:endParaRPr/>
           </a:p>
           <a:p>
             <a:pPr defTabSz="502284">
@@ -8423,6 +8445,7 @@
                 <a:sym typeface="Menlo Regular"/>
               </a:defRPr>
             </a:pPr>
+            <a:endParaRPr/>
           </a:p>
           <a:p>
             <a:pPr defTabSz="502284">
@@ -8740,14 +8763,14 @@
   <p:clrMapOvr>
     <a:masterClrMapping/>
   </p:clrMapOvr>
-  <p:transition xmlns:p14="http://schemas.microsoft.com/office/powerpoint/2010/main" spd="med" advClick="1"/>
+  <p:transition spd="med"/>
   <p:timing>
     <p:tnLst>
       <p:par>
-        <p:cTn id="1" nodeType="tmRoot" restart="never" dur="indefinite" fill="hold">
+        <p:cTn id="1" dur="indefinite" restart="never" fill="hold" nodeType="tmRoot">
           <p:childTnLst>
             <p:seq concurrent="1" prevAc="none" nextAc="seek">
-              <p:cTn id="2" nodeType="mainSeq" dur="indefinite" fill="hold">
+              <p:cTn id="2" dur="indefinite" fill="hold" nodeType="mainSeq">
                 <p:childTnLst>
                   <p:par>
                     <p:cTn id="3" fill="hold">
@@ -8762,11 +8785,11 @@
                             </p:stCondLst>
                             <p:childTnLst>
                               <p:par>
-                                <p:cTn id="5" presetClass="entr" nodeType="clickEffect" presetSubtype="0" presetID="1" grpId="1" fill="hold">
+                                <p:cTn id="5" presetID="1" presetClass="entr" presetSubtype="0" fill="hold" grpId="1" nodeType="clickEffect">
                                   <p:stCondLst>
                                     <p:cond delay="0"/>
                                   </p:stCondLst>
-                                  <p:iterate type="el" backwards="0">
+                                  <p:iterate>
                                     <p:tmAbs val="0"/>
                                   </p:iterate>
                                   <p:childTnLst>
@@ -8790,11 +8813,11 @@
                                 </p:cTn>
                               </p:par>
                               <p:par>
-                                <p:cTn id="7" presetClass="entr" nodeType="withEffect" presetSubtype="0" presetID="1" grpId="1" fill="hold">
+                                <p:cTn id="7" presetID="1" presetClass="entr" presetSubtype="0" fill="hold" grpId="1" nodeType="withEffect">
                                   <p:stCondLst>
                                     <p:cond delay="0"/>
                                   </p:stCondLst>
-                                  <p:iterate type="el" backwards="0">
+                                  <p:iterate>
                                     <p:tmAbs val="0"/>
                                   </p:iterate>
                                   <p:childTnLst>
@@ -8829,11 +8852,11 @@
                             </p:stCondLst>
                             <p:childTnLst>
                               <p:par>
-                                <p:cTn id="10" presetClass="entr" nodeType="afterEffect" presetSubtype="0" presetID="1" grpId="1" fill="hold">
+                                <p:cTn id="10" presetID="1" presetClass="entr" presetSubtype="0" fill="hold" grpId="1" nodeType="afterEffect">
                                   <p:stCondLst>
                                     <p:cond delay="0"/>
                                   </p:stCondLst>
-                                  <p:iterate type="el" backwards="0">
+                                  <p:iterate>
                                     <p:tmAbs val="0"/>
                                   </p:iterate>
                                   <p:childTnLst>
@@ -8868,11 +8891,11 @@
                             </p:stCondLst>
                             <p:childTnLst>
                               <p:par>
-                                <p:cTn id="13" presetClass="entr" nodeType="afterEffect" presetSubtype="0" presetID="1" grpId="1" fill="hold">
+                                <p:cTn id="13" presetID="1" presetClass="entr" presetSubtype="0" fill="hold" grpId="1" nodeType="afterEffect">
                                   <p:stCondLst>
                                     <p:cond delay="0"/>
                                   </p:stCondLst>
-                                  <p:iterate type="el" backwards="0">
+                                  <p:iterate>
                                     <p:tmAbs val="0"/>
                                   </p:iterate>
                                   <p:childTnLst>
@@ -8907,11 +8930,11 @@
                             </p:stCondLst>
                             <p:childTnLst>
                               <p:par>
-                                <p:cTn id="16" presetClass="entr" nodeType="afterEffect" presetSubtype="0" presetID="1" grpId="1" fill="hold">
+                                <p:cTn id="16" presetID="1" presetClass="entr" presetSubtype="0" fill="hold" grpId="1" nodeType="afterEffect">
                                   <p:stCondLst>
                                     <p:cond delay="0"/>
                                   </p:stCondLst>
-                                  <p:iterate type="el" backwards="0">
+                                  <p:iterate>
                                     <p:tmAbs val="0"/>
                                   </p:iterate>
                                   <p:childTnLst>
@@ -8946,11 +8969,11 @@
                             </p:stCondLst>
                             <p:childTnLst>
                               <p:par>
-                                <p:cTn id="19" presetClass="entr" nodeType="afterEffect" presetSubtype="0" presetID="1" grpId="1" fill="hold">
+                                <p:cTn id="19" presetID="1" presetClass="entr" presetSubtype="0" fill="hold" grpId="1" nodeType="afterEffect">
                                   <p:stCondLst>
                                     <p:cond delay="0"/>
                                   </p:stCondLst>
-                                  <p:iterate type="el" backwards="0">
+                                  <p:iterate>
                                     <p:tmAbs val="0"/>
                                   </p:iterate>
                                   <p:childTnLst>
@@ -8985,11 +9008,11 @@
                             </p:stCondLst>
                             <p:childTnLst>
                               <p:par>
-                                <p:cTn id="22" presetClass="entr" nodeType="afterEffect" presetSubtype="0" presetID="1" grpId="1" fill="hold">
+                                <p:cTn id="22" presetID="1" presetClass="entr" presetSubtype="0" fill="hold" grpId="1" nodeType="afterEffect">
                                   <p:stCondLst>
                                     <p:cond delay="0"/>
                                   </p:stCondLst>
-                                  <p:iterate type="el" backwards="0">
+                                  <p:iterate>
                                     <p:tmAbs val="0"/>
                                   </p:iterate>
                                   <p:childTnLst>
@@ -9024,11 +9047,11 @@
                             </p:stCondLst>
                             <p:childTnLst>
                               <p:par>
-                                <p:cTn id="25" presetClass="entr" nodeType="afterEffect" presetSubtype="0" presetID="1" grpId="1" fill="hold">
+                                <p:cTn id="25" presetID="1" presetClass="entr" presetSubtype="0" fill="hold" grpId="1" nodeType="afterEffect">
                                   <p:stCondLst>
                                     <p:cond delay="0"/>
                                   </p:stCondLst>
-                                  <p:iterate type="el" backwards="0">
+                                  <p:iterate>
                                     <p:tmAbs val="0"/>
                                   </p:iterate>
                                   <p:childTnLst>
@@ -9063,11 +9086,11 @@
                             </p:stCondLst>
                             <p:childTnLst>
                               <p:par>
-                                <p:cTn id="28" presetClass="entr" nodeType="afterEffect" presetSubtype="0" presetID="1" grpId="1" fill="hold">
+                                <p:cTn id="28" presetID="1" presetClass="entr" presetSubtype="0" fill="hold" grpId="1" nodeType="afterEffect">
                                   <p:stCondLst>
                                     <p:cond delay="0"/>
                                   </p:stCondLst>
-                                  <p:iterate type="el" backwards="0">
+                                  <p:iterate>
                                     <p:tmAbs val="0"/>
                                   </p:iterate>
                                   <p:childTnLst>
@@ -9102,11 +9125,11 @@
                             </p:stCondLst>
                             <p:childTnLst>
                               <p:par>
-                                <p:cTn id="31" presetClass="entr" nodeType="afterEffect" presetSubtype="0" presetID="1" grpId="1" fill="hold">
+                                <p:cTn id="31" presetID="1" presetClass="entr" presetSubtype="0" fill="hold" grpId="1" nodeType="afterEffect">
                                   <p:stCondLst>
                                     <p:cond delay="0"/>
                                   </p:stCondLst>
-                                  <p:iterate type="el" backwards="0">
+                                  <p:iterate>
                                     <p:tmAbs val="0"/>
                                   </p:iterate>
                                   <p:childTnLst>
@@ -9141,11 +9164,11 @@
                             </p:stCondLst>
                             <p:childTnLst>
                               <p:par>
-                                <p:cTn id="34" presetClass="entr" nodeType="afterEffect" presetSubtype="0" presetID="1" grpId="1" fill="hold">
+                                <p:cTn id="34" presetID="1" presetClass="entr" presetSubtype="0" fill="hold" grpId="1" nodeType="afterEffect">
                                   <p:stCondLst>
                                     <p:cond delay="0"/>
                                   </p:stCondLst>
-                                  <p:iterate type="el" backwards="0">
+                                  <p:iterate>
                                     <p:tmAbs val="0"/>
                                   </p:iterate>
                                   <p:childTnLst>
@@ -9189,11 +9212,11 @@
                             </p:stCondLst>
                             <p:childTnLst>
                               <p:par>
-                                <p:cTn id="38" presetClass="entr" nodeType="clickEffect" presetSubtype="0" presetID="1" grpId="1" fill="hold">
+                                <p:cTn id="38" presetID="1" presetClass="entr" presetSubtype="0" fill="hold" grpId="1" nodeType="clickEffect">
                                   <p:stCondLst>
                                     <p:cond delay="0"/>
                                   </p:stCondLst>
-                                  <p:iterate type="el" backwards="0">
+                                  <p:iterate>
                                     <p:tmAbs val="0"/>
                                   </p:iterate>
                                   <p:childTnLst>
@@ -9228,11 +9251,11 @@
                             </p:stCondLst>
                             <p:childTnLst>
                               <p:par>
-                                <p:cTn id="41" presetClass="entr" nodeType="afterEffect" presetSubtype="0" presetID="1" grpId="1" fill="hold">
+                                <p:cTn id="41" presetID="1" presetClass="entr" presetSubtype="0" fill="hold" grpId="1" nodeType="afterEffect">
                                   <p:stCondLst>
                                     <p:cond delay="0"/>
                                   </p:stCondLst>
-                                  <p:iterate type="el" backwards="0">
+                                  <p:iterate>
                                     <p:tmAbs val="0"/>
                                   </p:iterate>
                                   <p:childTnLst>
@@ -9267,11 +9290,11 @@
                             </p:stCondLst>
                             <p:childTnLst>
                               <p:par>
-                                <p:cTn id="44" presetClass="entr" nodeType="afterEffect" presetSubtype="0" presetID="1" grpId="1" fill="hold">
+                                <p:cTn id="44" presetID="1" presetClass="entr" presetSubtype="0" fill="hold" grpId="1" nodeType="afterEffect">
                                   <p:stCondLst>
                                     <p:cond delay="0"/>
                                   </p:stCondLst>
-                                  <p:iterate type="el" backwards="0">
+                                  <p:iterate>
                                     <p:tmAbs val="0"/>
                                   </p:iterate>
                                   <p:childTnLst>
@@ -9306,11 +9329,11 @@
                             </p:stCondLst>
                             <p:childTnLst>
                               <p:par>
-                                <p:cTn id="47" presetClass="entr" nodeType="afterEffect" presetSubtype="0" presetID="1" grpId="1" fill="hold">
+                                <p:cTn id="47" presetID="1" presetClass="entr" presetSubtype="0" fill="hold" grpId="1" nodeType="afterEffect">
                                   <p:stCondLst>
                                     <p:cond delay="0"/>
                                   </p:stCondLst>
-                                  <p:iterate type="el" backwards="0">
+                                  <p:iterate>
                                     <p:tmAbs val="0"/>
                                   </p:iterate>
                                   <p:childTnLst>
@@ -9344,14 +9367,14 @@
                 </p:childTnLst>
               </p:cTn>
               <p:prevCondLst>
-                <p:cond evt="onPrev">
+                <p:cond evt="onPrev" delay="0">
                   <p:tgtEl>
                     <p:sldTgt/>
                   </p:tgtEl>
                 </p:cond>
               </p:prevCondLst>
               <p:nextCondLst>
-                <p:cond evt="onNext">
+                <p:cond evt="onNext" delay="0">
                   <p:tgtEl>
                     <p:sldTgt/>
                   </p:tgtEl>
@@ -9363,14 +9386,14 @@
       </p:par>
     </p:tnLst>
     <p:bldLst>
-      <p:bldP build="p" bldLvl="5" animBg="1" rev="0" advAuto="0" spid="51" grpId="1"/>
+      <p:bldP spid="51" grpId="1" build="p" bldLvl="5" animBg="1" advAuto="0"/>
     </p:bldLst>
   </p:timing>
 </p:sld>
 </file>
 
 <file path=ppt/slides/slide5.xml><?xml version="1.0" encoding="utf-8"?>
-<p:sld xmlns:a="http://schemas.openxmlformats.org/drawingml/2006/main" xmlns:r="http://schemas.openxmlformats.org/officeDocument/2006/relationships" xmlns:p="http://schemas.openxmlformats.org/presentationml/2006/main" xmlns:m="http://schemas.openxmlformats.org/officeDocument/2006/math" xmlns:a14="http://schemas.microsoft.com/office/drawing/2010/main" showMasterSp="1" showMasterPhAnim="1">
+<p:sld xmlns:a="http://schemas.openxmlformats.org/drawingml/2006/main" xmlns:r="http://schemas.openxmlformats.org/officeDocument/2006/relationships" xmlns:p="http://schemas.openxmlformats.org/presentationml/2006/main">
   <p:cSld>
     <p:spTree>
       <p:nvGrpSpPr>
@@ -9389,7 +9412,9 @@
       <p:sp>
         <p:nvSpPr>
           <p:cNvPr id="55" name="제목 1"/>
-          <p:cNvSpPr txBox="1"/>
+          <p:cNvSpPr txBox="1">
+            <a:spLocks noGrp="1"/>
+          </p:cNvSpPr>
           <p:nvPr>
             <p:ph type="title"/>
           </p:nvPr>
@@ -9407,7 +9432,6 @@
           <a:bodyPr/>
           <a:lstStyle/>
           <a:p>
-            <a:pPr/>
             <a:r>
               <a:t>Example) Nested Class (3/3) </a:t>
             </a:r>
@@ -9417,7 +9441,9 @@
       <p:sp>
         <p:nvSpPr>
           <p:cNvPr id="56" name="슬라이드 번호 개체 틀 3"/>
-          <p:cNvSpPr txBox="1"/>
+          <p:cNvSpPr txBox="1">
+            <a:spLocks noGrp="1"/>
+          </p:cNvSpPr>
           <p:nvPr>
             <p:ph type="sldNum" sz="quarter" idx="2"/>
           </p:nvPr>
@@ -9432,7 +9458,7 @@
           </a:prstGeom>
           <a:extLst>
             <a:ext uri="{C572A759-6A51-4108-AA02-DFA0A04FC94B}">
-              <ma14:wrappingTextBoxFlag xmlns:ma14="http://schemas.microsoft.com/office/mac/drawingml/2011/main" val="1"/>
+              <ma14:wrappingTextBoxFlag xmlns:ma14="http://schemas.microsoft.com/office/mac/drawingml/2011/main" xmlns:a14="http://schemas.microsoft.com/office/drawing/2010/main" xmlns:m="http://schemas.openxmlformats.org/officeDocument/2006/math" xmlns="" val="1"/>
             </a:ext>
           </a:extLst>
         </p:spPr>
@@ -9440,8 +9466,11 @@
           <a:bodyPr/>
           <a:lstStyle/>
           <a:p>
-            <a:pPr/>
-            <a:fld id="{86CB4B4D-7CA3-9044-876B-883B54F8677D}" type="slidenum"/>
+            <a:fld id="{86CB4B4D-7CA3-9044-876B-883B54F8677D}" type="slidenum">
+              <a:rPr/>
+              <a:t>5</a:t>
+            </a:fld>
+            <a:endParaRPr/>
           </a:p>
         </p:txBody>
       </p:sp>
@@ -9466,7 +9495,7 @@
           </a:ln>
           <a:extLst>
             <a:ext uri="{C572A759-6A51-4108-AA02-DFA0A04FC94B}">
-              <ma14:wrappingTextBoxFlag xmlns:ma14="http://schemas.microsoft.com/office/mac/drawingml/2011/main" val="1"/>
+              <ma14:wrappingTextBoxFlag xmlns:ma14="http://schemas.microsoft.com/office/mac/drawingml/2011/main" xmlns:a14="http://schemas.microsoft.com/office/drawing/2010/main" xmlns:m="http://schemas.openxmlformats.org/officeDocument/2006/math" xmlns="" val="1"/>
             </a:ext>
           </a:extLst>
         </p:spPr>
@@ -9493,7 +9522,7 @@
               </a:defRPr>
             </a:pPr>
             <a:r>
-              <a:rPr b="1">
+              <a:rPr b="1" dirty="0">
                 <a:solidFill>
                   <a:srgbClr val="AD3DA4"/>
                 </a:solidFill>
@@ -9501,10 +9530,11 @@
               <a:t>public</a:t>
             </a:r>
             <a:r>
+              <a:rPr dirty="0"/>
               <a:t> </a:t>
             </a:r>
             <a:r>
-              <a:rPr b="1">
+              <a:rPr b="1" dirty="0">
                 <a:solidFill>
                   <a:srgbClr val="AD3DA4"/>
                 </a:solidFill>
@@ -9512,7 +9542,16 @@
               <a:t>class</a:t>
             </a:r>
             <a:r>
-              <a:t> OuterClassDemo {</a:t>
+              <a:rPr dirty="0"/>
+              <a:t> </a:t>
+            </a:r>
+            <a:r>
+              <a:rPr dirty="0" err="1"/>
+              <a:t>OuterClassDemo</a:t>
+            </a:r>
+            <a:r>
+              <a:rPr dirty="0"/>
+              <a:t> {</a:t>
             </a:r>
           </a:p>
           <a:p>
@@ -9533,10 +9572,11 @@
               </a:defRPr>
             </a:pPr>
             <a:r>
+              <a:rPr dirty="0"/>
               <a:t>    </a:t>
             </a:r>
             <a:r>
-              <a:rPr b="1">
+              <a:rPr b="1" dirty="0">
                 <a:solidFill>
                   <a:srgbClr val="AD3DA4"/>
                 </a:solidFill>
@@ -9544,10 +9584,11 @@
               <a:t>public</a:t>
             </a:r>
             <a:r>
+              <a:rPr dirty="0"/>
               <a:t> </a:t>
             </a:r>
             <a:r>
-              <a:rPr b="1">
+              <a:rPr b="1" dirty="0">
                 <a:solidFill>
                   <a:srgbClr val="AD3DA4"/>
                 </a:solidFill>
@@ -9555,10 +9596,11 @@
               <a:t>static</a:t>
             </a:r>
             <a:r>
+              <a:rPr dirty="0"/>
               <a:t> </a:t>
             </a:r>
             <a:r>
-              <a:rPr b="1">
+              <a:rPr b="1" dirty="0">
                 <a:solidFill>
                   <a:srgbClr val="AD3DA4"/>
                 </a:solidFill>
@@ -9566,7 +9608,16 @@
               <a:t>void</a:t>
             </a:r>
             <a:r>
-              <a:t> main(String[] args) {</a:t>
+              <a:rPr dirty="0"/>
+              <a:t> main(String[] </a:t>
+            </a:r>
+            <a:r>
+              <a:rPr dirty="0" err="1"/>
+              <a:t>args</a:t>
+            </a:r>
+            <a:r>
+              <a:rPr dirty="0"/>
+              <a:t>) {</a:t>
             </a:r>
           </a:p>
           <a:p>
@@ -9586,6 +9637,7 @@
                 <a:sym typeface="Menlo Regular"/>
               </a:defRPr>
             </a:pPr>
+            <a:endParaRPr dirty="0"/>
           </a:p>
           <a:p>
             <a:pPr defTabSz="502284">
@@ -9603,7 +9655,7 @@
               </a:defRPr>
             </a:pPr>
             <a:r>
-              <a:rPr>
+              <a:rPr dirty="0">
                 <a:solidFill>
                   <a:srgbClr val="000000">
                     <a:alpha val="85000"/>
@@ -9613,9 +9665,14 @@
               <a:t>        </a:t>
             </a:r>
             <a:r>
-              <a:t>// directly create OuterClass.SNClass</a:t>
-            </a:r>
-            <a:endParaRPr>
+              <a:rPr dirty="0"/>
+              <a:t>// directly create </a:t>
+            </a:r>
+            <a:r>
+              <a:rPr dirty="0" err="1"/>
+              <a:t>OuterClass.SNClass</a:t>
+            </a:r>
+            <a:endParaRPr dirty="0">
               <a:solidFill>
                 <a:srgbClr val="000000">
                   <a:alpha val="85000"/>
@@ -9641,10 +9698,27 @@
               </a:defRPr>
             </a:pPr>
             <a:r>
-              <a:t>        OuterClass.SNClass snObject = </a:t>
-            </a:r>
-            <a:r>
-              <a:rPr b="1">
+              <a:rPr dirty="0"/>
+              <a:t>        </a:t>
+            </a:r>
+            <a:r>
+              <a:rPr dirty="0" err="1"/>
+              <a:t>OuterClass.SNClass</a:t>
+            </a:r>
+            <a:r>
+              <a:rPr dirty="0"/>
+              <a:t> </a:t>
+            </a:r>
+            <a:r>
+              <a:rPr dirty="0" err="1"/>
+              <a:t>snObject</a:t>
+            </a:r>
+            <a:r>
+              <a:rPr dirty="0"/>
+              <a:t> = </a:t>
+            </a:r>
+            <a:r>
+              <a:rPr b="1" dirty="0">
                 <a:solidFill>
                   <a:srgbClr val="AD3DA4"/>
                 </a:solidFill>
@@ -9652,7 +9726,16 @@
               <a:t>new</a:t>
             </a:r>
             <a:r>
-              <a:t> OuterClass.SNClass();</a:t>
+              <a:rPr dirty="0"/>
+              <a:t> </a:t>
+            </a:r>
+            <a:r>
+              <a:rPr dirty="0" err="1"/>
+              <a:t>OuterClass.SNClass</a:t>
+            </a:r>
+            <a:r>
+              <a:rPr dirty="0"/>
+              <a:t>();</a:t>
             </a:r>
           </a:p>
           <a:p>
@@ -9671,20 +9754,43 @@
               </a:defRPr>
             </a:pPr>
             <a:r>
-              <a:rPr>
+              <a:rPr dirty="0">
                 <a:solidFill>
                   <a:srgbClr val="000000">
                     <a:alpha val="85000"/>
                   </a:srgbClr>
                 </a:solidFill>
               </a:rPr>
-              <a:t>        snObject.display(); </a:t>
-            </a:r>
-            <a:r>
+              <a:t>        </a:t>
+            </a:r>
+            <a:r>
+              <a:rPr dirty="0" err="1">
+                <a:solidFill>
+                  <a:srgbClr val="000000">
+                    <a:alpha val="85000"/>
+                  </a:srgbClr>
+                </a:solidFill>
+              </a:rPr>
+              <a:t>snObject.display</a:t>
+            </a:r>
+            <a:r>
+              <a:rPr dirty="0">
+                <a:solidFill>
+                  <a:srgbClr val="000000">
+                    <a:alpha val="85000"/>
+                  </a:srgbClr>
+                </a:solidFill>
+              </a:rPr>
+              <a:t>(); </a:t>
+            </a:r>
+            <a:r>
+              <a:rPr dirty="0"/>
               <a:t>// OUTPUT: “Inside static nested class”</a:t>
             </a:r>
-            <a:br/>
-            <a:endParaRPr>
+            <a:br>
+              <a:rPr dirty="0"/>
+            </a:br>
+            <a:endParaRPr dirty="0">
               <a:solidFill>
                 <a:srgbClr val="000000">
                   <a:alpha val="85000"/>
@@ -9710,10 +9816,27 @@
               </a:defRPr>
             </a:pPr>
             <a:r>
-              <a:t>        OuterClass outObject = </a:t>
-            </a:r>
-            <a:r>
-              <a:rPr b="1">
+              <a:rPr dirty="0"/>
+              <a:t>        </a:t>
+            </a:r>
+            <a:r>
+              <a:rPr dirty="0" err="1"/>
+              <a:t>OuterClass</a:t>
+            </a:r>
+            <a:r>
+              <a:rPr dirty="0"/>
+              <a:t> </a:t>
+            </a:r>
+            <a:r>
+              <a:rPr dirty="0" err="1"/>
+              <a:t>outObject</a:t>
+            </a:r>
+            <a:r>
+              <a:rPr dirty="0"/>
+              <a:t> = </a:t>
+            </a:r>
+            <a:r>
+              <a:rPr b="1" dirty="0">
                 <a:solidFill>
                   <a:srgbClr val="AD3DA4"/>
                 </a:solidFill>
@@ -9721,21 +9844,25 @@
               <a:t>new</a:t>
             </a:r>
             <a:r>
-              <a:t> OuterClass(); </a:t>
-            </a:r>
-            <a:r>
-              <a:rPr>
+              <a:rPr dirty="0"/>
+              <a:t> </a:t>
+            </a:r>
+            <a:r>
+              <a:rPr dirty="0" err="1"/>
+              <a:t>OuterClass</a:t>
+            </a:r>
+            <a:r>
+              <a:rPr dirty="0"/>
+              <a:t>(); </a:t>
+            </a:r>
+            <a:r>
+              <a:rPr dirty="0">
                 <a:solidFill>
                   <a:srgbClr val="2D8504"/>
                 </a:solidFill>
               </a:rPr>
               <a:t>// create outer object first</a:t>
             </a:r>
-            <a:endParaRPr>
-              <a:solidFill>
-                <a:srgbClr val="2D8504"/>
-              </a:solidFill>
-            </a:endParaRPr>
           </a:p>
           <a:p>
             <a:pPr defTabSz="502284">
@@ -9754,6 +9881,11 @@
                 <a:sym typeface="Menlo Regular"/>
               </a:defRPr>
             </a:pPr>
+            <a:endParaRPr dirty="0">
+              <a:solidFill>
+                <a:srgbClr val="2D8504"/>
+              </a:solidFill>
+            </a:endParaRPr>
           </a:p>
           <a:p>
             <a:pPr defTabSz="502284">
@@ -9771,7 +9903,7 @@
               </a:defRPr>
             </a:pPr>
             <a:r>
-              <a:rPr>
+              <a:rPr dirty="0">
                 <a:solidFill>
                   <a:srgbClr val="000000">
                     <a:alpha val="85000"/>
@@ -9781,9 +9913,26 @@
               <a:t>        </a:t>
             </a:r>
             <a:r>
-              <a:t>// using outObject.new to create innerClass's object</a:t>
-            </a:r>
-            <a:endParaRPr>
+              <a:rPr dirty="0"/>
+              <a:t>// using </a:t>
+            </a:r>
+            <a:r>
+              <a:rPr dirty="0" err="1"/>
+              <a:t>outObject.new</a:t>
+            </a:r>
+            <a:r>
+              <a:rPr dirty="0"/>
+              <a:t> to create </a:t>
+            </a:r>
+            <a:r>
+              <a:rPr dirty="0" err="1"/>
+              <a:t>innerClass's</a:t>
+            </a:r>
+            <a:r>
+              <a:rPr dirty="0"/>
+              <a:t> object</a:t>
+            </a:r>
+            <a:endParaRPr dirty="0">
               <a:solidFill>
                 <a:srgbClr val="000000">
                   <a:alpha val="85000"/>
@@ -9809,10 +9958,31 @@
               </a:defRPr>
             </a:pPr>
             <a:r>
-              <a:t>        OuterClass.InnerClass inObject = outObject.</a:t>
-            </a:r>
-            <a:r>
-              <a:rPr b="1">
+              <a:rPr dirty="0"/>
+              <a:t>        </a:t>
+            </a:r>
+            <a:r>
+              <a:rPr dirty="0" err="1"/>
+              <a:t>OuterClass.InnerClass</a:t>
+            </a:r>
+            <a:r>
+              <a:rPr dirty="0"/>
+              <a:t> </a:t>
+            </a:r>
+            <a:r>
+              <a:rPr dirty="0" err="1"/>
+              <a:t>inObject</a:t>
+            </a:r>
+            <a:r>
+              <a:rPr dirty="0"/>
+              <a:t> = </a:t>
+            </a:r>
+            <a:r>
+              <a:rPr dirty="0" err="1"/>
+              <a:t>outObject.</a:t>
+            </a:r>
+            <a:r>
+              <a:rPr b="1" dirty="0" err="1">
                 <a:solidFill>
                   <a:srgbClr val="AD3DA4"/>
                 </a:solidFill>
@@ -9820,7 +9990,16 @@
               <a:t>new</a:t>
             </a:r>
             <a:r>
-              <a:t> InnerClass();</a:t>
+              <a:rPr dirty="0"/>
+              <a:t> </a:t>
+            </a:r>
+            <a:r>
+              <a:rPr dirty="0" err="1"/>
+              <a:t>InnerClass</a:t>
+            </a:r>
+            <a:r>
+              <a:rPr dirty="0"/>
+              <a:t>();</a:t>
             </a:r>
           </a:p>
           <a:p>
@@ -9839,16 +10018,37 @@
               </a:defRPr>
             </a:pPr>
             <a:r>
-              <a:rPr>
+              <a:rPr dirty="0">
                 <a:solidFill>
                   <a:srgbClr val="000000">
                     <a:alpha val="85000"/>
                   </a:srgbClr>
                 </a:solidFill>
               </a:rPr>
-              <a:t>        inObject.display(); </a:t>
-            </a:r>
-            <a:r>
+              <a:t>        </a:t>
+            </a:r>
+            <a:r>
+              <a:rPr dirty="0" err="1">
+                <a:solidFill>
+                  <a:srgbClr val="000000">
+                    <a:alpha val="85000"/>
+                  </a:srgbClr>
+                </a:solidFill>
+              </a:rPr>
+              <a:t>inObject.display</a:t>
+            </a:r>
+            <a:r>
+              <a:rPr dirty="0">
+                <a:solidFill>
+                  <a:srgbClr val="000000">
+                    <a:alpha val="85000"/>
+                  </a:srgbClr>
+                </a:solidFill>
+              </a:rPr>
+              <a:t>(); </a:t>
+            </a:r>
+            <a:r>
+              <a:rPr dirty="0"/>
               <a:t>// OUTPUT: “Inside inner class”</a:t>
             </a:r>
           </a:p>
@@ -9867,7 +10067,7 @@
                 <a:sym typeface="Menlo Regular"/>
               </a:defRPr>
             </a:pPr>
-            <a:endParaRPr>
+            <a:endParaRPr dirty="0">
               <a:solidFill>
                 <a:srgbClr val="000000">
                   <a:alpha val="85000"/>
@@ -9891,16 +10091,37 @@
               </a:defRPr>
             </a:pPr>
             <a:r>
-              <a:rPr>
+              <a:rPr dirty="0">
                 <a:solidFill>
                   <a:srgbClr val="000000">
                     <a:alpha val="85000"/>
                   </a:srgbClr>
                 </a:solidFill>
               </a:rPr>
-              <a:t>        outObject.myMethod(); </a:t>
-            </a:r>
-            <a:r>
+              <a:t>        </a:t>
+            </a:r>
+            <a:r>
+              <a:rPr dirty="0" err="1">
+                <a:solidFill>
+                  <a:srgbClr val="000000">
+                    <a:alpha val="85000"/>
+                  </a:srgbClr>
+                </a:solidFill>
+              </a:rPr>
+              <a:t>outObject.myMethod</a:t>
+            </a:r>
+            <a:r>
+              <a:rPr dirty="0">
+                <a:solidFill>
+                  <a:srgbClr val="000000">
+                    <a:alpha val="85000"/>
+                  </a:srgbClr>
+                </a:solidFill>
+              </a:rPr>
+              <a:t>(); </a:t>
+            </a:r>
+            <a:r>
+              <a:rPr dirty="0"/>
               <a:t>// OUTPUT: “Inside local inner class” </a:t>
             </a:r>
           </a:p>
@@ -9920,21 +10141,17 @@
               </a:defRPr>
             </a:pPr>
             <a:r>
+              <a:rPr dirty="0"/>
               <a:t>    </a:t>
             </a:r>
             <a:r>
-              <a:rPr>
+              <a:rPr dirty="0">
                 <a:solidFill>
                   <a:srgbClr val="000000"/>
                 </a:solidFill>
               </a:rPr>
               <a:t>}</a:t>
             </a:r>
-            <a:endParaRPr>
-              <a:solidFill>
-                <a:srgbClr val="000000"/>
-              </a:solidFill>
-            </a:endParaRPr>
           </a:p>
           <a:p>
             <a:pPr defTabSz="502284">
@@ -9952,7 +10169,7 @@
               </a:defRPr>
             </a:pPr>
             <a:r>
-              <a:rPr>
+              <a:rPr dirty="0">
                 <a:solidFill>
                   <a:srgbClr val="000000"/>
                 </a:solidFill>
@@ -9960,6 +10177,7 @@
               <a:t>}     </a:t>
             </a:r>
             <a:r>
+              <a:rPr dirty="0"/>
               <a:t> </a:t>
             </a:r>
           </a:p>
@@ -9970,14 +10188,14 @@
   <p:clrMapOvr>
     <a:masterClrMapping/>
   </p:clrMapOvr>
-  <p:transition xmlns:p14="http://schemas.microsoft.com/office/powerpoint/2010/main" spd="med" advClick="1"/>
+  <p:transition spd="med"/>
   <p:timing>
     <p:tnLst>
       <p:par>
-        <p:cTn id="1" nodeType="tmRoot" restart="never" dur="indefinite" fill="hold">
+        <p:cTn id="1" dur="indefinite" restart="never" fill="hold" nodeType="tmRoot">
           <p:childTnLst>
             <p:seq concurrent="1" prevAc="none" nextAc="seek">
-              <p:cTn id="2" nodeType="mainSeq" dur="indefinite" fill="hold">
+              <p:cTn id="2" dur="indefinite" fill="hold" nodeType="mainSeq">
                 <p:childTnLst>
                   <p:par>
                     <p:cTn id="3" fill="hold">
@@ -9992,11 +10210,11 @@
                             </p:stCondLst>
                             <p:childTnLst>
                               <p:par>
-                                <p:cTn id="5" presetClass="entr" nodeType="clickEffect" presetSubtype="0" presetID="1" grpId="1" fill="hold">
+                                <p:cTn id="5" presetID="1" presetClass="entr" presetSubtype="0" fill="hold" grpId="1" nodeType="clickEffect">
                                   <p:stCondLst>
                                     <p:cond delay="0"/>
                                   </p:stCondLst>
-                                  <p:iterate type="el" backwards="0">
+                                  <p:iterate>
                                     <p:tmAbs val="0"/>
                                   </p:iterate>
                                   <p:childTnLst>
@@ -10020,11 +10238,11 @@
                                 </p:cTn>
                               </p:par>
                               <p:par>
-                                <p:cTn id="7" presetClass="entr" nodeType="withEffect" presetSubtype="0" presetID="1" grpId="1" fill="hold">
+                                <p:cTn id="7" presetID="1" presetClass="entr" presetSubtype="0" fill="hold" grpId="1" nodeType="withEffect">
                                   <p:stCondLst>
                                     <p:cond delay="0"/>
                                   </p:stCondLst>
-                                  <p:iterate type="el" backwards="0">
+                                  <p:iterate>
                                     <p:tmAbs val="0"/>
                                   </p:iterate>
                                   <p:childTnLst>
@@ -10059,11 +10277,11 @@
                             </p:stCondLst>
                             <p:childTnLst>
                               <p:par>
-                                <p:cTn id="10" presetClass="entr" nodeType="afterEffect" presetSubtype="0" presetID="1" grpId="1" fill="hold">
+                                <p:cTn id="10" presetID="1" presetClass="entr" presetSubtype="0" fill="hold" grpId="1" nodeType="afterEffect">
                                   <p:stCondLst>
                                     <p:cond delay="0"/>
                                   </p:stCondLst>
-                                  <p:iterate type="el" backwards="0">
+                                  <p:iterate>
                                     <p:tmAbs val="0"/>
                                   </p:iterate>
                                   <p:childTnLst>
@@ -10098,11 +10316,11 @@
                             </p:stCondLst>
                             <p:childTnLst>
                               <p:par>
-                                <p:cTn id="13" presetClass="entr" nodeType="afterEffect" presetSubtype="0" presetID="1" grpId="1" fill="hold">
+                                <p:cTn id="13" presetID="1" presetClass="entr" presetSubtype="0" fill="hold" grpId="1" nodeType="afterEffect">
                                   <p:stCondLst>
                                     <p:cond delay="0"/>
                                   </p:stCondLst>
-                                  <p:iterate type="el" backwards="0">
+                                  <p:iterate>
                                     <p:tmAbs val="0"/>
                                   </p:iterate>
                                   <p:childTnLst>
@@ -10137,11 +10355,11 @@
                             </p:stCondLst>
                             <p:childTnLst>
                               <p:par>
-                                <p:cTn id="16" presetClass="entr" nodeType="afterEffect" presetSubtype="0" presetID="1" grpId="1" fill="hold">
+                                <p:cTn id="16" presetID="1" presetClass="entr" presetSubtype="0" fill="hold" grpId="1" nodeType="afterEffect">
                                   <p:stCondLst>
                                     <p:cond delay="0"/>
                                   </p:stCondLst>
-                                  <p:iterate type="el" backwards="0">
+                                  <p:iterate>
                                     <p:tmAbs val="0"/>
                                   </p:iterate>
                                   <p:childTnLst>
@@ -10176,11 +10394,11 @@
                             </p:stCondLst>
                             <p:childTnLst>
                               <p:par>
-                                <p:cTn id="19" presetClass="entr" nodeType="afterEffect" presetSubtype="0" presetID="1" grpId="1" fill="hold">
+                                <p:cTn id="19" presetID="1" presetClass="entr" presetSubtype="0" fill="hold" grpId="1" nodeType="afterEffect">
                                   <p:stCondLst>
                                     <p:cond delay="0"/>
                                   </p:stCondLst>
-                                  <p:iterate type="el" backwards="0">
+                                  <p:iterate>
                                     <p:tmAbs val="0"/>
                                   </p:iterate>
                                   <p:childTnLst>
@@ -10215,11 +10433,11 @@
                             </p:stCondLst>
                             <p:childTnLst>
                               <p:par>
-                                <p:cTn id="22" presetClass="entr" nodeType="afterEffect" presetSubtype="0" presetID="1" grpId="1" fill="hold">
+                                <p:cTn id="22" presetID="1" presetClass="entr" presetSubtype="0" fill="hold" grpId="1" nodeType="afterEffect">
                                   <p:stCondLst>
                                     <p:cond delay="0"/>
                                   </p:stCondLst>
-                                  <p:iterate type="el" backwards="0">
+                                  <p:iterate>
                                     <p:tmAbs val="0"/>
                                   </p:iterate>
                                   <p:childTnLst>
@@ -10263,11 +10481,11 @@
                             </p:stCondLst>
                             <p:childTnLst>
                               <p:par>
-                                <p:cTn id="26" presetClass="entr" nodeType="clickEffect" presetSubtype="0" presetID="1" grpId="1" fill="hold">
+                                <p:cTn id="26" presetID="1" presetClass="entr" presetSubtype="0" fill="hold" grpId="1" nodeType="clickEffect">
                                   <p:stCondLst>
                                     <p:cond delay="0"/>
                                   </p:stCondLst>
-                                  <p:iterate type="el" backwards="0">
+                                  <p:iterate>
                                     <p:tmAbs val="0"/>
                                   </p:iterate>
                                   <p:childTnLst>
@@ -10302,11 +10520,11 @@
                             </p:stCondLst>
                             <p:childTnLst>
                               <p:par>
-                                <p:cTn id="29" presetClass="entr" nodeType="afterEffect" presetSubtype="0" presetID="1" grpId="1" fill="hold">
+                                <p:cTn id="29" presetID="1" presetClass="entr" presetSubtype="0" fill="hold" grpId="1" nodeType="afterEffect">
                                   <p:stCondLst>
                                     <p:cond delay="0"/>
                                   </p:stCondLst>
-                                  <p:iterate type="el" backwards="0">
+                                  <p:iterate>
                                     <p:tmAbs val="0"/>
                                   </p:iterate>
                                   <p:childTnLst>
@@ -10350,11 +10568,11 @@
                             </p:stCondLst>
                             <p:childTnLst>
                               <p:par>
-                                <p:cTn id="33" presetClass="entr" nodeType="clickEffect" presetSubtype="0" presetID="1" grpId="1" fill="hold">
+                                <p:cTn id="33" presetID="1" presetClass="entr" presetSubtype="0" fill="hold" grpId="1" nodeType="clickEffect">
                                   <p:stCondLst>
                                     <p:cond delay="0"/>
                                   </p:stCondLst>
-                                  <p:iterate type="el" backwards="0">
+                                  <p:iterate>
                                     <p:tmAbs val="0"/>
                                   </p:iterate>
                                   <p:childTnLst>
@@ -10389,11 +10607,11 @@
                             </p:stCondLst>
                             <p:childTnLst>
                               <p:par>
-                                <p:cTn id="36" presetClass="entr" nodeType="afterEffect" presetSubtype="0" presetID="1" grpId="1" fill="hold">
+                                <p:cTn id="36" presetID="1" presetClass="entr" presetSubtype="0" fill="hold" grpId="1" nodeType="afterEffect">
                                   <p:stCondLst>
                                     <p:cond delay="0"/>
                                   </p:stCondLst>
-                                  <p:iterate type="el" backwards="0">
+                                  <p:iterate>
                                     <p:tmAbs val="0"/>
                                   </p:iterate>
                                   <p:childTnLst>
@@ -10428,11 +10646,11 @@
                             </p:stCondLst>
                             <p:childTnLst>
                               <p:par>
-                                <p:cTn id="39" presetClass="entr" nodeType="afterEffect" presetSubtype="0" presetID="1" grpId="1" fill="hold">
+                                <p:cTn id="39" presetID="1" presetClass="entr" presetSubtype="0" fill="hold" grpId="1" nodeType="afterEffect">
                                   <p:stCondLst>
                                     <p:cond delay="0"/>
                                   </p:stCondLst>
-                                  <p:iterate type="el" backwards="0">
+                                  <p:iterate>
                                     <p:tmAbs val="0"/>
                                   </p:iterate>
                                   <p:childTnLst>
@@ -10467,11 +10685,11 @@
                             </p:stCondLst>
                             <p:childTnLst>
                               <p:par>
-                                <p:cTn id="42" presetClass="entr" nodeType="afterEffect" presetSubtype="0" presetID="1" grpId="1" fill="hold">
+                                <p:cTn id="42" presetID="1" presetClass="entr" presetSubtype="0" fill="hold" grpId="1" nodeType="afterEffect">
                                   <p:stCondLst>
                                     <p:cond delay="0"/>
                                   </p:stCondLst>
-                                  <p:iterate type="el" backwards="0">
+                                  <p:iterate>
                                     <p:tmAbs val="0"/>
                                   </p:iterate>
                                   <p:childTnLst>
@@ -10515,11 +10733,11 @@
                             </p:stCondLst>
                             <p:childTnLst>
                               <p:par>
-                                <p:cTn id="46" presetClass="entr" nodeType="clickEffect" presetSubtype="0" presetID="1" grpId="1" fill="hold">
+                                <p:cTn id="46" presetID="1" presetClass="entr" presetSubtype="0" fill="hold" grpId="1" nodeType="clickEffect">
                                   <p:stCondLst>
                                     <p:cond delay="0"/>
                                   </p:stCondLst>
-                                  <p:iterate type="el" backwards="0">
+                                  <p:iterate>
                                     <p:tmAbs val="0"/>
                                   </p:iterate>
                                   <p:childTnLst>
@@ -10554,11 +10772,11 @@
                             </p:stCondLst>
                             <p:childTnLst>
                               <p:par>
-                                <p:cTn id="49" presetClass="entr" nodeType="afterEffect" presetSubtype="0" presetID="1" grpId="1" fill="hold">
+                                <p:cTn id="49" presetID="1" presetClass="entr" presetSubtype="0" fill="hold" grpId="1" nodeType="afterEffect">
                                   <p:stCondLst>
                                     <p:cond delay="0"/>
                                   </p:stCondLst>
-                                  <p:iterate type="el" backwards="0">
+                                  <p:iterate>
                                     <p:tmAbs val="0"/>
                                   </p:iterate>
                                   <p:childTnLst>
@@ -10593,11 +10811,11 @@
                             </p:stCondLst>
                             <p:childTnLst>
                               <p:par>
-                                <p:cTn id="52" presetClass="entr" nodeType="afterEffect" presetSubtype="0" presetID="1" grpId="1" fill="hold">
+                                <p:cTn id="52" presetID="1" presetClass="entr" presetSubtype="0" fill="hold" grpId="1" nodeType="afterEffect">
                                   <p:stCondLst>
                                     <p:cond delay="0"/>
                                   </p:stCondLst>
-                                  <p:iterate type="el" backwards="0">
+                                  <p:iterate>
                                     <p:tmAbs val="0"/>
                                   </p:iterate>
                                   <p:childTnLst>
@@ -10631,14 +10849,14 @@
                 </p:childTnLst>
               </p:cTn>
               <p:prevCondLst>
-                <p:cond evt="onPrev">
+                <p:cond evt="onPrev" delay="0">
                   <p:tgtEl>
                     <p:sldTgt/>
                   </p:tgtEl>
                 </p:cond>
               </p:prevCondLst>
               <p:nextCondLst>
-                <p:cond evt="onNext">
+                <p:cond evt="onNext" delay="0">
                   <p:tgtEl>
                     <p:sldTgt/>
                   </p:tgtEl>
@@ -10650,14 +10868,14 @@
       </p:par>
     </p:tnLst>
     <p:bldLst>
-      <p:bldP build="p" bldLvl="5" animBg="1" rev="0" advAuto="0" spid="57" grpId="1"/>
+      <p:bldP spid="57" grpId="1" build="p" bldLvl="5" animBg="1" advAuto="0"/>
     </p:bldLst>
   </p:timing>
 </p:sld>
 </file>
 
 <file path=ppt/slides/slide6.xml><?xml version="1.0" encoding="utf-8"?>
-<p:sld xmlns:a="http://schemas.openxmlformats.org/drawingml/2006/main" xmlns:r="http://schemas.openxmlformats.org/officeDocument/2006/relationships" xmlns:p="http://schemas.openxmlformats.org/presentationml/2006/main" xmlns:m="http://schemas.openxmlformats.org/officeDocument/2006/math" xmlns:a14="http://schemas.microsoft.com/office/drawing/2010/main" showMasterSp="1" showMasterPhAnim="1">
+<p:sld xmlns:a="http://schemas.openxmlformats.org/drawingml/2006/main" xmlns:r="http://schemas.openxmlformats.org/officeDocument/2006/relationships" xmlns:p="http://schemas.openxmlformats.org/presentationml/2006/main">
   <p:cSld>
     <p:spTree>
       <p:nvGrpSpPr>
@@ -10676,7 +10894,9 @@
       <p:sp>
         <p:nvSpPr>
           <p:cNvPr id="61" name="Example) (Non-static) Inner Class"/>
-          <p:cNvSpPr txBox="1"/>
+          <p:cNvSpPr txBox="1">
+            <a:spLocks noGrp="1"/>
+          </p:cNvSpPr>
           <p:nvPr>
             <p:ph type="title"/>
           </p:nvPr>
@@ -10690,7 +10910,6 @@
           <a:bodyPr/>
           <a:lstStyle/>
           <a:p>
-            <a:pPr/>
             <a:r>
               <a:t>Example) (Non-static) Inner Class </a:t>
             </a:r>
@@ -10700,7 +10919,9 @@
       <p:sp>
         <p:nvSpPr>
           <p:cNvPr id="62" name="슬라이드 번호"/>
-          <p:cNvSpPr txBox="1"/>
+          <p:cNvSpPr txBox="1">
+            <a:spLocks noGrp="1"/>
+          </p:cNvSpPr>
           <p:nvPr>
             <p:ph type="sldNum" sz="quarter" idx="2"/>
           </p:nvPr>
@@ -10715,7 +10936,7 @@
           </a:prstGeom>
           <a:extLst>
             <a:ext uri="{C572A759-6A51-4108-AA02-DFA0A04FC94B}">
-              <ma14:wrappingTextBoxFlag xmlns:ma14="http://schemas.microsoft.com/office/mac/drawingml/2011/main" val="1"/>
+              <ma14:wrappingTextBoxFlag xmlns:ma14="http://schemas.microsoft.com/office/mac/drawingml/2011/main" xmlns:a14="http://schemas.microsoft.com/office/drawing/2010/main" xmlns:m="http://schemas.openxmlformats.org/officeDocument/2006/math" xmlns="" val="1"/>
             </a:ext>
           </a:extLst>
         </p:spPr>
@@ -10723,8 +10944,11 @@
           <a:bodyPr/>
           <a:lstStyle/>
           <a:p>
-            <a:pPr/>
-            <a:fld id="{86CB4B4D-7CA3-9044-876B-883B54F8677D}" type="slidenum"/>
+            <a:fld id="{86CB4B4D-7CA3-9044-876B-883B54F8677D}" type="slidenum">
+              <a:rPr/>
+              <a:t>6</a:t>
+            </a:fld>
+            <a:endParaRPr/>
           </a:p>
         </p:txBody>
       </p:sp>
@@ -10736,8 +10960,8 @@
         </p:nvSpPr>
         <p:spPr>
           <a:xfrm>
-            <a:off x="623527" y="1185779"/>
-            <a:ext cx="10944946" cy="2767964"/>
+            <a:off x="623527" y="1138602"/>
+            <a:ext cx="10944946" cy="2862318"/>
           </a:xfrm>
           <a:prstGeom prst="rect">
             <a:avLst/>
@@ -10749,7 +10973,7 @@
           </a:ln>
           <a:extLst>
             <a:ext uri="{C572A759-6A51-4108-AA02-DFA0A04FC94B}">
-              <ma14:wrappingTextBoxFlag xmlns:ma14="http://schemas.microsoft.com/office/mac/drawingml/2011/main" val="1"/>
+              <ma14:wrappingTextBoxFlag xmlns:ma14="http://schemas.microsoft.com/office/mac/drawingml/2011/main" xmlns:a14="http://schemas.microsoft.com/office/drawing/2010/main" xmlns:m="http://schemas.openxmlformats.org/officeDocument/2006/math" xmlns="" val="1"/>
             </a:ext>
           </a:extLst>
         </p:spPr>
@@ -10776,7 +11000,7 @@
               </a:defRPr>
             </a:pPr>
             <a:r>
-              <a:rPr b="1">
+              <a:rPr b="1" dirty="0">
                 <a:solidFill>
                   <a:srgbClr val="AD3DA4"/>
                 </a:solidFill>
@@ -10784,10 +11008,11 @@
               <a:t>public</a:t>
             </a:r>
             <a:r>
+              <a:rPr dirty="0"/>
               <a:t> </a:t>
             </a:r>
             <a:r>
-              <a:rPr b="1">
+              <a:rPr b="1" dirty="0">
                 <a:solidFill>
                   <a:srgbClr val="AD3DA4"/>
                 </a:solidFill>
@@ -10795,7 +11020,16 @@
               <a:t>class</a:t>
             </a:r>
             <a:r>
-              <a:t> AClass {</a:t>
+              <a:rPr dirty="0"/>
+              <a:t> </a:t>
+            </a:r>
+            <a:r>
+              <a:rPr dirty="0" err="1"/>
+              <a:t>AClass</a:t>
+            </a:r>
+            <a:r>
+              <a:rPr dirty="0"/>
+              <a:t> {</a:t>
             </a:r>
           </a:p>
           <a:p>
@@ -10816,10 +11050,11 @@
               </a:defRPr>
             </a:pPr>
             <a:r>
+              <a:rPr dirty="0"/>
               <a:t>    </a:t>
             </a:r>
             <a:r>
-              <a:rPr b="1">
+              <a:rPr b="1" dirty="0">
                 <a:solidFill>
                   <a:srgbClr val="AD3DA4"/>
                 </a:solidFill>
@@ -10827,10 +11062,11 @@
               <a:t>public</a:t>
             </a:r>
             <a:r>
+              <a:rPr dirty="0"/>
               <a:t> </a:t>
             </a:r>
             <a:r>
-              <a:rPr b="1">
+              <a:rPr b="1" dirty="0">
                 <a:solidFill>
                   <a:srgbClr val="AD3DA4"/>
                 </a:solidFill>
@@ -10838,7 +11074,16 @@
               <a:t>class</a:t>
             </a:r>
             <a:r>
-              <a:t> BClass {</a:t>
+              <a:rPr dirty="0"/>
+              <a:t> </a:t>
+            </a:r>
+            <a:r>
+              <a:rPr dirty="0" err="1"/>
+              <a:t>BClass</a:t>
+            </a:r>
+            <a:r>
+              <a:rPr dirty="0"/>
+              <a:t> {</a:t>
             </a:r>
           </a:p>
           <a:p>
@@ -10859,10 +11104,11 @@
               </a:defRPr>
             </a:pPr>
             <a:r>
+              <a:rPr dirty="0"/>
               <a:t>        </a:t>
             </a:r>
             <a:r>
-              <a:rPr b="1">
+              <a:rPr b="1" dirty="0">
                 <a:solidFill>
                   <a:srgbClr val="AD3DA4"/>
                 </a:solidFill>
@@ -10870,10 +11116,11 @@
               <a:t>public</a:t>
             </a:r>
             <a:r>
+              <a:rPr dirty="0"/>
               <a:t> </a:t>
             </a:r>
             <a:r>
-              <a:rPr b="1">
+              <a:rPr b="1" dirty="0">
                 <a:solidFill>
                   <a:srgbClr val="AD3DA4"/>
                 </a:solidFill>
@@ -10881,7 +11128,16 @@
               <a:t>class</a:t>
             </a:r>
             <a:r>
-              <a:t> CClass {  }</a:t>
+              <a:rPr dirty="0"/>
+              <a:t> </a:t>
+            </a:r>
+            <a:r>
+              <a:rPr dirty="0" err="1"/>
+              <a:t>CClass</a:t>
+            </a:r>
+            <a:r>
+              <a:rPr dirty="0"/>
+              <a:t> {  }</a:t>
             </a:r>
           </a:p>
           <a:p>
@@ -10902,6 +11158,7 @@
               </a:defRPr>
             </a:pPr>
             <a:r>
+              <a:rPr dirty="0"/>
               <a:t>    }</a:t>
             </a:r>
           </a:p>
@@ -10923,10 +11180,11 @@
               </a:defRPr>
             </a:pPr>
             <a:r>
+              <a:rPr dirty="0"/>
               <a:t>    </a:t>
             </a:r>
             <a:r>
-              <a:rPr b="1">
+              <a:rPr b="1" dirty="0">
                 <a:solidFill>
                   <a:srgbClr val="AD3DA4"/>
                 </a:solidFill>
@@ -10934,10 +11192,11 @@
               <a:t>public</a:t>
             </a:r>
             <a:r>
+              <a:rPr dirty="0"/>
               <a:t> </a:t>
             </a:r>
             <a:r>
-              <a:rPr b="1">
+              <a:rPr b="1" dirty="0">
                 <a:solidFill>
                   <a:srgbClr val="AD3DA4"/>
                 </a:solidFill>
@@ -10945,10 +11204,11 @@
               <a:t>static</a:t>
             </a:r>
             <a:r>
+              <a:rPr dirty="0"/>
               <a:t> </a:t>
             </a:r>
             <a:r>
-              <a:rPr b="1">
+              <a:rPr b="1" dirty="0">
                 <a:solidFill>
                   <a:srgbClr val="AD3DA4"/>
                 </a:solidFill>
@@ -10956,7 +11216,16 @@
               <a:t>void</a:t>
             </a:r>
             <a:r>
-              <a:t> main(String[] args) {</a:t>
+              <a:rPr dirty="0"/>
+              <a:t> main(String[] </a:t>
+            </a:r>
+            <a:r>
+              <a:rPr dirty="0" err="1"/>
+              <a:t>args</a:t>
+            </a:r>
+            <a:r>
+              <a:rPr dirty="0"/>
+              <a:t>) {</a:t>
             </a:r>
           </a:p>
           <a:p>
@@ -10977,10 +11246,27 @@
               </a:defRPr>
             </a:pPr>
             <a:r>
-              <a:t>        AClass aObject = </a:t>
-            </a:r>
-            <a:r>
-              <a:rPr b="1">
+              <a:rPr dirty="0"/>
+              <a:t>        </a:t>
+            </a:r>
+            <a:r>
+              <a:rPr dirty="0" err="1"/>
+              <a:t>AClass</a:t>
+            </a:r>
+            <a:r>
+              <a:rPr dirty="0"/>
+              <a:t> </a:t>
+            </a:r>
+            <a:r>
+              <a:rPr dirty="0" err="1"/>
+              <a:t>aObject</a:t>
+            </a:r>
+            <a:r>
+              <a:rPr dirty="0"/>
+              <a:t> = </a:t>
+            </a:r>
+            <a:r>
+              <a:rPr b="1" dirty="0">
                 <a:solidFill>
                   <a:srgbClr val="AD3DA4"/>
                 </a:solidFill>
@@ -10988,7 +11274,16 @@
               <a:t>new</a:t>
             </a:r>
             <a:r>
-              <a:t> AClass();</a:t>
+              <a:rPr dirty="0"/>
+              <a:t> </a:t>
+            </a:r>
+            <a:r>
+              <a:rPr dirty="0" err="1"/>
+              <a:t>AClass</a:t>
+            </a:r>
+            <a:r>
+              <a:rPr dirty="0"/>
+              <a:t>();</a:t>
             </a:r>
           </a:p>
           <a:p>
@@ -11009,10 +11304,31 @@
               </a:defRPr>
             </a:pPr>
             <a:r>
-              <a:t>        AClass.BClass bObject = aObject.</a:t>
-            </a:r>
-            <a:r>
-              <a:rPr b="1">
+              <a:rPr dirty="0"/>
+              <a:t>        </a:t>
+            </a:r>
+            <a:r>
+              <a:rPr dirty="0" err="1"/>
+              <a:t>AClass.BClass</a:t>
+            </a:r>
+            <a:r>
+              <a:rPr dirty="0"/>
+              <a:t> </a:t>
+            </a:r>
+            <a:r>
+              <a:rPr dirty="0" err="1"/>
+              <a:t>bObject</a:t>
+            </a:r>
+            <a:r>
+              <a:rPr dirty="0"/>
+              <a:t> = </a:t>
+            </a:r>
+            <a:r>
+              <a:rPr dirty="0" err="1"/>
+              <a:t>aObject.</a:t>
+            </a:r>
+            <a:r>
+              <a:rPr b="1" dirty="0" err="1">
                 <a:solidFill>
                   <a:srgbClr val="AD3DA4"/>
                 </a:solidFill>
@@ -11020,7 +11336,16 @@
               <a:t>new</a:t>
             </a:r>
             <a:r>
-              <a:t> BClass();</a:t>
+              <a:rPr dirty="0"/>
+              <a:t> </a:t>
+            </a:r>
+            <a:r>
+              <a:rPr dirty="0" err="1"/>
+              <a:t>BClass</a:t>
+            </a:r>
+            <a:r>
+              <a:rPr dirty="0"/>
+              <a:t>();</a:t>
             </a:r>
           </a:p>
           <a:p>
@@ -11041,10 +11366,31 @@
               </a:defRPr>
             </a:pPr>
             <a:r>
-              <a:t>        AClass.BClass.CClass cObject = bObject.</a:t>
-            </a:r>
-            <a:r>
-              <a:rPr b="1">
+              <a:rPr dirty="0"/>
+              <a:t>        </a:t>
+            </a:r>
+            <a:r>
+              <a:rPr dirty="0" err="1"/>
+              <a:t>AClass.BClass.CClass</a:t>
+            </a:r>
+            <a:r>
+              <a:rPr dirty="0"/>
+              <a:t> </a:t>
+            </a:r>
+            <a:r>
+              <a:rPr dirty="0" err="1"/>
+              <a:t>cObject</a:t>
+            </a:r>
+            <a:r>
+              <a:rPr dirty="0"/>
+              <a:t> = </a:t>
+            </a:r>
+            <a:r>
+              <a:rPr dirty="0" err="1"/>
+              <a:t>bObject.</a:t>
+            </a:r>
+            <a:r>
+              <a:rPr b="1" dirty="0" err="1">
                 <a:solidFill>
                   <a:srgbClr val="AD3DA4"/>
                 </a:solidFill>
@@ -11052,7 +11398,16 @@
               <a:t>new</a:t>
             </a:r>
             <a:r>
-              <a:t> CClass();</a:t>
+              <a:rPr dirty="0"/>
+              <a:t> </a:t>
+            </a:r>
+            <a:r>
+              <a:rPr dirty="0" err="1"/>
+              <a:t>CClass</a:t>
+            </a:r>
+            <a:r>
+              <a:rPr dirty="0"/>
+              <a:t>();</a:t>
             </a:r>
           </a:p>
           <a:p>
@@ -11073,6 +11428,7 @@
               </a:defRPr>
             </a:pPr>
             <a:r>
+              <a:rPr dirty="0"/>
               <a:t>    }</a:t>
             </a:r>
           </a:p>
@@ -11094,6 +11450,7 @@
               </a:defRPr>
             </a:pPr>
             <a:r>
+              <a:rPr dirty="0"/>
               <a:t>}</a:t>
             </a:r>
           </a:p>
@@ -11104,14 +11461,14 @@
   <p:clrMapOvr>
     <a:masterClrMapping/>
   </p:clrMapOvr>
-  <p:transition xmlns:p14="http://schemas.microsoft.com/office/powerpoint/2010/main" spd="med" advClick="1"/>
+  <p:transition spd="med"/>
   <p:timing>
     <p:tnLst>
       <p:par>
-        <p:cTn id="1" nodeType="tmRoot" restart="never" dur="indefinite" fill="hold">
+        <p:cTn id="1" dur="indefinite" restart="never" fill="hold" nodeType="tmRoot">
           <p:childTnLst>
             <p:seq concurrent="1" prevAc="none" nextAc="seek">
-              <p:cTn id="2" nodeType="mainSeq" dur="indefinite" fill="hold">
+              <p:cTn id="2" dur="indefinite" fill="hold" nodeType="mainSeq">
                 <p:childTnLst>
                   <p:par>
                     <p:cTn id="3" fill="hold">
@@ -11126,11 +11483,11 @@
                             </p:stCondLst>
                             <p:childTnLst>
                               <p:par>
-                                <p:cTn id="5" presetClass="entr" nodeType="clickEffect" presetSubtype="0" presetID="1" grpId="1" fill="hold">
+                                <p:cTn id="5" presetID="1" presetClass="entr" presetSubtype="0" fill="hold" grpId="1" nodeType="clickEffect">
                                   <p:stCondLst>
                                     <p:cond delay="0"/>
                                   </p:stCondLst>
-                                  <p:iterate type="el" backwards="0">
+                                  <p:iterate>
                                     <p:tmAbs val="0"/>
                                   </p:iterate>
                                   <p:childTnLst>
@@ -11154,11 +11511,11 @@
                                 </p:cTn>
                               </p:par>
                               <p:par>
-                                <p:cTn id="7" presetClass="entr" nodeType="withEffect" presetSubtype="0" presetID="1" grpId="1" fill="hold">
+                                <p:cTn id="7" presetID="1" presetClass="entr" presetSubtype="0" fill="hold" grpId="1" nodeType="withEffect">
                                   <p:stCondLst>
                                     <p:cond delay="0"/>
                                   </p:stCondLst>
-                                  <p:iterate type="el" backwards="0">
+                                  <p:iterate>
                                     <p:tmAbs val="0"/>
                                   </p:iterate>
                                   <p:childTnLst>
@@ -11202,11 +11559,11 @@
                             </p:stCondLst>
                             <p:childTnLst>
                               <p:par>
-                                <p:cTn id="11" presetClass="entr" nodeType="clickEffect" presetSubtype="0" presetID="1" grpId="1" fill="hold">
+                                <p:cTn id="11" presetID="1" presetClass="entr" presetSubtype="0" fill="hold" grpId="1" nodeType="clickEffect">
                                   <p:stCondLst>
                                     <p:cond delay="0"/>
                                   </p:stCondLst>
-                                  <p:iterate type="el" backwards="0">
+                                  <p:iterate>
                                     <p:tmAbs val="0"/>
                                   </p:iterate>
                                   <p:childTnLst>
@@ -11250,11 +11607,11 @@
                             </p:stCondLst>
                             <p:childTnLst>
                               <p:par>
-                                <p:cTn id="15" presetClass="entr" nodeType="clickEffect" presetSubtype="0" presetID="1" grpId="1" fill="hold">
+                                <p:cTn id="15" presetID="1" presetClass="entr" presetSubtype="0" fill="hold" grpId="1" nodeType="clickEffect">
                                   <p:stCondLst>
                                     <p:cond delay="0"/>
                                   </p:stCondLst>
-                                  <p:iterate type="el" backwards="0">
+                                  <p:iterate>
                                     <p:tmAbs val="0"/>
                                   </p:iterate>
                                   <p:childTnLst>
@@ -11289,11 +11646,11 @@
                             </p:stCondLst>
                             <p:childTnLst>
                               <p:par>
-                                <p:cTn id="18" presetClass="entr" nodeType="afterEffect" presetSubtype="0" presetID="1" grpId="1" fill="hold">
+                                <p:cTn id="18" presetID="1" presetClass="entr" presetSubtype="0" fill="hold" grpId="1" nodeType="afterEffect">
                                   <p:stCondLst>
                                     <p:cond delay="0"/>
                                   </p:stCondLst>
-                                  <p:iterate type="el" backwards="0">
+                                  <p:iterate>
                                     <p:tmAbs val="0"/>
                                   </p:iterate>
                                   <p:childTnLst>
@@ -11337,11 +11694,11 @@
                             </p:stCondLst>
                             <p:childTnLst>
                               <p:par>
-                                <p:cTn id="22" presetClass="entr" nodeType="clickEffect" presetSubtype="0" presetID="1" grpId="1" fill="hold">
+                                <p:cTn id="22" presetID="1" presetClass="entr" presetSubtype="0" fill="hold" grpId="1" nodeType="clickEffect">
                                   <p:stCondLst>
                                     <p:cond delay="0"/>
                                   </p:stCondLst>
-                                  <p:iterate type="el" backwards="0">
+                                  <p:iterate>
                                     <p:tmAbs val="0"/>
                                   </p:iterate>
                                   <p:childTnLst>
@@ -11376,11 +11733,11 @@
                             </p:stCondLst>
                             <p:childTnLst>
                               <p:par>
-                                <p:cTn id="25" presetClass="entr" nodeType="afterEffect" presetSubtype="0" presetID="1" grpId="1" fill="hold">
+                                <p:cTn id="25" presetID="1" presetClass="entr" presetSubtype="0" fill="hold" grpId="1" nodeType="afterEffect">
                                   <p:stCondLst>
                                     <p:cond delay="0"/>
                                   </p:stCondLst>
-                                  <p:iterate type="el" backwards="0">
+                                  <p:iterate>
                                     <p:tmAbs val="0"/>
                                   </p:iterate>
                                   <p:childTnLst>
@@ -11424,11 +11781,11 @@
                             </p:stCondLst>
                             <p:childTnLst>
                               <p:par>
-                                <p:cTn id="29" presetClass="entr" nodeType="clickEffect" presetSubtype="0" presetID="1" grpId="1" fill="hold">
+                                <p:cTn id="29" presetID="1" presetClass="entr" presetSubtype="0" fill="hold" grpId="1" nodeType="clickEffect">
                                   <p:stCondLst>
                                     <p:cond delay="0"/>
                                   </p:stCondLst>
-                                  <p:iterate type="el" backwards="0">
+                                  <p:iterate>
                                     <p:tmAbs val="0"/>
                                   </p:iterate>
                                   <p:childTnLst>
@@ -11472,11 +11829,11 @@
                             </p:stCondLst>
                             <p:childTnLst>
                               <p:par>
-                                <p:cTn id="33" presetClass="entr" nodeType="clickEffect" presetSubtype="0" presetID="1" grpId="1" fill="hold">
+                                <p:cTn id="33" presetID="1" presetClass="entr" presetSubtype="0" fill="hold" grpId="1" nodeType="clickEffect">
                                   <p:stCondLst>
                                     <p:cond delay="0"/>
                                   </p:stCondLst>
-                                  <p:iterate type="el" backwards="0">
+                                  <p:iterate>
                                     <p:tmAbs val="0"/>
                                   </p:iterate>
                                   <p:childTnLst>
@@ -11511,11 +11868,11 @@
                             </p:stCondLst>
                             <p:childTnLst>
                               <p:par>
-                                <p:cTn id="36" presetClass="entr" nodeType="afterEffect" presetSubtype="0" presetID="1" grpId="1" fill="hold">
+                                <p:cTn id="36" presetID="1" presetClass="entr" presetSubtype="0" fill="hold" grpId="1" nodeType="afterEffect">
                                   <p:stCondLst>
                                     <p:cond delay="0"/>
                                   </p:stCondLst>
-                                  <p:iterate type="el" backwards="0">
+                                  <p:iterate>
                                     <p:tmAbs val="0"/>
                                   </p:iterate>
                                   <p:childTnLst>
@@ -11550,11 +11907,11 @@
                             </p:stCondLst>
                             <p:childTnLst>
                               <p:par>
-                                <p:cTn id="39" presetClass="entr" nodeType="afterEffect" presetSubtype="0" presetID="1" grpId="1" fill="hold">
+                                <p:cTn id="39" presetID="1" presetClass="entr" presetSubtype="0" fill="hold" grpId="1" nodeType="afterEffect">
                                   <p:stCondLst>
                                     <p:cond delay="0"/>
                                   </p:stCondLst>
-                                  <p:iterate type="el" backwards="0">
+                                  <p:iterate>
                                     <p:tmAbs val="0"/>
                                   </p:iterate>
                                   <p:childTnLst>
@@ -11588,14 +11945,14 @@
                 </p:childTnLst>
               </p:cTn>
               <p:prevCondLst>
-                <p:cond evt="onPrev">
+                <p:cond evt="onPrev" delay="0">
                   <p:tgtEl>
                     <p:sldTgt/>
                   </p:tgtEl>
                 </p:cond>
               </p:prevCondLst>
               <p:nextCondLst>
-                <p:cond evt="onNext">
+                <p:cond evt="onNext" delay="0">
                   <p:tgtEl>
                     <p:sldTgt/>
                   </p:tgtEl>
@@ -11607,14 +11964,14 @@
       </p:par>
     </p:tnLst>
     <p:bldLst>
-      <p:bldP build="p" bldLvl="5" animBg="1" rev="0" advAuto="0" spid="63" grpId="1"/>
+      <p:bldP spid="63" grpId="1" build="p" bldLvl="5" animBg="1" advAuto="0"/>
     </p:bldLst>
   </p:timing>
 </p:sld>
 </file>
 
 <file path=ppt/slides/slide7.xml><?xml version="1.0" encoding="utf-8"?>
-<p:sld xmlns:a="http://schemas.openxmlformats.org/drawingml/2006/main" xmlns:r="http://schemas.openxmlformats.org/officeDocument/2006/relationships" xmlns:p="http://schemas.openxmlformats.org/presentationml/2006/main" xmlns:m="http://schemas.openxmlformats.org/officeDocument/2006/math" xmlns:a14="http://schemas.microsoft.com/office/drawing/2010/main" showMasterSp="1" showMasterPhAnim="1">
+<p:sld xmlns:a="http://schemas.openxmlformats.org/drawingml/2006/main" xmlns:r="http://schemas.openxmlformats.org/officeDocument/2006/relationships" xmlns:p="http://schemas.openxmlformats.org/presentationml/2006/main">
   <p:cSld>
     <p:spTree>
       <p:nvGrpSpPr>
@@ -11633,7 +11990,9 @@
       <p:sp>
         <p:nvSpPr>
           <p:cNvPr id="67" name="Rectangle 2"/>
-          <p:cNvSpPr txBox="1"/>
+          <p:cNvSpPr txBox="1">
+            <a:spLocks noGrp="1"/>
+          </p:cNvSpPr>
           <p:nvPr>
             <p:ph type="title"/>
           </p:nvPr>
@@ -11651,7 +12010,6 @@
           <a:bodyPr/>
           <a:lstStyle/>
           <a:p>
-            <a:pPr/>
             <a:r>
               <a:t>Rules for Nested Class</a:t>
             </a:r>
@@ -11661,7 +12019,9 @@
       <p:sp>
         <p:nvSpPr>
           <p:cNvPr id="68" name="Rectangle 3"/>
-          <p:cNvSpPr txBox="1"/>
+          <p:cNvSpPr txBox="1">
+            <a:spLocks noGrp="1"/>
+          </p:cNvSpPr>
           <p:nvPr>
             <p:ph type="body" idx="1"/>
           </p:nvPr>
@@ -11690,7 +12050,7 @@
             </a:r>
           </a:p>
           <a:p>
-            <a:pPr lvl="1" marL="800100" indent="-342900">
+            <a:pPr marL="800100" lvl="1" indent="-342900">
               <a:lnSpc>
                 <a:spcPct val="80000"/>
               </a:lnSpc>
@@ -11708,7 +12068,6 @@
               <a:rPr b="0"/>
               <a:t>be reused inside the outer class</a:t>
             </a:r>
-            <a:endParaRPr b="0"/>
           </a:p>
           <a:p>
             <a:pPr>
@@ -11722,7 +12081,7 @@
             </a:r>
           </a:p>
           <a:p>
-            <a:pPr lvl="1" marL="800100" indent="-342900">
+            <a:pPr marL="800100" lvl="1" indent="-342900">
               <a:lnSpc>
                 <a:spcPct val="80000"/>
               </a:lnSpc>
@@ -11733,10 +12092,9 @@
               <a:rPr b="0"/>
               <a:t>cannot be accessed by name outside the the outer class</a:t>
             </a:r>
-            <a:endParaRPr b="0"/>
-          </a:p>
-          <a:p>
-            <a:pPr lvl="1" marL="800100" indent="-342900">
+          </a:p>
+          <a:p>
+            <a:pPr marL="800100" lvl="1" indent="-342900">
               <a:lnSpc>
                 <a:spcPct val="80000"/>
               </a:lnSpc>
@@ -11747,7 +12105,6 @@
               <a:rPr b="0"/>
               <a:t>should be accessed through the public (package) method</a:t>
             </a:r>
-            <a:endParaRPr b="0"/>
           </a:p>
           <a:p>
             <a:pPr>
@@ -11757,21 +12114,14 @@
             </a:pPr>
             <a:r>
               <a:rPr b="1"/>
-              <a:t>P</a:t>
-            </a:r>
-            <a:r>
-              <a:rPr b="1"/>
-              <a:t>rivate variables and methods </a:t>
-            </a:r>
-            <a:r>
-              <a:t>of i</a:t>
-            </a:r>
-            <a:r>
-              <a:t>nner and outer classes</a:t>
-            </a:r>
-          </a:p>
-          <a:p>
-            <a:pPr lvl="1" marL="800100" indent="-342900">
+              <a:t>Private variables and methods </a:t>
+            </a:r>
+            <a:r>
+              <a:t>of inner and outer classes</a:t>
+            </a:r>
+          </a:p>
+          <a:p>
+            <a:pPr marL="800100" lvl="1" indent="-342900">
               <a:lnSpc>
                 <a:spcPct val="80000"/>
               </a:lnSpc>
@@ -11786,7 +12136,9 @@
       <p:sp>
         <p:nvSpPr>
           <p:cNvPr id="69" name="슬라이드 번호 개체 틀 1"/>
-          <p:cNvSpPr txBox="1"/>
+          <p:cNvSpPr txBox="1">
+            <a:spLocks noGrp="1"/>
+          </p:cNvSpPr>
           <p:nvPr>
             <p:ph type="sldNum" sz="quarter" idx="2"/>
           </p:nvPr>
@@ -11801,7 +12153,7 @@
           </a:prstGeom>
           <a:extLst>
             <a:ext uri="{C572A759-6A51-4108-AA02-DFA0A04FC94B}">
-              <ma14:wrappingTextBoxFlag xmlns:ma14="http://schemas.microsoft.com/office/mac/drawingml/2011/main" val="1"/>
+              <ma14:wrappingTextBoxFlag xmlns:ma14="http://schemas.microsoft.com/office/mac/drawingml/2011/main" xmlns:a14="http://schemas.microsoft.com/office/drawing/2010/main" xmlns:m="http://schemas.openxmlformats.org/officeDocument/2006/math" xmlns="" val="1"/>
             </a:ext>
           </a:extLst>
         </p:spPr>
@@ -11809,8 +12161,11 @@
           <a:bodyPr/>
           <a:lstStyle/>
           <a:p>
-            <a:pPr/>
-            <a:fld id="{86CB4B4D-7CA3-9044-876B-883B54F8677D}" type="slidenum"/>
+            <a:fld id="{86CB4B4D-7CA3-9044-876B-883B54F8677D}" type="slidenum">
+              <a:rPr/>
+              <a:t>7</a:t>
+            </a:fld>
+            <a:endParaRPr/>
           </a:p>
         </p:txBody>
       </p:sp>
@@ -11819,20 +12174,20 @@
   <p:clrMapOvr>
     <a:masterClrMapping/>
   </p:clrMapOvr>
-  <p:transition xmlns:p14="http://schemas.microsoft.com/office/powerpoint/2010/main" spd="med" advClick="1"/>
+  <p:transition spd="med"/>
   <p:timing>
     <p:tnLst>
       <p:par>
-        <p:cTn id="1" nodeType="tmRoot" restart="never" dur="indefinite" fill="hold">
+        <p:cTn id="1" dur="indefinite" restart="never" fill="hold" nodeType="tmRoot">
           <p:childTnLst>
             <p:seq concurrent="1" prevAc="none" nextAc="seek">
-              <p:cTn id="2" nodeType="mainSeq" dur="indefinite" fill="hold">
+              <p:cTn id="2" dur="indefinite" fill="hold" nodeType="mainSeq">
                 <p:childTnLst>
                   <p:par>
                     <p:cTn id="3" fill="hold">
                       <p:stCondLst>
                         <p:cond delay="indefinite"/>
-                        <p:cond evt="onBegin">
+                        <p:cond evt="onBegin" delay="0">
                           <p:tn val="2"/>
                         </p:cond>
                       </p:stCondLst>
@@ -11844,11 +12199,11 @@
                             </p:stCondLst>
                             <p:childTnLst>
                               <p:par>
-                                <p:cTn id="5" presetClass="entr" nodeType="afterEffect" presetSubtype="0" presetID="1" grpId="1" fill="hold">
+                                <p:cTn id="5" presetID="1" presetClass="entr" presetSubtype="0" fill="hold" grpId="1" nodeType="afterEffect">
                                   <p:stCondLst>
                                     <p:cond delay="0"/>
                                   </p:stCondLst>
-                                  <p:iterate type="el" backwards="0">
+                                  <p:iterate>
                                     <p:tmAbs val="0"/>
                                   </p:iterate>
                                   <p:childTnLst>
@@ -11872,11 +12227,11 @@
                                 </p:cTn>
                               </p:par>
                               <p:par>
-                                <p:cTn id="7" presetClass="entr" nodeType="withEffect" presetSubtype="0" presetID="1" grpId="1" fill="hold">
+                                <p:cTn id="7" presetID="1" presetClass="entr" presetSubtype="0" fill="hold" grpId="1" nodeType="withEffect">
                                   <p:stCondLst>
                                     <p:cond delay="0"/>
                                   </p:stCondLst>
-                                  <p:iterate type="el" backwards="0">
+                                  <p:iterate>
                                     <p:tmAbs val="0"/>
                                   </p:iterate>
                                   <p:childTnLst>
@@ -11911,11 +12266,11 @@
                             </p:stCondLst>
                             <p:childTnLst>
                               <p:par>
-                                <p:cTn id="10" presetClass="entr" nodeType="afterEffect" presetSubtype="0" presetID="1" grpId="1" fill="hold">
+                                <p:cTn id="10" presetID="1" presetClass="entr" presetSubtype="0" fill="hold" grpId="1" nodeType="afterEffect">
                                   <p:stCondLst>
                                     <p:cond delay="0"/>
                                   </p:stCondLst>
-                                  <p:iterate type="el" backwards="0">
+                                  <p:iterate>
                                     <p:tmAbs val="0"/>
                                   </p:iterate>
                                   <p:childTnLst>
@@ -11959,11 +12314,11 @@
                             </p:stCondLst>
                             <p:childTnLst>
                               <p:par>
-                                <p:cTn id="14" presetClass="entr" nodeType="clickEffect" presetSubtype="0" presetID="1" grpId="1" fill="hold">
+                                <p:cTn id="14" presetID="1" presetClass="entr" presetSubtype="0" fill="hold" grpId="1" nodeType="clickEffect">
                                   <p:stCondLst>
                                     <p:cond delay="0"/>
                                   </p:stCondLst>
-                                  <p:iterate type="el" backwards="0">
+                                  <p:iterate>
                                     <p:tmAbs val="0"/>
                                   </p:iterate>
                                   <p:childTnLst>
@@ -12007,11 +12362,11 @@
                             </p:stCondLst>
                             <p:childTnLst>
                               <p:par>
-                                <p:cTn id="18" presetClass="entr" nodeType="clickEffect" presetSubtype="0" presetID="1" grpId="1" fill="hold">
+                                <p:cTn id="18" presetID="1" presetClass="entr" presetSubtype="0" fill="hold" grpId="1" nodeType="clickEffect">
                                   <p:stCondLst>
                                     <p:cond delay="0"/>
                                   </p:stCondLst>
-                                  <p:iterate type="el" backwards="0">
+                                  <p:iterate>
                                     <p:tmAbs val="0"/>
                                   </p:iterate>
                                   <p:childTnLst>
@@ -12055,11 +12410,11 @@
                             </p:stCondLst>
                             <p:childTnLst>
                               <p:par>
-                                <p:cTn id="22" presetClass="entr" nodeType="clickEffect" presetSubtype="0" presetID="1" grpId="1" fill="hold">
+                                <p:cTn id="22" presetID="1" presetClass="entr" presetSubtype="0" fill="hold" grpId="1" nodeType="clickEffect">
                                   <p:stCondLst>
                                     <p:cond delay="0"/>
                                   </p:stCondLst>
-                                  <p:iterate type="el" backwards="0">
+                                  <p:iterate>
                                     <p:tmAbs val="0"/>
                                   </p:iterate>
                                   <p:childTnLst>
@@ -12103,11 +12458,11 @@
                             </p:stCondLst>
                             <p:childTnLst>
                               <p:par>
-                                <p:cTn id="26" presetClass="entr" nodeType="clickEffect" presetSubtype="0" presetID="1" grpId="1" fill="hold">
+                                <p:cTn id="26" presetID="1" presetClass="entr" presetSubtype="0" fill="hold" grpId="1" nodeType="clickEffect">
                                   <p:stCondLst>
                                     <p:cond delay="0"/>
                                   </p:stCondLst>
-                                  <p:iterate type="el" backwards="0">
+                                  <p:iterate>
                                     <p:tmAbs val="0"/>
                                   </p:iterate>
                                   <p:childTnLst>
@@ -12151,11 +12506,11 @@
                             </p:stCondLst>
                             <p:childTnLst>
                               <p:par>
-                                <p:cTn id="30" presetClass="entr" nodeType="clickEffect" presetSubtype="0" presetID="1" grpId="1" fill="hold">
+                                <p:cTn id="30" presetID="1" presetClass="entr" presetSubtype="0" fill="hold" grpId="1" nodeType="clickEffect">
                                   <p:stCondLst>
                                     <p:cond delay="0"/>
                                   </p:stCondLst>
-                                  <p:iterate type="el" backwards="0">
+                                  <p:iterate>
                                     <p:tmAbs val="0"/>
                                   </p:iterate>
                                   <p:childTnLst>
@@ -12189,14 +12544,14 @@
                 </p:childTnLst>
               </p:cTn>
               <p:prevCondLst>
-                <p:cond evt="onPrev">
+                <p:cond evt="onPrev" delay="0">
                   <p:tgtEl>
                     <p:sldTgt/>
                   </p:tgtEl>
                 </p:cond>
               </p:prevCondLst>
               <p:nextCondLst>
-                <p:cond evt="onNext">
+                <p:cond evt="onNext" delay="0">
                   <p:tgtEl>
                     <p:sldTgt/>
                   </p:tgtEl>
@@ -12208,14 +12563,14 @@
       </p:par>
     </p:tnLst>
     <p:bldLst>
-      <p:bldP build="p" bldLvl="5" animBg="1" rev="0" advAuto="0" spid="68" grpId="1"/>
+      <p:bldP spid="68" grpId="1" build="p" bldLvl="5" animBg="1" advAuto="0"/>
     </p:bldLst>
   </p:timing>
 </p:sld>
 </file>
 
 <file path=ppt/slides/slide8.xml><?xml version="1.0" encoding="utf-8"?>
-<p:sld xmlns:a="http://schemas.openxmlformats.org/drawingml/2006/main" xmlns:r="http://schemas.openxmlformats.org/officeDocument/2006/relationships" xmlns:p="http://schemas.openxmlformats.org/presentationml/2006/main" xmlns:m="http://schemas.openxmlformats.org/officeDocument/2006/math" xmlns:a14="http://schemas.microsoft.com/office/drawing/2010/main" showMasterSp="1" showMasterPhAnim="1">
+<p:sld xmlns:a="http://schemas.openxmlformats.org/drawingml/2006/main" xmlns:r="http://schemas.openxmlformats.org/officeDocument/2006/relationships" xmlns:p="http://schemas.openxmlformats.org/presentationml/2006/main">
   <p:cSld>
     <p:spTree>
       <p:nvGrpSpPr>
@@ -12234,7 +12589,9 @@
       <p:sp>
         <p:nvSpPr>
           <p:cNvPr id="73" name="Example) Private Inner Class"/>
-          <p:cNvSpPr txBox="1"/>
+          <p:cNvSpPr txBox="1">
+            <a:spLocks noGrp="1"/>
+          </p:cNvSpPr>
           <p:nvPr>
             <p:ph type="title"/>
           </p:nvPr>
@@ -12248,7 +12605,6 @@
           <a:bodyPr/>
           <a:lstStyle/>
           <a:p>
-            <a:pPr/>
             <a:r>
               <a:t>Example) Private Inner Class</a:t>
             </a:r>
@@ -12258,7 +12614,9 @@
       <p:sp>
         <p:nvSpPr>
           <p:cNvPr id="74" name="슬라이드 번호"/>
-          <p:cNvSpPr txBox="1"/>
+          <p:cNvSpPr txBox="1">
+            <a:spLocks noGrp="1"/>
+          </p:cNvSpPr>
           <p:nvPr>
             <p:ph type="sldNum" sz="quarter" idx="2"/>
           </p:nvPr>
@@ -12273,7 +12631,7 @@
           </a:prstGeom>
           <a:extLst>
             <a:ext uri="{C572A759-6A51-4108-AA02-DFA0A04FC94B}">
-              <ma14:wrappingTextBoxFlag xmlns:ma14="http://schemas.microsoft.com/office/mac/drawingml/2011/main" val="1"/>
+              <ma14:wrappingTextBoxFlag xmlns:ma14="http://schemas.microsoft.com/office/mac/drawingml/2011/main" xmlns:a14="http://schemas.microsoft.com/office/drawing/2010/main" xmlns:m="http://schemas.openxmlformats.org/officeDocument/2006/math" xmlns="" val="1"/>
             </a:ext>
           </a:extLst>
         </p:spPr>
@@ -12281,8 +12639,10 @@
           <a:bodyPr/>
           <a:lstStyle/>
           <a:p>
-            <a:pPr/>
-            <a:fld id="{86CB4B4D-7CA3-9044-876B-883B54F8677D}" type="slidenum"/>
+            <a:fld id="{86CB4B4D-7CA3-9044-876B-883B54F8677D}" type="slidenum">
+              <a:t>8</a:t>
+            </a:fld>
+            <a:endParaRPr/>
           </a:p>
         </p:txBody>
       </p:sp>
@@ -12307,7 +12667,7 @@
           </a:ln>
           <a:extLst>
             <a:ext uri="{C572A759-6A51-4108-AA02-DFA0A04FC94B}">
-              <ma14:wrappingTextBoxFlag xmlns:ma14="http://schemas.microsoft.com/office/mac/drawingml/2011/main" val="1"/>
+              <ma14:wrappingTextBoxFlag xmlns:ma14="http://schemas.microsoft.com/office/mac/drawingml/2011/main" xmlns:a14="http://schemas.microsoft.com/office/drawing/2010/main" xmlns:m="http://schemas.openxmlformats.org/officeDocument/2006/math" xmlns="" val="1"/>
             </a:ext>
           </a:extLst>
         </p:spPr>
@@ -12511,6 +12871,7 @@
                 <a:sym typeface="Menlo Regular"/>
               </a:defRPr>
             </a:pPr>
+            <a:endParaRPr/>
           </a:p>
           <a:p>
             <a:pPr defTabSz="502284">
@@ -12771,14 +13132,14 @@
   <p:clrMapOvr>
     <a:masterClrMapping/>
   </p:clrMapOvr>
-  <p:transition xmlns:p14="http://schemas.microsoft.com/office/powerpoint/2010/main" spd="med" advClick="1"/>
+  <p:transition spd="med"/>
   <p:timing>
     <p:tnLst>
       <p:par>
-        <p:cTn id="1" nodeType="tmRoot" restart="never" dur="indefinite" fill="hold">
+        <p:cTn id="1" dur="indefinite" restart="never" fill="hold" nodeType="tmRoot">
           <p:childTnLst>
             <p:seq concurrent="1" prevAc="none" nextAc="seek">
-              <p:cTn id="2" nodeType="mainSeq" dur="indefinite" fill="hold">
+              <p:cTn id="2" dur="indefinite" fill="hold" nodeType="mainSeq">
                 <p:childTnLst>
                   <p:par>
                     <p:cTn id="3" fill="hold">
@@ -12793,11 +13154,11 @@
                             </p:stCondLst>
                             <p:childTnLst>
                               <p:par>
-                                <p:cTn id="5" presetClass="entr" nodeType="clickEffect" presetSubtype="0" presetID="1" grpId="1" fill="hold">
+                                <p:cTn id="5" presetID="1" presetClass="entr" presetSubtype="0" fill="hold" grpId="1" nodeType="clickEffect">
                                   <p:stCondLst>
                                     <p:cond delay="0"/>
                                   </p:stCondLst>
-                                  <p:iterate type="el" backwards="0">
+                                  <p:iterate>
                                     <p:tmAbs val="0"/>
                                   </p:iterate>
                                   <p:childTnLst>
@@ -12821,11 +13182,11 @@
                                 </p:cTn>
                               </p:par>
                               <p:par>
-                                <p:cTn id="7" presetClass="entr" nodeType="withEffect" presetSubtype="0" presetID="1" grpId="1" fill="hold">
+                                <p:cTn id="7" presetID="1" presetClass="entr" presetSubtype="0" fill="hold" grpId="1" nodeType="withEffect">
                                   <p:stCondLst>
                                     <p:cond delay="0"/>
                                   </p:stCondLst>
-                                  <p:iterate type="el" backwards="0">
+                                  <p:iterate>
                                     <p:tmAbs val="0"/>
                                   </p:iterate>
                                   <p:childTnLst>
@@ -12869,11 +13230,11 @@
                             </p:stCondLst>
                             <p:childTnLst>
                               <p:par>
-                                <p:cTn id="11" presetClass="entr" nodeType="clickEffect" presetSubtype="0" presetID="1" grpId="1" fill="hold">
+                                <p:cTn id="11" presetID="1" presetClass="entr" presetSubtype="0" fill="hold" grpId="1" nodeType="clickEffect">
                                   <p:stCondLst>
                                     <p:cond delay="0"/>
                                   </p:stCondLst>
-                                  <p:iterate type="el" backwards="0">
+                                  <p:iterate>
                                     <p:tmAbs val="0"/>
                                   </p:iterate>
                                   <p:childTnLst>
@@ -12917,11 +13278,11 @@
                             </p:stCondLst>
                             <p:childTnLst>
                               <p:par>
-                                <p:cTn id="15" presetClass="entr" nodeType="clickEffect" presetSubtype="0" presetID="1" grpId="1" fill="hold">
+                                <p:cTn id="15" presetID="1" presetClass="entr" presetSubtype="0" fill="hold" grpId="1" nodeType="clickEffect">
                                   <p:stCondLst>
                                     <p:cond delay="0"/>
                                   </p:stCondLst>
-                                  <p:iterate type="el" backwards="0">
+                                  <p:iterate>
                                     <p:tmAbs val="0"/>
                                   </p:iterate>
                                   <p:childTnLst>
@@ -12956,11 +13317,11 @@
                             </p:stCondLst>
                             <p:childTnLst>
                               <p:par>
-                                <p:cTn id="18" presetClass="entr" nodeType="afterEffect" presetSubtype="0" presetID="1" grpId="1" fill="hold">
+                                <p:cTn id="18" presetID="1" presetClass="entr" presetSubtype="0" fill="hold" grpId="1" nodeType="afterEffect">
                                   <p:stCondLst>
                                     <p:cond delay="0"/>
                                   </p:stCondLst>
-                                  <p:iterate type="el" backwards="0">
+                                  <p:iterate>
                                     <p:tmAbs val="0"/>
                                   </p:iterate>
                                   <p:childTnLst>
@@ -12995,11 +13356,11 @@
                             </p:stCondLst>
                             <p:childTnLst>
                               <p:par>
-                                <p:cTn id="21" presetClass="entr" nodeType="afterEffect" presetSubtype="0" presetID="1" grpId="1" fill="hold">
+                                <p:cTn id="21" presetID="1" presetClass="entr" presetSubtype="0" fill="hold" grpId="1" nodeType="afterEffect">
                                   <p:stCondLst>
                                     <p:cond delay="0"/>
                                   </p:stCondLst>
-                                  <p:iterate type="el" backwards="0">
+                                  <p:iterate>
                                     <p:tmAbs val="0"/>
                                   </p:iterate>
                                   <p:childTnLst>
@@ -13034,11 +13395,11 @@
                             </p:stCondLst>
                             <p:childTnLst>
                               <p:par>
-                                <p:cTn id="24" presetClass="entr" nodeType="afterEffect" presetSubtype="0" presetID="1" grpId="1" fill="hold">
+                                <p:cTn id="24" presetID="1" presetClass="entr" presetSubtype="0" fill="hold" grpId="1" nodeType="afterEffect">
                                   <p:stCondLst>
                                     <p:cond delay="0"/>
                                   </p:stCondLst>
-                                  <p:iterate type="el" backwards="0">
+                                  <p:iterate>
                                     <p:tmAbs val="0"/>
                                   </p:iterate>
                                   <p:childTnLst>
@@ -13073,11 +13434,11 @@
                             </p:stCondLst>
                             <p:childTnLst>
                               <p:par>
-                                <p:cTn id="27" presetClass="entr" nodeType="afterEffect" presetSubtype="0" presetID="1" grpId="1" fill="hold">
+                                <p:cTn id="27" presetID="1" presetClass="entr" presetSubtype="0" fill="hold" grpId="1" nodeType="afterEffect">
                                   <p:stCondLst>
                                     <p:cond delay="0"/>
                                   </p:stCondLst>
-                                  <p:iterate type="el" backwards="0">
+                                  <p:iterate>
                                     <p:tmAbs val="0"/>
                                   </p:iterate>
                                   <p:childTnLst>
@@ -13121,11 +13482,11 @@
                             </p:stCondLst>
                             <p:childTnLst>
                               <p:par>
-                                <p:cTn id="31" presetClass="entr" nodeType="clickEffect" presetSubtype="0" presetID="1" grpId="1" fill="hold">
+                                <p:cTn id="31" presetID="1" presetClass="entr" presetSubtype="0" fill="hold" grpId="1" nodeType="clickEffect">
                                   <p:stCondLst>
                                     <p:cond delay="0"/>
                                   </p:stCondLst>
-                                  <p:iterate type="el" backwards="0">
+                                  <p:iterate>
                                     <p:tmAbs val="0"/>
                                   </p:iterate>
                                   <p:childTnLst>
@@ -13160,11 +13521,11 @@
                             </p:stCondLst>
                             <p:childTnLst>
                               <p:par>
-                                <p:cTn id="34" presetClass="entr" nodeType="afterEffect" presetSubtype="0" presetID="1" grpId="1" fill="hold">
+                                <p:cTn id="34" presetID="1" presetClass="entr" presetSubtype="0" fill="hold" grpId="1" nodeType="afterEffect">
                                   <p:stCondLst>
                                     <p:cond delay="0"/>
                                   </p:stCondLst>
-                                  <p:iterate type="el" backwards="0">
+                                  <p:iterate>
                                     <p:tmAbs val="0"/>
                                   </p:iterate>
                                   <p:childTnLst>
@@ -13199,11 +13560,11 @@
                             </p:stCondLst>
                             <p:childTnLst>
                               <p:par>
-                                <p:cTn id="37" presetClass="entr" nodeType="afterEffect" presetSubtype="0" presetID="1" grpId="1" fill="hold">
+                                <p:cTn id="37" presetID="1" presetClass="entr" presetSubtype="0" fill="hold" grpId="1" nodeType="afterEffect">
                                   <p:stCondLst>
                                     <p:cond delay="0"/>
                                   </p:stCondLst>
-                                  <p:iterate type="el" backwards="0">
+                                  <p:iterate>
                                     <p:tmAbs val="0"/>
                                   </p:iterate>
                                   <p:childTnLst>
@@ -13247,11 +13608,11 @@
                             </p:stCondLst>
                             <p:childTnLst>
                               <p:par>
-                                <p:cTn id="41" presetClass="entr" nodeType="clickEffect" presetSubtype="0" presetID="1" grpId="1" fill="hold">
+                                <p:cTn id="41" presetID="1" presetClass="entr" presetSubtype="0" fill="hold" grpId="1" nodeType="clickEffect">
                                   <p:stCondLst>
                                     <p:cond delay="0"/>
                                   </p:stCondLst>
-                                  <p:iterate type="el" backwards="0">
+                                  <p:iterate>
                                     <p:tmAbs val="0"/>
                                   </p:iterate>
                                   <p:childTnLst>
@@ -13295,11 +13656,11 @@
                             </p:stCondLst>
                             <p:childTnLst>
                               <p:par>
-                                <p:cTn id="45" presetClass="entr" nodeType="clickEffect" presetSubtype="0" presetID="1" grpId="1" fill="hold">
+                                <p:cTn id="45" presetID="1" presetClass="entr" presetSubtype="0" fill="hold" grpId="1" nodeType="clickEffect">
                                   <p:stCondLst>
                                     <p:cond delay="0"/>
                                   </p:stCondLst>
-                                  <p:iterate type="el" backwards="0">
+                                  <p:iterate>
                                     <p:tmAbs val="0"/>
                                   </p:iterate>
                                   <p:childTnLst>
@@ -13334,11 +13695,11 @@
                             </p:stCondLst>
                             <p:childTnLst>
                               <p:par>
-                                <p:cTn id="48" presetClass="entr" nodeType="afterEffect" presetSubtype="0" presetID="1" grpId="1" fill="hold">
+                                <p:cTn id="48" presetID="1" presetClass="entr" presetSubtype="0" fill="hold" grpId="1" nodeType="afterEffect">
                                   <p:stCondLst>
                                     <p:cond delay="0"/>
                                   </p:stCondLst>
-                                  <p:iterate type="el" backwards="0">
+                                  <p:iterate>
                                     <p:tmAbs val="0"/>
                                   </p:iterate>
                                   <p:childTnLst>
@@ -13373,11 +13734,11 @@
                             </p:stCondLst>
                             <p:childTnLst>
                               <p:par>
-                                <p:cTn id="51" presetClass="entr" nodeType="afterEffect" presetSubtype="0" presetID="1" grpId="1" fill="hold">
+                                <p:cTn id="51" presetID="1" presetClass="entr" presetSubtype="0" fill="hold" grpId="1" nodeType="afterEffect">
                                   <p:stCondLst>
                                     <p:cond delay="0"/>
                                   </p:stCondLst>
-                                  <p:iterate type="el" backwards="0">
+                                  <p:iterate>
                                     <p:tmAbs val="0"/>
                                   </p:iterate>
                                   <p:childTnLst>
@@ -13412,11 +13773,11 @@
                             </p:stCondLst>
                             <p:childTnLst>
                               <p:par>
-                                <p:cTn id="54" presetClass="entr" nodeType="afterEffect" presetSubtype="0" presetID="1" grpId="1" fill="hold">
+                                <p:cTn id="54" presetID="1" presetClass="entr" presetSubtype="0" fill="hold" grpId="1" nodeType="afterEffect">
                                   <p:stCondLst>
                                     <p:cond delay="0"/>
                                   </p:stCondLst>
-                                  <p:iterate type="el" backwards="0">
+                                  <p:iterate>
                                     <p:tmAbs val="0"/>
                                   </p:iterate>
                                   <p:childTnLst>
@@ -13450,14 +13811,14 @@
                 </p:childTnLst>
               </p:cTn>
               <p:prevCondLst>
-                <p:cond evt="onPrev">
+                <p:cond evt="onPrev" delay="0">
                   <p:tgtEl>
                     <p:sldTgt/>
                   </p:tgtEl>
                 </p:cond>
               </p:prevCondLst>
               <p:nextCondLst>
-                <p:cond evt="onNext">
+                <p:cond evt="onNext" delay="0">
                   <p:tgtEl>
                     <p:sldTgt/>
                   </p:tgtEl>
@@ -13469,14 +13830,14 @@
       </p:par>
     </p:tnLst>
     <p:bldLst>
-      <p:bldP build="p" bldLvl="5" animBg="1" rev="0" advAuto="0" spid="75" grpId="1"/>
+      <p:bldP spid="75" grpId="1" build="p" bldLvl="5" animBg="1" advAuto="0"/>
     </p:bldLst>
   </p:timing>
 </p:sld>
 </file>
 
 <file path=ppt/slides/slide9.xml><?xml version="1.0" encoding="utf-8"?>
-<p:sld xmlns:a="http://schemas.openxmlformats.org/drawingml/2006/main" xmlns:r="http://schemas.openxmlformats.org/officeDocument/2006/relationships" xmlns:p="http://schemas.openxmlformats.org/presentationml/2006/main" xmlns:m="http://schemas.openxmlformats.org/officeDocument/2006/math" xmlns:a14="http://schemas.microsoft.com/office/drawing/2010/main" showMasterSp="1" showMasterPhAnim="1">
+<p:sld xmlns:a="http://schemas.openxmlformats.org/drawingml/2006/main" xmlns:r="http://schemas.openxmlformats.org/officeDocument/2006/relationships" xmlns:p="http://schemas.openxmlformats.org/presentationml/2006/main">
   <p:cSld>
     <p:spTree>
       <p:nvGrpSpPr>
@@ -13495,7 +13856,9 @@
       <p:sp>
         <p:nvSpPr>
           <p:cNvPr id="79" name="Example) Outer, Inner Private Members"/>
-          <p:cNvSpPr txBox="1"/>
+          <p:cNvSpPr txBox="1">
+            <a:spLocks noGrp="1"/>
+          </p:cNvSpPr>
           <p:nvPr>
             <p:ph type="title"/>
           </p:nvPr>
@@ -13509,7 +13872,6 @@
           <a:bodyPr/>
           <a:lstStyle/>
           <a:p>
-            <a:pPr/>
             <a:r>
               <a:t>Example) Outer, Inner Private Members</a:t>
             </a:r>
@@ -13519,7 +13881,9 @@
       <p:sp>
         <p:nvSpPr>
           <p:cNvPr id="80" name="슬라이드 번호"/>
-          <p:cNvSpPr txBox="1"/>
+          <p:cNvSpPr txBox="1">
+            <a:spLocks noGrp="1"/>
+          </p:cNvSpPr>
           <p:nvPr>
             <p:ph type="sldNum" sz="quarter" idx="2"/>
           </p:nvPr>
@@ -13534,7 +13898,7 @@
           </a:prstGeom>
           <a:extLst>
             <a:ext uri="{C572A759-6A51-4108-AA02-DFA0A04FC94B}">
-              <ma14:wrappingTextBoxFlag xmlns:ma14="http://schemas.microsoft.com/office/mac/drawingml/2011/main" val="1"/>
+              <ma14:wrappingTextBoxFlag xmlns:ma14="http://schemas.microsoft.com/office/mac/drawingml/2011/main" xmlns:a14="http://schemas.microsoft.com/office/drawing/2010/main" xmlns:m="http://schemas.openxmlformats.org/officeDocument/2006/math" xmlns="" val="1"/>
             </a:ext>
           </a:extLst>
         </p:spPr>
@@ -13542,8 +13906,10 @@
           <a:bodyPr/>
           <a:lstStyle/>
           <a:p>
-            <a:pPr/>
-            <a:fld id="{86CB4B4D-7CA3-9044-876B-883B54F8677D}" type="slidenum"/>
+            <a:fld id="{86CB4B4D-7CA3-9044-876B-883B54F8677D}" type="slidenum">
+              <a:t>9</a:t>
+            </a:fld>
+            <a:endParaRPr/>
           </a:p>
         </p:txBody>
       </p:sp>
@@ -13568,7 +13934,7 @@
           </a:ln>
           <a:extLst>
             <a:ext uri="{C572A759-6A51-4108-AA02-DFA0A04FC94B}">
-              <ma14:wrappingTextBoxFlag xmlns:ma14="http://schemas.microsoft.com/office/mac/drawingml/2011/main" val="1"/>
+              <ma14:wrappingTextBoxFlag xmlns:ma14="http://schemas.microsoft.com/office/mac/drawingml/2011/main" xmlns:a14="http://schemas.microsoft.com/office/drawing/2010/main" xmlns:m="http://schemas.openxmlformats.org/officeDocument/2006/math" xmlns="" val="1"/>
             </a:ext>
           </a:extLst>
         </p:spPr>
@@ -13969,14 +14335,14 @@
   <p:clrMapOvr>
     <a:masterClrMapping/>
   </p:clrMapOvr>
-  <p:transition xmlns:p14="http://schemas.microsoft.com/office/powerpoint/2010/main" spd="med" advClick="1"/>
+  <p:transition spd="med"/>
   <p:timing>
     <p:tnLst>
       <p:par>
-        <p:cTn id="1" nodeType="tmRoot" restart="never" dur="indefinite" fill="hold">
+        <p:cTn id="1" dur="indefinite" restart="never" fill="hold" nodeType="tmRoot">
           <p:childTnLst>
             <p:seq concurrent="1" prevAc="none" nextAc="seek">
-              <p:cTn id="2" nodeType="mainSeq" dur="indefinite" fill="hold">
+              <p:cTn id="2" dur="indefinite" fill="hold" nodeType="mainSeq">
                 <p:childTnLst>
                   <p:par>
                     <p:cTn id="3" fill="hold">
@@ -13991,11 +14357,11 @@
                             </p:stCondLst>
                             <p:childTnLst>
                               <p:par>
-                                <p:cTn id="5" presetClass="entr" nodeType="clickEffect" presetSubtype="0" presetID="1" grpId="1" fill="hold">
+                                <p:cTn id="5" presetID="1" presetClass="entr" presetSubtype="0" fill="hold" grpId="1" nodeType="clickEffect">
                                   <p:stCondLst>
                                     <p:cond delay="0"/>
                                   </p:stCondLst>
-                                  <p:iterate type="el" backwards="0">
+                                  <p:iterate>
                                     <p:tmAbs val="0"/>
                                   </p:iterate>
                                   <p:childTnLst>
@@ -14019,11 +14385,11 @@
                                 </p:cTn>
                               </p:par>
                               <p:par>
-                                <p:cTn id="7" presetClass="entr" nodeType="withEffect" presetSubtype="0" presetID="1" grpId="1" fill="hold">
+                                <p:cTn id="7" presetID="1" presetClass="entr" presetSubtype="0" fill="hold" grpId="1" nodeType="withEffect">
                                   <p:stCondLst>
                                     <p:cond delay="0"/>
                                   </p:stCondLst>
-                                  <p:iterate type="el" backwards="0">
+                                  <p:iterate>
                                     <p:tmAbs val="0"/>
                                   </p:iterate>
                                   <p:childTnLst>
@@ -14058,11 +14424,11 @@
                             </p:stCondLst>
                             <p:childTnLst>
                               <p:par>
-                                <p:cTn id="10" presetClass="entr" nodeType="afterEffect" presetSubtype="0" presetID="1" grpId="1" fill="hold">
+                                <p:cTn id="10" presetID="1" presetClass="entr" presetSubtype="0" fill="hold" grpId="1" nodeType="afterEffect">
                                   <p:stCondLst>
                                     <p:cond delay="0"/>
                                   </p:stCondLst>
-                                  <p:iterate type="el" backwards="0">
+                                  <p:iterate>
                                     <p:tmAbs val="0"/>
                                   </p:iterate>
                                   <p:childTnLst>
@@ -14106,11 +14472,11 @@
                             </p:stCondLst>
                             <p:childTnLst>
                               <p:par>
-                                <p:cTn id="14" presetClass="entr" nodeType="clickEffect" presetSubtype="0" presetID="1" grpId="1" fill="hold">
+                                <p:cTn id="14" presetID="1" presetClass="entr" presetSubtype="0" fill="hold" grpId="1" nodeType="clickEffect">
                                   <p:stCondLst>
                                     <p:cond delay="0"/>
                                   </p:stCondLst>
-                                  <p:iterate type="el" backwards="0">
+                                  <p:iterate>
                                     <p:tmAbs val="0"/>
                                   </p:iterate>
                                   <p:childTnLst>
@@ -14145,11 +14511,11 @@
                             </p:stCondLst>
                             <p:childTnLst>
                               <p:par>
-                                <p:cTn id="17" presetClass="entr" nodeType="afterEffect" presetSubtype="0" presetID="1" grpId="1" fill="hold">
+                                <p:cTn id="17" presetID="1" presetClass="entr" presetSubtype="0" fill="hold" grpId="1" nodeType="afterEffect">
                                   <p:stCondLst>
                                     <p:cond delay="0"/>
                                   </p:stCondLst>
-                                  <p:iterate type="el" backwards="0">
+                                  <p:iterate>
                                     <p:tmAbs val="0"/>
                                   </p:iterate>
                                   <p:childTnLst>
@@ -14193,11 +14559,11 @@
                             </p:stCondLst>
                             <p:childTnLst>
                               <p:par>
-                                <p:cTn id="21" presetClass="entr" nodeType="clickEffect" presetSubtype="0" presetID="1" grpId="1" fill="hold">
+                                <p:cTn id="21" presetID="1" presetClass="entr" presetSubtype="0" fill="hold" grpId="1" nodeType="clickEffect">
                                   <p:stCondLst>
                                     <p:cond delay="0"/>
                                   </p:stCondLst>
-                                  <p:iterate type="el" backwards="0">
+                                  <p:iterate>
                                     <p:tmAbs val="0"/>
                                   </p:iterate>
                                   <p:childTnLst>
@@ -14232,11 +14598,11 @@
                             </p:stCondLst>
                             <p:childTnLst>
                               <p:par>
-                                <p:cTn id="24" presetClass="entr" nodeType="afterEffect" presetSubtype="0" presetID="1" grpId="1" fill="hold">
+                                <p:cTn id="24" presetID="1" presetClass="entr" presetSubtype="0" fill="hold" grpId="1" nodeType="afterEffect">
                                   <p:stCondLst>
                                     <p:cond delay="0"/>
                                   </p:stCondLst>
-                                  <p:iterate type="el" backwards="0">
+                                  <p:iterate>
                                     <p:tmAbs val="0"/>
                                   </p:iterate>
                                   <p:childTnLst>
@@ -14271,11 +14637,11 @@
                             </p:stCondLst>
                             <p:childTnLst>
                               <p:par>
-                                <p:cTn id="27" presetClass="entr" nodeType="afterEffect" presetSubtype="0" presetID="1" grpId="1" fill="hold">
+                                <p:cTn id="27" presetID="1" presetClass="entr" presetSubtype="0" fill="hold" grpId="1" nodeType="afterEffect">
                                   <p:stCondLst>
                                     <p:cond delay="0"/>
                                   </p:stCondLst>
-                                  <p:iterate type="el" backwards="0">
+                                  <p:iterate>
                                     <p:tmAbs val="0"/>
                                   </p:iterate>
                                   <p:childTnLst>
@@ -14310,11 +14676,11 @@
                             </p:stCondLst>
                             <p:childTnLst>
                               <p:par>
-                                <p:cTn id="30" presetClass="entr" nodeType="afterEffect" presetSubtype="0" presetID="1" grpId="1" fill="hold">
+                                <p:cTn id="30" presetID="1" presetClass="entr" presetSubtype="0" fill="hold" grpId="1" nodeType="afterEffect">
                                   <p:stCondLst>
                                     <p:cond delay="0"/>
                                   </p:stCondLst>
-                                  <p:iterate type="el" backwards="0">
+                                  <p:iterate>
                                     <p:tmAbs val="0"/>
                                   </p:iterate>
                                   <p:childTnLst>
@@ -14358,11 +14724,11 @@
                             </p:stCondLst>
                             <p:childTnLst>
                               <p:par>
-                                <p:cTn id="34" presetClass="entr" nodeType="clickEffect" presetSubtype="0" presetID="1" grpId="1" fill="hold">
+                                <p:cTn id="34" presetID="1" presetClass="entr" presetSubtype="0" fill="hold" grpId="1" nodeType="clickEffect">
                                   <p:stCondLst>
                                     <p:cond delay="0"/>
                                   </p:stCondLst>
-                                  <p:iterate type="el" backwards="0">
+                                  <p:iterate>
                                     <p:tmAbs val="0"/>
                                   </p:iterate>
                                   <p:childTnLst>
@@ -14397,11 +14763,11 @@
                             </p:stCondLst>
                             <p:childTnLst>
                               <p:par>
-                                <p:cTn id="37" presetClass="entr" nodeType="afterEffect" presetSubtype="0" presetID="1" grpId="1" fill="hold">
+                                <p:cTn id="37" presetID="1" presetClass="entr" presetSubtype="0" fill="hold" grpId="1" nodeType="afterEffect">
                                   <p:stCondLst>
                                     <p:cond delay="0"/>
                                   </p:stCondLst>
-                                  <p:iterate type="el" backwards="0">
+                                  <p:iterate>
                                     <p:tmAbs val="0"/>
                                   </p:iterate>
                                   <p:childTnLst>
@@ -14445,11 +14811,11 @@
                             </p:stCondLst>
                             <p:childTnLst>
                               <p:par>
-                                <p:cTn id="41" presetClass="entr" nodeType="clickEffect" presetSubtype="0" presetID="1" grpId="1" fill="hold">
+                                <p:cTn id="41" presetID="1" presetClass="entr" presetSubtype="0" fill="hold" grpId="1" nodeType="clickEffect">
                                   <p:stCondLst>
                                     <p:cond delay="0"/>
                                   </p:stCondLst>
-                                  <p:iterate type="el" backwards="0">
+                                  <p:iterate>
                                     <p:tmAbs val="0"/>
                                   </p:iterate>
                                   <p:childTnLst>
@@ -14484,11 +14850,11 @@
                             </p:stCondLst>
                             <p:childTnLst>
                               <p:par>
-                                <p:cTn id="44" presetClass="entr" nodeType="afterEffect" presetSubtype="0" presetID="1" grpId="1" fill="hold">
+                                <p:cTn id="44" presetID="1" presetClass="entr" presetSubtype="0" fill="hold" grpId="1" nodeType="afterEffect">
                                   <p:stCondLst>
                                     <p:cond delay="0"/>
                                   </p:stCondLst>
-                                  <p:iterate type="el" backwards="0">
+                                  <p:iterate>
                                     <p:tmAbs val="0"/>
                                   </p:iterate>
                                   <p:childTnLst>
@@ -14523,11 +14889,11 @@
                             </p:stCondLst>
                             <p:childTnLst>
                               <p:par>
-                                <p:cTn id="47" presetClass="entr" nodeType="afterEffect" presetSubtype="0" presetID="1" grpId="1" fill="hold">
+                                <p:cTn id="47" presetID="1" presetClass="entr" presetSubtype="0" fill="hold" grpId="1" nodeType="afterEffect">
                                   <p:stCondLst>
                                     <p:cond delay="0"/>
                                   </p:stCondLst>
-                                  <p:iterate type="el" backwards="0">
+                                  <p:iterate>
                                     <p:tmAbs val="0"/>
                                   </p:iterate>
                                   <p:childTnLst>
@@ -14561,14 +14927,14 @@
                 </p:childTnLst>
               </p:cTn>
               <p:prevCondLst>
-                <p:cond evt="onPrev">
+                <p:cond evt="onPrev" delay="0">
                   <p:tgtEl>
                     <p:sldTgt/>
                   </p:tgtEl>
                 </p:cond>
               </p:prevCondLst>
               <p:nextCondLst>
-                <p:cond evt="onNext">
+                <p:cond evt="onNext" delay="0">
                   <p:tgtEl>
                     <p:sldTgt/>
                   </p:tgtEl>
@@ -14580,14 +14946,14 @@
       </p:par>
     </p:tnLst>
     <p:bldLst>
-      <p:bldP build="p" bldLvl="5" animBg="1" rev="0" advAuto="0" spid="81" grpId="1"/>
+      <p:bldP spid="81" grpId="1" build="p" bldLvl="5" animBg="1" advAuto="0"/>
     </p:bldLst>
   </p:timing>
 </p:sld>
 </file>
 
 <file path=ppt/theme/theme1.xml><?xml version="1.0" encoding="utf-8"?>
-<a:theme xmlns:a="http://schemas.openxmlformats.org/drawingml/2006/main" xmlns:r="http://schemas.openxmlformats.org/officeDocument/2006/relationships" name="Office 테마">
+<a:theme xmlns:a="http://schemas.openxmlformats.org/drawingml/2006/main" name="Office 테마">
   <a:themeElements>
     <a:clrScheme name="Office 테마">
       <a:dk1>
@@ -14789,7 +15155,7 @@
         <a:effectLst/>
         <a:sp3d/>
       </a:spPr>
-      <a:bodyPr rot="0" spcFirstLastPara="1" vertOverflow="overflow" horzOverflow="overflow" vert="horz" wrap="square" lIns="45718" tIns="45718" rIns="45718" bIns="45718" numCol="1" spcCol="38100" rtlCol="0" anchor="ctr" upright="0">
+      <a:bodyPr rot="0" spcFirstLastPara="1" vertOverflow="overflow" horzOverflow="overflow" vert="horz" wrap="square" lIns="45718" tIns="45718" rIns="45718" bIns="45718" numCol="1" spcCol="38100" rtlCol="0" anchor="ctr">
         <a:spAutoFit/>
       </a:bodyPr>
       <a:lstStyle>
@@ -14808,7 +15174,7 @@
           <a:buFontTx/>
           <a:buNone/>
           <a:tabLst/>
-          <a:defRPr b="0" baseline="0" cap="none" i="0" spc="0" strike="noStrike" sz="1800" u="none" kumimoji="0" normalizeH="0">
+          <a:defRPr kumimoji="0" sz="1800" b="0" i="0" u="none" strike="noStrike" cap="none" spc="0" normalizeH="0" baseline="0">
             <a:ln>
               <a:noFill/>
             </a:ln>
@@ -14838,7 +15204,7 @@
           <a:buFontTx/>
           <a:buNone/>
           <a:tabLst/>
-          <a:defRPr b="0" baseline="0" cap="none" i="0" spc="0" strike="noStrike" sz="1800" u="none" kumimoji="0" normalizeH="0">
+          <a:defRPr kumimoji="0" sz="1800" b="0" i="0" u="none" strike="noStrike" cap="none" spc="0" normalizeH="0" baseline="0">
             <a:ln>
               <a:noFill/>
             </a:ln>
@@ -14864,7 +15230,7 @@
           <a:buFontTx/>
           <a:buNone/>
           <a:tabLst/>
-          <a:defRPr b="0" baseline="0" cap="none" i="0" spc="0" strike="noStrike" sz="1800" u="none" kumimoji="0" normalizeH="0">
+          <a:defRPr kumimoji="0" sz="1800" b="0" i="0" u="none" strike="noStrike" cap="none" spc="0" normalizeH="0" baseline="0">
             <a:ln>
               <a:noFill/>
             </a:ln>
@@ -14890,7 +15256,7 @@
           <a:buFontTx/>
           <a:buNone/>
           <a:tabLst/>
-          <a:defRPr b="0" baseline="0" cap="none" i="0" spc="0" strike="noStrike" sz="1800" u="none" kumimoji="0" normalizeH="0">
+          <a:defRPr kumimoji="0" sz="1800" b="0" i="0" u="none" strike="noStrike" cap="none" spc="0" normalizeH="0" baseline="0">
             <a:ln>
               <a:noFill/>
             </a:ln>
@@ -14916,7 +15282,7 @@
           <a:buFontTx/>
           <a:buNone/>
           <a:tabLst/>
-          <a:defRPr b="0" baseline="0" cap="none" i="0" spc="0" strike="noStrike" sz="1800" u="none" kumimoji="0" normalizeH="0">
+          <a:defRPr kumimoji="0" sz="1800" b="0" i="0" u="none" strike="noStrike" cap="none" spc="0" normalizeH="0" baseline="0">
             <a:ln>
               <a:noFill/>
             </a:ln>
@@ -14942,7 +15308,7 @@
           <a:buFontTx/>
           <a:buNone/>
           <a:tabLst/>
-          <a:defRPr b="0" baseline="0" cap="none" i="0" spc="0" strike="noStrike" sz="1800" u="none" kumimoji="0" normalizeH="0">
+          <a:defRPr kumimoji="0" sz="1800" b="0" i="0" u="none" strike="noStrike" cap="none" spc="0" normalizeH="0" baseline="0">
             <a:ln>
               <a:noFill/>
             </a:ln>
@@ -14968,7 +15334,7 @@
           <a:buFontTx/>
           <a:buNone/>
           <a:tabLst/>
-          <a:defRPr b="0" baseline="0" cap="none" i="0" spc="0" strike="noStrike" sz="1800" u="none" kumimoji="0" normalizeH="0">
+          <a:defRPr kumimoji="0" sz="1800" b="0" i="0" u="none" strike="noStrike" cap="none" spc="0" normalizeH="0" baseline="0">
             <a:ln>
               <a:noFill/>
             </a:ln>
@@ -14994,7 +15360,7 @@
           <a:buFontTx/>
           <a:buNone/>
           <a:tabLst/>
-          <a:defRPr b="0" baseline="0" cap="none" i="0" spc="0" strike="noStrike" sz="1800" u="none" kumimoji="0" normalizeH="0">
+          <a:defRPr kumimoji="0" sz="1800" b="0" i="0" u="none" strike="noStrike" cap="none" spc="0" normalizeH="0" baseline="0">
             <a:ln>
               <a:noFill/>
             </a:ln>
@@ -15020,7 +15386,7 @@
           <a:buFontTx/>
           <a:buNone/>
           <a:tabLst/>
-          <a:defRPr b="0" baseline="0" cap="none" i="0" spc="0" strike="noStrike" sz="1800" u="none" kumimoji="0" normalizeH="0">
+          <a:defRPr kumimoji="0" sz="1800" b="0" i="0" u="none" strike="noStrike" cap="none" spc="0" normalizeH="0" baseline="0">
             <a:ln>
               <a:noFill/>
             </a:ln>
@@ -15046,7 +15412,7 @@
           <a:buFontTx/>
           <a:buNone/>
           <a:tabLst/>
-          <a:defRPr b="0" baseline="0" cap="none" i="0" spc="0" strike="noStrike" sz="1800" u="none" kumimoji="0" normalizeH="0">
+          <a:defRPr kumimoji="0" sz="1800" b="0" i="0" u="none" strike="noStrike" cap="none" spc="0" normalizeH="0" baseline="0">
             <a:ln>
               <a:noFill/>
             </a:ln>
@@ -15059,9 +15425,15 @@
         </a:lvl9pPr>
       </a:lstStyle>
       <a:style>
-        <a:lnRef idx="0"/>
-        <a:fillRef idx="0"/>
-        <a:effectRef idx="0"/>
+        <a:lnRef idx="0">
+          <a:scrgbClr r="0" g="0" b="0"/>
+        </a:lnRef>
+        <a:fillRef idx="0">
+          <a:scrgbClr r="0" g="0" b="0"/>
+        </a:fillRef>
+        <a:effectRef idx="0">
+          <a:scrgbClr r="0" g="0" b="0"/>
+        </a:effectRef>
         <a:fontRef idx="none"/>
       </a:style>
     </a:spDef>
@@ -15078,7 +15450,7 @@
         <a:effectLst/>
         <a:sp3d/>
       </a:spPr>
-      <a:bodyPr rot="0" spcFirstLastPara="1" vertOverflow="overflow" horzOverflow="overflow" vert="horz" wrap="square" lIns="91439" tIns="45719" rIns="91439" bIns="45719" numCol="1" spcCol="38100" rtlCol="0" anchor="t" upright="0">
+      <a:bodyPr rot="0" spcFirstLastPara="1" vertOverflow="overflow" horzOverflow="overflow" vert="horz" wrap="square" lIns="91439" tIns="45719" rIns="91439" bIns="45719" numCol="1" spcCol="38100" rtlCol="0" anchor="t">
         <a:noAutofit/>
       </a:bodyPr>
       <a:lstStyle>
@@ -15097,7 +15469,7 @@
           <a:buFontTx/>
           <a:buNone/>
           <a:tabLst/>
-          <a:defRPr b="0" baseline="0" cap="none" i="0" spc="0" strike="noStrike" sz="1800" u="none" kumimoji="0" normalizeH="0">
+          <a:defRPr kumimoji="0" sz="1800" b="0" i="0" u="none" strike="noStrike" cap="none" spc="0" normalizeH="0" baseline="0">
             <a:ln>
               <a:noFill/>
             </a:ln>
@@ -15123,7 +15495,7 @@
           <a:buFontTx/>
           <a:buNone/>
           <a:tabLst/>
-          <a:defRPr b="0" baseline="0" cap="none" i="0" spc="0" strike="noStrike" sz="1800" u="none" kumimoji="0" normalizeH="0">
+          <a:defRPr kumimoji="0" sz="1800" b="0" i="0" u="none" strike="noStrike" cap="none" spc="0" normalizeH="0" baseline="0">
             <a:ln>
               <a:noFill/>
             </a:ln>
@@ -15149,7 +15521,7 @@
           <a:buFontTx/>
           <a:buNone/>
           <a:tabLst/>
-          <a:defRPr b="0" baseline="0" cap="none" i="0" spc="0" strike="noStrike" sz="1800" u="none" kumimoji="0" normalizeH="0">
+          <a:defRPr kumimoji="0" sz="1800" b="0" i="0" u="none" strike="noStrike" cap="none" spc="0" normalizeH="0" baseline="0">
             <a:ln>
               <a:noFill/>
             </a:ln>
@@ -15175,7 +15547,7 @@
           <a:buFontTx/>
           <a:buNone/>
           <a:tabLst/>
-          <a:defRPr b="0" baseline="0" cap="none" i="0" spc="0" strike="noStrike" sz="1800" u="none" kumimoji="0" normalizeH="0">
+          <a:defRPr kumimoji="0" sz="1800" b="0" i="0" u="none" strike="noStrike" cap="none" spc="0" normalizeH="0" baseline="0">
             <a:ln>
               <a:noFill/>
             </a:ln>
@@ -15201,7 +15573,7 @@
           <a:buFontTx/>
           <a:buNone/>
           <a:tabLst/>
-          <a:defRPr b="0" baseline="0" cap="none" i="0" spc="0" strike="noStrike" sz="1800" u="none" kumimoji="0" normalizeH="0">
+          <a:defRPr kumimoji="0" sz="1800" b="0" i="0" u="none" strike="noStrike" cap="none" spc="0" normalizeH="0" baseline="0">
             <a:ln>
               <a:noFill/>
             </a:ln>
@@ -15227,7 +15599,7 @@
           <a:buFontTx/>
           <a:buNone/>
           <a:tabLst/>
-          <a:defRPr b="0" baseline="0" cap="none" i="0" spc="0" strike="noStrike" sz="1800" u="none" kumimoji="0" normalizeH="0">
+          <a:defRPr kumimoji="0" sz="1800" b="0" i="0" u="none" strike="noStrike" cap="none" spc="0" normalizeH="0" baseline="0">
             <a:ln>
               <a:noFill/>
             </a:ln>
@@ -15253,7 +15625,7 @@
           <a:buFontTx/>
           <a:buNone/>
           <a:tabLst/>
-          <a:defRPr b="0" baseline="0" cap="none" i="0" spc="0" strike="noStrike" sz="1800" u="none" kumimoji="0" normalizeH="0">
+          <a:defRPr kumimoji="0" sz="1800" b="0" i="0" u="none" strike="noStrike" cap="none" spc="0" normalizeH="0" baseline="0">
             <a:ln>
               <a:noFill/>
             </a:ln>
@@ -15279,7 +15651,7 @@
           <a:buFontTx/>
           <a:buNone/>
           <a:tabLst/>
-          <a:defRPr b="0" baseline="0" cap="none" i="0" spc="0" strike="noStrike" sz="1800" u="none" kumimoji="0" normalizeH="0">
+          <a:defRPr kumimoji="0" sz="1800" b="0" i="0" u="none" strike="noStrike" cap="none" spc="0" normalizeH="0" baseline="0">
             <a:ln>
               <a:noFill/>
             </a:ln>
@@ -15305,7 +15677,7 @@
           <a:buFontTx/>
           <a:buNone/>
           <a:tabLst/>
-          <a:defRPr b="0" baseline="0" cap="none" i="0" spc="0" strike="noStrike" sz="1800" u="none" kumimoji="0" normalizeH="0">
+          <a:defRPr kumimoji="0" sz="1800" b="0" i="0" u="none" strike="noStrike" cap="none" spc="0" normalizeH="0" baseline="0">
             <a:ln>
               <a:noFill/>
             </a:ln>
@@ -15331,7 +15703,7 @@
           <a:buFontTx/>
           <a:buNone/>
           <a:tabLst/>
-          <a:defRPr b="0" baseline="0" cap="none" i="0" spc="0" strike="noStrike" sz="1800" u="none" kumimoji="0" normalizeH="0">
+          <a:defRPr kumimoji="0" sz="1800" b="0" i="0" u="none" strike="noStrike" cap="none" spc="0" normalizeH="0" baseline="0">
             <a:ln>
               <a:noFill/>
             </a:ln>
@@ -15344,9 +15716,15 @@
         </a:lvl9pPr>
       </a:lstStyle>
       <a:style>
-        <a:lnRef idx="0"/>
-        <a:fillRef idx="0"/>
-        <a:effectRef idx="0"/>
+        <a:lnRef idx="0">
+          <a:scrgbClr r="0" g="0" b="0"/>
+        </a:lnRef>
+        <a:fillRef idx="0">
+          <a:scrgbClr r="0" g="0" b="0"/>
+        </a:fillRef>
+        <a:effectRef idx="0">
+          <a:scrgbClr r="0" g="0" b="0"/>
+        </a:effectRef>
         <a:fontRef idx="none"/>
       </a:style>
     </a:lnDef>
@@ -15360,7 +15738,7 @@
         <a:effectLst/>
         <a:sp3d/>
       </a:spPr>
-      <a:bodyPr rot="0" spcFirstLastPara="1" vertOverflow="overflow" horzOverflow="overflow" vert="horz" wrap="square" lIns="45718" tIns="45718" rIns="45718" bIns="45718" numCol="1" spcCol="38100" rtlCol="0" anchor="ctr" upright="0">
+      <a:bodyPr rot="0" spcFirstLastPara="1" vertOverflow="overflow" horzOverflow="overflow" vert="horz" wrap="square" lIns="45718" tIns="45718" rIns="45718" bIns="45718" numCol="1" spcCol="38100" rtlCol="0" anchor="ctr">
         <a:spAutoFit/>
       </a:bodyPr>
       <a:lstStyle>
@@ -15379,7 +15757,7 @@
           <a:buFontTx/>
           <a:buNone/>
           <a:tabLst/>
-          <a:defRPr b="0" baseline="0" cap="none" i="0" spc="0" strike="noStrike" sz="1800" u="none" kumimoji="0" normalizeH="0">
+          <a:defRPr kumimoji="0" sz="1800" b="0" i="0" u="none" strike="noStrike" cap="none" spc="0" normalizeH="0" baseline="0">
             <a:ln>
               <a:noFill/>
             </a:ln>
@@ -15409,7 +15787,7 @@
           <a:buFontTx/>
           <a:buNone/>
           <a:tabLst/>
-          <a:defRPr b="0" baseline="0" cap="none" i="0" spc="0" strike="noStrike" sz="1800" u="none" kumimoji="0" normalizeH="0">
+          <a:defRPr kumimoji="0" sz="1800" b="0" i="0" u="none" strike="noStrike" cap="none" spc="0" normalizeH="0" baseline="0">
             <a:ln>
               <a:noFill/>
             </a:ln>
@@ -15435,7 +15813,7 @@
           <a:buFontTx/>
           <a:buNone/>
           <a:tabLst/>
-          <a:defRPr b="0" baseline="0" cap="none" i="0" spc="0" strike="noStrike" sz="1800" u="none" kumimoji="0" normalizeH="0">
+          <a:defRPr kumimoji="0" sz="1800" b="0" i="0" u="none" strike="noStrike" cap="none" spc="0" normalizeH="0" baseline="0">
             <a:ln>
               <a:noFill/>
             </a:ln>
@@ -15461,7 +15839,7 @@
           <a:buFontTx/>
           <a:buNone/>
           <a:tabLst/>
-          <a:defRPr b="0" baseline="0" cap="none" i="0" spc="0" strike="noStrike" sz="1800" u="none" kumimoji="0" normalizeH="0">
+          <a:defRPr kumimoji="0" sz="1800" b="0" i="0" u="none" strike="noStrike" cap="none" spc="0" normalizeH="0" baseline="0">
             <a:ln>
               <a:noFill/>
             </a:ln>
@@ -15487,7 +15865,7 @@
           <a:buFontTx/>
           <a:buNone/>
           <a:tabLst/>
-          <a:defRPr b="0" baseline="0" cap="none" i="0" spc="0" strike="noStrike" sz="1800" u="none" kumimoji="0" normalizeH="0">
+          <a:defRPr kumimoji="0" sz="1800" b="0" i="0" u="none" strike="noStrike" cap="none" spc="0" normalizeH="0" baseline="0">
             <a:ln>
               <a:noFill/>
             </a:ln>
@@ -15513,7 +15891,7 @@
           <a:buFontTx/>
           <a:buNone/>
           <a:tabLst/>
-          <a:defRPr b="0" baseline="0" cap="none" i="0" spc="0" strike="noStrike" sz="1800" u="none" kumimoji="0" normalizeH="0">
+          <a:defRPr kumimoji="0" sz="1800" b="0" i="0" u="none" strike="noStrike" cap="none" spc="0" normalizeH="0" baseline="0">
             <a:ln>
               <a:noFill/>
             </a:ln>
@@ -15539,7 +15917,7 @@
           <a:buFontTx/>
           <a:buNone/>
           <a:tabLst/>
-          <a:defRPr b="0" baseline="0" cap="none" i="0" spc="0" strike="noStrike" sz="1800" u="none" kumimoji="0" normalizeH="0">
+          <a:defRPr kumimoji="0" sz="1800" b="0" i="0" u="none" strike="noStrike" cap="none" spc="0" normalizeH="0" baseline="0">
             <a:ln>
               <a:noFill/>
             </a:ln>
@@ -15565,7 +15943,7 @@
           <a:buFontTx/>
           <a:buNone/>
           <a:tabLst/>
-          <a:defRPr b="0" baseline="0" cap="none" i="0" spc="0" strike="noStrike" sz="1800" u="none" kumimoji="0" normalizeH="0">
+          <a:defRPr kumimoji="0" sz="1800" b="0" i="0" u="none" strike="noStrike" cap="none" spc="0" normalizeH="0" baseline="0">
             <a:ln>
               <a:noFill/>
             </a:ln>
@@ -15591,7 +15969,7 @@
           <a:buFontTx/>
           <a:buNone/>
           <a:tabLst/>
-          <a:defRPr b="0" baseline="0" cap="none" i="0" spc="0" strike="noStrike" sz="1800" u="none" kumimoji="0" normalizeH="0">
+          <a:defRPr kumimoji="0" sz="1800" b="0" i="0" u="none" strike="noStrike" cap="none" spc="0" normalizeH="0" baseline="0">
             <a:ln>
               <a:noFill/>
             </a:ln>
@@ -15617,7 +15995,7 @@
           <a:buFontTx/>
           <a:buNone/>
           <a:tabLst/>
-          <a:defRPr b="0" baseline="0" cap="none" i="0" spc="0" strike="noStrike" sz="1800" u="none" kumimoji="0" normalizeH="0">
+          <a:defRPr kumimoji="0" sz="1800" b="0" i="0" u="none" strike="noStrike" cap="none" spc="0" normalizeH="0" baseline="0">
             <a:ln>
               <a:noFill/>
             </a:ln>
@@ -15630,18 +16008,25 @@
         </a:lvl9pPr>
       </a:lstStyle>
       <a:style>
-        <a:lnRef idx="0"/>
-        <a:fillRef idx="0"/>
-        <a:effectRef idx="0"/>
+        <a:lnRef idx="0">
+          <a:scrgbClr r="0" g="0" b="0"/>
+        </a:lnRef>
+        <a:fillRef idx="0">
+          <a:scrgbClr r="0" g="0" b="0"/>
+        </a:fillRef>
+        <a:effectRef idx="0">
+          <a:scrgbClr r="0" g="0" b="0"/>
+        </a:effectRef>
         <a:fontRef idx="none"/>
       </a:style>
     </a:txDef>
   </a:objectDefaults>
+  <a:extraClrSchemeLst/>
 </a:theme>
 </file>
 
 <file path=ppt/theme/theme2.xml><?xml version="1.0" encoding="utf-8"?>
-<a:theme xmlns:a="http://schemas.openxmlformats.org/drawingml/2006/main" xmlns:r="http://schemas.openxmlformats.org/officeDocument/2006/relationships" name="Office 테마">
+<a:theme xmlns:a="http://schemas.openxmlformats.org/drawingml/2006/main" name="Office 테마">
   <a:themeElements>
     <a:clrScheme name="Office 테마">
       <a:dk1>
@@ -15843,7 +16228,7 @@
         <a:effectLst/>
         <a:sp3d/>
       </a:spPr>
-      <a:bodyPr rot="0" spcFirstLastPara="1" vertOverflow="overflow" horzOverflow="overflow" vert="horz" wrap="square" lIns="45718" tIns="45718" rIns="45718" bIns="45718" numCol="1" spcCol="38100" rtlCol="0" anchor="ctr" upright="0">
+      <a:bodyPr rot="0" spcFirstLastPara="1" vertOverflow="overflow" horzOverflow="overflow" vert="horz" wrap="square" lIns="45718" tIns="45718" rIns="45718" bIns="45718" numCol="1" spcCol="38100" rtlCol="0" anchor="ctr">
         <a:spAutoFit/>
       </a:bodyPr>
       <a:lstStyle>
@@ -15862,7 +16247,7 @@
           <a:buFontTx/>
           <a:buNone/>
           <a:tabLst/>
-          <a:defRPr b="0" baseline="0" cap="none" i="0" spc="0" strike="noStrike" sz="1800" u="none" kumimoji="0" normalizeH="0">
+          <a:defRPr kumimoji="0" sz="1800" b="0" i="0" u="none" strike="noStrike" cap="none" spc="0" normalizeH="0" baseline="0">
             <a:ln>
               <a:noFill/>
             </a:ln>
@@ -15892,7 +16277,7 @@
           <a:buFontTx/>
           <a:buNone/>
           <a:tabLst/>
-          <a:defRPr b="0" baseline="0" cap="none" i="0" spc="0" strike="noStrike" sz="1800" u="none" kumimoji="0" normalizeH="0">
+          <a:defRPr kumimoji="0" sz="1800" b="0" i="0" u="none" strike="noStrike" cap="none" spc="0" normalizeH="0" baseline="0">
             <a:ln>
               <a:noFill/>
             </a:ln>
@@ -15918,7 +16303,7 @@
           <a:buFontTx/>
           <a:buNone/>
           <a:tabLst/>
-          <a:defRPr b="0" baseline="0" cap="none" i="0" spc="0" strike="noStrike" sz="1800" u="none" kumimoji="0" normalizeH="0">
+          <a:defRPr kumimoji="0" sz="1800" b="0" i="0" u="none" strike="noStrike" cap="none" spc="0" normalizeH="0" baseline="0">
             <a:ln>
               <a:noFill/>
             </a:ln>
@@ -15944,7 +16329,7 @@
           <a:buFontTx/>
           <a:buNone/>
           <a:tabLst/>
-          <a:defRPr b="0" baseline="0" cap="none" i="0" spc="0" strike="noStrike" sz="1800" u="none" kumimoji="0" normalizeH="0">
+          <a:defRPr kumimoji="0" sz="1800" b="0" i="0" u="none" strike="noStrike" cap="none" spc="0" normalizeH="0" baseline="0">
             <a:ln>
               <a:noFill/>
             </a:ln>
@@ -15970,7 +16355,7 @@
           <a:buFontTx/>
           <a:buNone/>
           <a:tabLst/>
-          <a:defRPr b="0" baseline="0" cap="none" i="0" spc="0" strike="noStrike" sz="1800" u="none" kumimoji="0" normalizeH="0">
+          <a:defRPr kumimoji="0" sz="1800" b="0" i="0" u="none" strike="noStrike" cap="none" spc="0" normalizeH="0" baseline="0">
             <a:ln>
               <a:noFill/>
             </a:ln>
@@ -15996,7 +16381,7 @@
           <a:buFontTx/>
           <a:buNone/>
           <a:tabLst/>
-          <a:defRPr b="0" baseline="0" cap="none" i="0" spc="0" strike="noStrike" sz="1800" u="none" kumimoji="0" normalizeH="0">
+          <a:defRPr kumimoji="0" sz="1800" b="0" i="0" u="none" strike="noStrike" cap="none" spc="0" normalizeH="0" baseline="0">
             <a:ln>
               <a:noFill/>
             </a:ln>
@@ -16022,7 +16407,7 @@
           <a:buFontTx/>
           <a:buNone/>
           <a:tabLst/>
-          <a:defRPr b="0" baseline="0" cap="none" i="0" spc="0" strike="noStrike" sz="1800" u="none" kumimoji="0" normalizeH="0">
+          <a:defRPr kumimoji="0" sz="1800" b="0" i="0" u="none" strike="noStrike" cap="none" spc="0" normalizeH="0" baseline="0">
             <a:ln>
               <a:noFill/>
             </a:ln>
@@ -16048,7 +16433,7 @@
           <a:buFontTx/>
           <a:buNone/>
           <a:tabLst/>
-          <a:defRPr b="0" baseline="0" cap="none" i="0" spc="0" strike="noStrike" sz="1800" u="none" kumimoji="0" normalizeH="0">
+          <a:defRPr kumimoji="0" sz="1800" b="0" i="0" u="none" strike="noStrike" cap="none" spc="0" normalizeH="0" baseline="0">
             <a:ln>
               <a:noFill/>
             </a:ln>
@@ -16074,7 +16459,7 @@
           <a:buFontTx/>
           <a:buNone/>
           <a:tabLst/>
-          <a:defRPr b="0" baseline="0" cap="none" i="0" spc="0" strike="noStrike" sz="1800" u="none" kumimoji="0" normalizeH="0">
+          <a:defRPr kumimoji="0" sz="1800" b="0" i="0" u="none" strike="noStrike" cap="none" spc="0" normalizeH="0" baseline="0">
             <a:ln>
               <a:noFill/>
             </a:ln>
@@ -16100,7 +16485,7 @@
           <a:buFontTx/>
           <a:buNone/>
           <a:tabLst/>
-          <a:defRPr b="0" baseline="0" cap="none" i="0" spc="0" strike="noStrike" sz="1800" u="none" kumimoji="0" normalizeH="0">
+          <a:defRPr kumimoji="0" sz="1800" b="0" i="0" u="none" strike="noStrike" cap="none" spc="0" normalizeH="0" baseline="0">
             <a:ln>
               <a:noFill/>
             </a:ln>
@@ -16113,9 +16498,15 @@
         </a:lvl9pPr>
       </a:lstStyle>
       <a:style>
-        <a:lnRef idx="0"/>
-        <a:fillRef idx="0"/>
-        <a:effectRef idx="0"/>
+        <a:lnRef idx="0">
+          <a:scrgbClr r="0" g="0" b="0"/>
+        </a:lnRef>
+        <a:fillRef idx="0">
+          <a:scrgbClr r="0" g="0" b="0"/>
+        </a:fillRef>
+        <a:effectRef idx="0">
+          <a:scrgbClr r="0" g="0" b="0"/>
+        </a:effectRef>
         <a:fontRef idx="none"/>
       </a:style>
     </a:spDef>
@@ -16132,7 +16523,7 @@
         <a:effectLst/>
         <a:sp3d/>
       </a:spPr>
-      <a:bodyPr rot="0" spcFirstLastPara="1" vertOverflow="overflow" horzOverflow="overflow" vert="horz" wrap="square" lIns="91439" tIns="45719" rIns="91439" bIns="45719" numCol="1" spcCol="38100" rtlCol="0" anchor="t" upright="0">
+      <a:bodyPr rot="0" spcFirstLastPara="1" vertOverflow="overflow" horzOverflow="overflow" vert="horz" wrap="square" lIns="91439" tIns="45719" rIns="91439" bIns="45719" numCol="1" spcCol="38100" rtlCol="0" anchor="t">
         <a:noAutofit/>
       </a:bodyPr>
       <a:lstStyle>
@@ -16151,7 +16542,7 @@
           <a:buFontTx/>
           <a:buNone/>
           <a:tabLst/>
-          <a:defRPr b="0" baseline="0" cap="none" i="0" spc="0" strike="noStrike" sz="1800" u="none" kumimoji="0" normalizeH="0">
+          <a:defRPr kumimoji="0" sz="1800" b="0" i="0" u="none" strike="noStrike" cap="none" spc="0" normalizeH="0" baseline="0">
             <a:ln>
               <a:noFill/>
             </a:ln>
@@ -16177,7 +16568,7 @@
           <a:buFontTx/>
           <a:buNone/>
           <a:tabLst/>
-          <a:defRPr b="0" baseline="0" cap="none" i="0" spc="0" strike="noStrike" sz="1800" u="none" kumimoji="0" normalizeH="0">
+          <a:defRPr kumimoji="0" sz="1800" b="0" i="0" u="none" strike="noStrike" cap="none" spc="0" normalizeH="0" baseline="0">
             <a:ln>
               <a:noFill/>
             </a:ln>
@@ -16203,7 +16594,7 @@
           <a:buFontTx/>
           <a:buNone/>
           <a:tabLst/>
-          <a:defRPr b="0" baseline="0" cap="none" i="0" spc="0" strike="noStrike" sz="1800" u="none" kumimoji="0" normalizeH="0">
+          <a:defRPr kumimoji="0" sz="1800" b="0" i="0" u="none" strike="noStrike" cap="none" spc="0" normalizeH="0" baseline="0">
             <a:ln>
               <a:noFill/>
             </a:ln>
@@ -16229,7 +16620,7 @@
           <a:buFontTx/>
           <a:buNone/>
           <a:tabLst/>
-          <a:defRPr b="0" baseline="0" cap="none" i="0" spc="0" strike="noStrike" sz="1800" u="none" kumimoji="0" normalizeH="0">
+          <a:defRPr kumimoji="0" sz="1800" b="0" i="0" u="none" strike="noStrike" cap="none" spc="0" normalizeH="0" baseline="0">
             <a:ln>
               <a:noFill/>
             </a:ln>
@@ -16255,7 +16646,7 @@
           <a:buFontTx/>
           <a:buNone/>
           <a:tabLst/>
-          <a:defRPr b="0" baseline="0" cap="none" i="0" spc="0" strike="noStrike" sz="1800" u="none" kumimoji="0" normalizeH="0">
+          <a:defRPr kumimoji="0" sz="1800" b="0" i="0" u="none" strike="noStrike" cap="none" spc="0" normalizeH="0" baseline="0">
             <a:ln>
               <a:noFill/>
             </a:ln>
@@ -16281,7 +16672,7 @@
           <a:buFontTx/>
           <a:buNone/>
           <a:tabLst/>
-          <a:defRPr b="0" baseline="0" cap="none" i="0" spc="0" strike="noStrike" sz="1800" u="none" kumimoji="0" normalizeH="0">
+          <a:defRPr kumimoji="0" sz="1800" b="0" i="0" u="none" strike="noStrike" cap="none" spc="0" normalizeH="0" baseline="0">
             <a:ln>
               <a:noFill/>
             </a:ln>
@@ -16307,7 +16698,7 @@
           <a:buFontTx/>
           <a:buNone/>
           <a:tabLst/>
-          <a:defRPr b="0" baseline="0" cap="none" i="0" spc="0" strike="noStrike" sz="1800" u="none" kumimoji="0" normalizeH="0">
+          <a:defRPr kumimoji="0" sz="1800" b="0" i="0" u="none" strike="noStrike" cap="none" spc="0" normalizeH="0" baseline="0">
             <a:ln>
               <a:noFill/>
             </a:ln>
@@ -16333,7 +16724,7 @@
           <a:buFontTx/>
           <a:buNone/>
           <a:tabLst/>
-          <a:defRPr b="0" baseline="0" cap="none" i="0" spc="0" strike="noStrike" sz="1800" u="none" kumimoji="0" normalizeH="0">
+          <a:defRPr kumimoji="0" sz="1800" b="0" i="0" u="none" strike="noStrike" cap="none" spc="0" normalizeH="0" baseline="0">
             <a:ln>
               <a:noFill/>
             </a:ln>
@@ -16359,7 +16750,7 @@
           <a:buFontTx/>
           <a:buNone/>
           <a:tabLst/>
-          <a:defRPr b="0" baseline="0" cap="none" i="0" spc="0" strike="noStrike" sz="1800" u="none" kumimoji="0" normalizeH="0">
+          <a:defRPr kumimoji="0" sz="1800" b="0" i="0" u="none" strike="noStrike" cap="none" spc="0" normalizeH="0" baseline="0">
             <a:ln>
               <a:noFill/>
             </a:ln>
@@ -16385,7 +16776,7 @@
           <a:buFontTx/>
           <a:buNone/>
           <a:tabLst/>
-          <a:defRPr b="0" baseline="0" cap="none" i="0" spc="0" strike="noStrike" sz="1800" u="none" kumimoji="0" normalizeH="0">
+          <a:defRPr kumimoji="0" sz="1800" b="0" i="0" u="none" strike="noStrike" cap="none" spc="0" normalizeH="0" baseline="0">
             <a:ln>
               <a:noFill/>
             </a:ln>
@@ -16398,9 +16789,15 @@
         </a:lvl9pPr>
       </a:lstStyle>
       <a:style>
-        <a:lnRef idx="0"/>
-        <a:fillRef idx="0"/>
-        <a:effectRef idx="0"/>
+        <a:lnRef idx="0">
+          <a:scrgbClr r="0" g="0" b="0"/>
+        </a:lnRef>
+        <a:fillRef idx="0">
+          <a:scrgbClr r="0" g="0" b="0"/>
+        </a:fillRef>
+        <a:effectRef idx="0">
+          <a:scrgbClr r="0" g="0" b="0"/>
+        </a:effectRef>
         <a:fontRef idx="none"/>
       </a:style>
     </a:lnDef>
@@ -16414,7 +16811,7 @@
         <a:effectLst/>
         <a:sp3d/>
       </a:spPr>
-      <a:bodyPr rot="0" spcFirstLastPara="1" vertOverflow="overflow" horzOverflow="overflow" vert="horz" wrap="square" lIns="45718" tIns="45718" rIns="45718" bIns="45718" numCol="1" spcCol="38100" rtlCol="0" anchor="ctr" upright="0">
+      <a:bodyPr rot="0" spcFirstLastPara="1" vertOverflow="overflow" horzOverflow="overflow" vert="horz" wrap="square" lIns="45718" tIns="45718" rIns="45718" bIns="45718" numCol="1" spcCol="38100" rtlCol="0" anchor="ctr">
         <a:spAutoFit/>
       </a:bodyPr>
       <a:lstStyle>
@@ -16433,7 +16830,7 @@
           <a:buFontTx/>
           <a:buNone/>
           <a:tabLst/>
-          <a:defRPr b="0" baseline="0" cap="none" i="0" spc="0" strike="noStrike" sz="1800" u="none" kumimoji="0" normalizeH="0">
+          <a:defRPr kumimoji="0" sz="1800" b="0" i="0" u="none" strike="noStrike" cap="none" spc="0" normalizeH="0" baseline="0">
             <a:ln>
               <a:noFill/>
             </a:ln>
@@ -16463,7 +16860,7 @@
           <a:buFontTx/>
           <a:buNone/>
           <a:tabLst/>
-          <a:defRPr b="0" baseline="0" cap="none" i="0" spc="0" strike="noStrike" sz="1800" u="none" kumimoji="0" normalizeH="0">
+          <a:defRPr kumimoji="0" sz="1800" b="0" i="0" u="none" strike="noStrike" cap="none" spc="0" normalizeH="0" baseline="0">
             <a:ln>
               <a:noFill/>
             </a:ln>
@@ -16489,7 +16886,7 @@
           <a:buFontTx/>
           <a:buNone/>
           <a:tabLst/>
-          <a:defRPr b="0" baseline="0" cap="none" i="0" spc="0" strike="noStrike" sz="1800" u="none" kumimoji="0" normalizeH="0">
+          <a:defRPr kumimoji="0" sz="1800" b="0" i="0" u="none" strike="noStrike" cap="none" spc="0" normalizeH="0" baseline="0">
             <a:ln>
               <a:noFill/>
             </a:ln>
@@ -16515,7 +16912,7 @@
           <a:buFontTx/>
           <a:buNone/>
           <a:tabLst/>
-          <a:defRPr b="0" baseline="0" cap="none" i="0" spc="0" strike="noStrike" sz="1800" u="none" kumimoji="0" normalizeH="0">
+          <a:defRPr kumimoji="0" sz="1800" b="0" i="0" u="none" strike="noStrike" cap="none" spc="0" normalizeH="0" baseline="0">
             <a:ln>
               <a:noFill/>
             </a:ln>
@@ -16541,7 +16938,7 @@
           <a:buFontTx/>
           <a:buNone/>
           <a:tabLst/>
-          <a:defRPr b="0" baseline="0" cap="none" i="0" spc="0" strike="noStrike" sz="1800" u="none" kumimoji="0" normalizeH="0">
+          <a:defRPr kumimoji="0" sz="1800" b="0" i="0" u="none" strike="noStrike" cap="none" spc="0" normalizeH="0" baseline="0">
             <a:ln>
               <a:noFill/>
             </a:ln>
@@ -16567,7 +16964,7 @@
           <a:buFontTx/>
           <a:buNone/>
           <a:tabLst/>
-          <a:defRPr b="0" baseline="0" cap="none" i="0" spc="0" strike="noStrike" sz="1800" u="none" kumimoji="0" normalizeH="0">
+          <a:defRPr kumimoji="0" sz="1800" b="0" i="0" u="none" strike="noStrike" cap="none" spc="0" normalizeH="0" baseline="0">
             <a:ln>
               <a:noFill/>
             </a:ln>
@@ -16593,7 +16990,7 @@
           <a:buFontTx/>
           <a:buNone/>
           <a:tabLst/>
-          <a:defRPr b="0" baseline="0" cap="none" i="0" spc="0" strike="noStrike" sz="1800" u="none" kumimoji="0" normalizeH="0">
+          <a:defRPr kumimoji="0" sz="1800" b="0" i="0" u="none" strike="noStrike" cap="none" spc="0" normalizeH="0" baseline="0">
             <a:ln>
               <a:noFill/>
             </a:ln>
@@ -16619,7 +17016,7 @@
           <a:buFontTx/>
           <a:buNone/>
           <a:tabLst/>
-          <a:defRPr b="0" baseline="0" cap="none" i="0" spc="0" strike="noStrike" sz="1800" u="none" kumimoji="0" normalizeH="0">
+          <a:defRPr kumimoji="0" sz="1800" b="0" i="0" u="none" strike="noStrike" cap="none" spc="0" normalizeH="0" baseline="0">
             <a:ln>
               <a:noFill/>
             </a:ln>
@@ -16645,7 +17042,7 @@
           <a:buFontTx/>
           <a:buNone/>
           <a:tabLst/>
-          <a:defRPr b="0" baseline="0" cap="none" i="0" spc="0" strike="noStrike" sz="1800" u="none" kumimoji="0" normalizeH="0">
+          <a:defRPr kumimoji="0" sz="1800" b="0" i="0" u="none" strike="noStrike" cap="none" spc="0" normalizeH="0" baseline="0">
             <a:ln>
               <a:noFill/>
             </a:ln>
@@ -16671,7 +17068,7 @@
           <a:buFontTx/>
           <a:buNone/>
           <a:tabLst/>
-          <a:defRPr b="0" baseline="0" cap="none" i="0" spc="0" strike="noStrike" sz="1800" u="none" kumimoji="0" normalizeH="0">
+          <a:defRPr kumimoji="0" sz="1800" b="0" i="0" u="none" strike="noStrike" cap="none" spc="0" normalizeH="0" baseline="0">
             <a:ln>
               <a:noFill/>
             </a:ln>
@@ -16684,12 +17081,19 @@
         </a:lvl9pPr>
       </a:lstStyle>
       <a:style>
-        <a:lnRef idx="0"/>
-        <a:fillRef idx="0"/>
-        <a:effectRef idx="0"/>
+        <a:lnRef idx="0">
+          <a:scrgbClr r="0" g="0" b="0"/>
+        </a:lnRef>
+        <a:fillRef idx="0">
+          <a:scrgbClr r="0" g="0" b="0"/>
+        </a:fillRef>
+        <a:effectRef idx="0">
+          <a:scrgbClr r="0" g="0" b="0"/>
+        </a:effectRef>
         <a:fontRef idx="none"/>
       </a:style>
     </a:txDef>
   </a:objectDefaults>
+  <a:extraClrSchemeLst/>
 </a:theme>
 </file>